--- a/発表資料.pptx
+++ b/発表資料.pptx
@@ -7,6 +7,11 @@
   <p:sldIdLst>
     <p:sldId id="256" r:id="rId2"/>
     <p:sldId id="257" r:id="rId3"/>
+    <p:sldId id="258" r:id="rId4"/>
+    <p:sldId id="259" r:id="rId5"/>
+    <p:sldId id="261" r:id="rId6"/>
+    <p:sldId id="260" r:id="rId7"/>
+    <p:sldId id="262" r:id="rId8"/>
   </p:sldIdLst>
   <p:sldSz cx="12192000" cy="6858000"/>
   <p:notesSz cx="6858000" cy="9144000"/>
@@ -105,6 +110,11 @@
       </a:defRPr>
     </a:lvl9pPr>
   </p:defaultTextStyle>
+  <p:extLst>
+    <p:ext uri="{EFAFB233-063F-42B5-8137-9DF3F51BA10A}">
+      <p15:sldGuideLst xmlns:p15="http://schemas.microsoft.com/office/powerpoint/2012/main"/>
+    </p:ext>
+  </p:extLst>
 </p:presentation>
 </file>
 
@@ -255,7 +265,7 @@
           <a:p>
             <a:fld id="{BF26994C-281C-48A7-8F30-8C95503EC27F}" type="datetimeFigureOut">
               <a:rPr kumimoji="1" lang="ja-JP" altLang="en-US" smtClean="0"/>
-              <a:t>2024/7/10</a:t>
+              <a:t>2024/7/16</a:t>
             </a:fld>
             <a:endParaRPr kumimoji="1" lang="ja-JP" altLang="en-US"/>
           </a:p>
@@ -485,7 +495,7 @@
           <a:p>
             <a:fld id="{BF26994C-281C-48A7-8F30-8C95503EC27F}" type="datetimeFigureOut">
               <a:rPr kumimoji="1" lang="ja-JP" altLang="en-US" smtClean="0"/>
-              <a:t>2024/7/10</a:t>
+              <a:t>2024/7/16</a:t>
             </a:fld>
             <a:endParaRPr kumimoji="1" lang="ja-JP" altLang="en-US"/>
           </a:p>
@@ -725,7 +735,7 @@
           <a:p>
             <a:fld id="{BF26994C-281C-48A7-8F30-8C95503EC27F}" type="datetimeFigureOut">
               <a:rPr kumimoji="1" lang="ja-JP" altLang="en-US" smtClean="0"/>
-              <a:t>2024/7/10</a:t>
+              <a:t>2024/7/16</a:t>
             </a:fld>
             <a:endParaRPr kumimoji="1" lang="ja-JP" altLang="en-US"/>
           </a:p>
@@ -955,7 +965,7 @@
           <a:p>
             <a:fld id="{BF26994C-281C-48A7-8F30-8C95503EC27F}" type="datetimeFigureOut">
               <a:rPr kumimoji="1" lang="ja-JP" altLang="en-US" smtClean="0"/>
-              <a:t>2024/7/10</a:t>
+              <a:t>2024/7/16</a:t>
             </a:fld>
             <a:endParaRPr kumimoji="1" lang="ja-JP" altLang="en-US"/>
           </a:p>
@@ -1230,7 +1240,7 @@
           <a:p>
             <a:fld id="{BF26994C-281C-48A7-8F30-8C95503EC27F}" type="datetimeFigureOut">
               <a:rPr kumimoji="1" lang="ja-JP" altLang="en-US" smtClean="0"/>
-              <a:t>2024/7/10</a:t>
+              <a:t>2024/7/16</a:t>
             </a:fld>
             <a:endParaRPr kumimoji="1" lang="ja-JP" altLang="en-US"/>
           </a:p>
@@ -1559,7 +1569,7 @@
           <a:p>
             <a:fld id="{BF26994C-281C-48A7-8F30-8C95503EC27F}" type="datetimeFigureOut">
               <a:rPr kumimoji="1" lang="ja-JP" altLang="en-US" smtClean="0"/>
-              <a:t>2024/7/10</a:t>
+              <a:t>2024/7/16</a:t>
             </a:fld>
             <a:endParaRPr kumimoji="1" lang="ja-JP" altLang="en-US"/>
           </a:p>
@@ -2035,7 +2045,7 @@
           <a:p>
             <a:fld id="{BF26994C-281C-48A7-8F30-8C95503EC27F}" type="datetimeFigureOut">
               <a:rPr kumimoji="1" lang="ja-JP" altLang="en-US" smtClean="0"/>
-              <a:t>2024/7/10</a:t>
+              <a:t>2024/7/16</a:t>
             </a:fld>
             <a:endParaRPr kumimoji="1" lang="ja-JP" altLang="en-US"/>
           </a:p>
@@ -2176,7 +2186,7 @@
           <a:p>
             <a:fld id="{BF26994C-281C-48A7-8F30-8C95503EC27F}" type="datetimeFigureOut">
               <a:rPr kumimoji="1" lang="ja-JP" altLang="en-US" smtClean="0"/>
-              <a:t>2024/7/10</a:t>
+              <a:t>2024/7/16</a:t>
             </a:fld>
             <a:endParaRPr kumimoji="1" lang="ja-JP" altLang="en-US"/>
           </a:p>
@@ -2289,7 +2299,7 @@
           <a:p>
             <a:fld id="{BF26994C-281C-48A7-8F30-8C95503EC27F}" type="datetimeFigureOut">
               <a:rPr kumimoji="1" lang="ja-JP" altLang="en-US" smtClean="0"/>
-              <a:t>2024/7/10</a:t>
+              <a:t>2024/7/16</a:t>
             </a:fld>
             <a:endParaRPr kumimoji="1" lang="ja-JP" altLang="en-US"/>
           </a:p>
@@ -2632,7 +2642,7 @@
           <a:p>
             <a:fld id="{BF26994C-281C-48A7-8F30-8C95503EC27F}" type="datetimeFigureOut">
               <a:rPr kumimoji="1" lang="ja-JP" altLang="en-US" smtClean="0"/>
-              <a:t>2024/7/10</a:t>
+              <a:t>2024/7/16</a:t>
             </a:fld>
             <a:endParaRPr kumimoji="1" lang="ja-JP" altLang="en-US"/>
           </a:p>
@@ -2920,7 +2930,7 @@
           <a:p>
             <a:fld id="{BF26994C-281C-48A7-8F30-8C95503EC27F}" type="datetimeFigureOut">
               <a:rPr kumimoji="1" lang="ja-JP" altLang="en-US" smtClean="0"/>
-              <a:t>2024/7/10</a:t>
+              <a:t>2024/7/16</a:t>
             </a:fld>
             <a:endParaRPr kumimoji="1" lang="ja-JP" altLang="en-US"/>
           </a:p>
@@ -3193,7 +3203,7 @@
           <a:p>
             <a:fld id="{BF26994C-281C-48A7-8F30-8C95503EC27F}" type="datetimeFigureOut">
               <a:rPr kumimoji="1" lang="ja-JP" altLang="en-US" smtClean="0"/>
-              <a:t>2024/7/10</a:t>
+              <a:t>2024/7/16</a:t>
             </a:fld>
             <a:endParaRPr kumimoji="1" lang="ja-JP" altLang="en-US"/>
           </a:p>
@@ -3596,6 +3606,14 @@
 <file path=ppt/slides/slide1.xml><?xml version="1.0" encoding="utf-8"?>
 <p:sld xmlns:a="http://schemas.openxmlformats.org/drawingml/2006/main" xmlns:r="http://schemas.openxmlformats.org/officeDocument/2006/relationships" xmlns:p="http://schemas.openxmlformats.org/presentationml/2006/main">
   <p:cSld>
+    <p:bg>
+      <p:bgPr>
+        <a:solidFill>
+          <a:schemeClr val="bg1"/>
+        </a:solidFill>
+        <a:effectLst/>
+      </p:bgPr>
+    </p:bg>
     <p:spTree>
       <p:nvGrpSpPr>
         <p:cNvPr id="1" name=""/>
@@ -3612,6 +3630,82 @@
       </p:grpSpPr>
       <p:sp>
         <p:nvSpPr>
+          <p:cNvPr id="8" name="Rectangle 7">
+            <a:extLst>
+              <a:ext uri="{FF2B5EF4-FFF2-40B4-BE49-F238E27FC236}">
+                <a16:creationId xmlns:a16="http://schemas.microsoft.com/office/drawing/2014/main" id="{EFA9B6C6-A247-48A8-9A1C-1E36FA9456B5}"/>
+              </a:ext>
+              <a:ext uri="{C183D7F6-B498-43B3-948B-1728B52AA6E4}">
+                <adec:decorative xmlns:adec="http://schemas.microsoft.com/office/drawing/2017/decorative" val="1"/>
+              </a:ext>
+            </a:extLst>
+          </p:cNvPr>
+          <p:cNvSpPr>
+            <a:spLocks noGrp="1" noRot="1" noChangeAspect="1" noMove="1" noResize="1" noEditPoints="1" noAdjustHandles="1" noChangeArrowheads="1" noChangeShapeType="1" noTextEdit="1"/>
+          </p:cNvSpPr>
+          <p:nvPr>
+            <p:extLst>
+              <p:ext uri="{386F3935-93C4-4BCD-93E2-E3B085C9AB24}">
+                <p16:designElem xmlns:p16="http://schemas.microsoft.com/office/powerpoint/2015/main" val="1"/>
+              </p:ext>
+            </p:extLst>
+          </p:nvPr>
+        </p:nvSpPr>
+        <p:spPr>
+          <a:xfrm>
+            <a:off x="0" y="0"/>
+            <a:ext cx="12192000" cy="6858000"/>
+          </a:xfrm>
+          <a:prstGeom prst="rect">
+            <a:avLst/>
+          </a:prstGeom>
+          <a:gradFill flip="none" rotWithShape="1">
+            <a:gsLst>
+              <a:gs pos="0">
+                <a:schemeClr val="accent1"/>
+              </a:gs>
+              <a:gs pos="100000">
+                <a:schemeClr val="accent2"/>
+              </a:gs>
+            </a:gsLst>
+            <a:lin ang="2700000" scaled="1"/>
+            <a:tileRect/>
+          </a:gradFill>
+          <a:ln>
+            <a:noFill/>
+          </a:ln>
+        </p:spPr>
+        <p:style>
+          <a:lnRef idx="2">
+            <a:schemeClr val="accent1">
+              <a:shade val="50000"/>
+            </a:schemeClr>
+          </a:lnRef>
+          <a:fillRef idx="1">
+            <a:schemeClr val="accent1"/>
+          </a:fillRef>
+          <a:effectRef idx="0">
+            <a:schemeClr val="accent1"/>
+          </a:effectRef>
+          <a:fontRef idx="minor">
+            <a:schemeClr val="lt1"/>
+          </a:fontRef>
+        </p:style>
+        <p:txBody>
+          <a:bodyPr rtlCol="0" anchor="ctr"/>
+          <a:lstStyle/>
+          <a:p>
+            <a:pPr algn="ctr"/>
+            <a:endParaRPr lang="en-US">
+              <a:solidFill>
+                <a:srgbClr val="FFFFFF"/>
+              </a:solidFill>
+            </a:endParaRPr>
+          </a:p>
+        </p:txBody>
+      </p:sp>
+      <p:sp>
+        <p:nvSpPr>
           <p:cNvPr id="2" name="タイトル 1">
             <a:extLst>
               <a:ext uri="{FF2B5EF4-FFF2-40B4-BE49-F238E27FC236}">
@@ -3626,13 +3720,25 @@
             <p:ph type="ctrTitle"/>
           </p:nvPr>
         </p:nvSpPr>
-        <p:spPr/>
-        <p:txBody>
-          <a:bodyPr/>
+        <p:spPr>
+          <a:xfrm>
+            <a:off x="1301261" y="590062"/>
+            <a:ext cx="5409655" cy="2838938"/>
+          </a:xfrm>
+        </p:spPr>
+        <p:txBody>
+          <a:bodyPr>
+            <a:normAutofit/>
+          </a:bodyPr>
           <a:lstStyle/>
           <a:p>
-            <a:r>
-              <a:rPr kumimoji="1" lang="ja-JP" altLang="en-US" dirty="0"/>
+            <a:pPr algn="l"/>
+            <a:r>
+              <a:rPr kumimoji="1" lang="ja-JP" altLang="en-US" sz="5600">
+                <a:solidFill>
+                  <a:srgbClr val="FFFFFF"/>
+                </a:solidFill>
+              </a:rPr>
               <a:t>モバイル開発</a:t>
             </a:r>
           </a:p>
@@ -3654,33 +3760,600 @@
             <p:ph type="subTitle" idx="1"/>
           </p:nvPr>
         </p:nvSpPr>
-        <p:spPr/>
-        <p:txBody>
-          <a:bodyPr/>
+        <p:spPr>
+          <a:xfrm>
+            <a:off x="5642044" y="4698614"/>
+            <a:ext cx="5088650" cy="1198120"/>
+          </a:xfrm>
+        </p:spPr>
+        <p:txBody>
+          <a:bodyPr>
+            <a:normAutofit/>
+          </a:bodyPr>
           <a:lstStyle/>
           <a:p>
-            <a:r>
-              <a:rPr kumimoji="1" lang="en-US" altLang="ja-JP" dirty="0"/>
+            <a:pPr algn="r"/>
+            <a:r>
+              <a:rPr kumimoji="1" lang="en-US" altLang="ja-JP" sz="2000">
+                <a:solidFill>
+                  <a:srgbClr val="FFFFFF"/>
+                </a:solidFill>
+              </a:rPr>
               <a:t>Original</a:t>
             </a:r>
             <a:r>
-              <a:rPr lang="ja-JP" altLang="en-US" dirty="0"/>
+              <a:rPr lang="ja-JP" altLang="en-US" sz="2000">
+                <a:solidFill>
+                  <a:srgbClr val="FFFFFF"/>
+                </a:solidFill>
+              </a:rPr>
               <a:t> </a:t>
             </a:r>
             <a:r>
-              <a:rPr lang="en-US" altLang="ja-JP" dirty="0"/>
+              <a:rPr lang="en-US" altLang="ja-JP" sz="2000">
+                <a:solidFill>
+                  <a:srgbClr val="FFFFFF"/>
+                </a:solidFill>
+              </a:rPr>
               <a:t>drink</a:t>
             </a:r>
           </a:p>
           <a:p>
-            <a:r>
-              <a:rPr kumimoji="1" lang="en-US" altLang="ja-JP" dirty="0"/>
+            <a:pPr algn="r"/>
+            <a:r>
+              <a:rPr kumimoji="1" lang="en-US" altLang="ja-JP" sz="2000">
+                <a:solidFill>
+                  <a:srgbClr val="FFFFFF"/>
+                </a:solidFill>
+              </a:rPr>
               <a:t>21410106</a:t>
             </a:r>
-            <a:endParaRPr kumimoji="1" lang="ja-JP" altLang="en-US" dirty="0"/>
-          </a:p>
-        </p:txBody>
-      </p:sp>
+            <a:endParaRPr kumimoji="1" lang="ja-JP" altLang="en-US" sz="2000">
+              <a:solidFill>
+                <a:srgbClr val="FFFFFF"/>
+              </a:solidFill>
+            </a:endParaRPr>
+          </a:p>
+        </p:txBody>
+      </p:sp>
+      <p:sp>
+        <p:nvSpPr>
+          <p:cNvPr id="10" name="Graphic 13">
+            <a:extLst>
+              <a:ext uri="{FF2B5EF4-FFF2-40B4-BE49-F238E27FC236}">
+                <a16:creationId xmlns:a16="http://schemas.microsoft.com/office/drawing/2014/main" id="{C5CB530E-515E-412C-9DF1-5F8FFBD6F383}"/>
+              </a:ext>
+              <a:ext uri="{C183D7F6-B498-43B3-948B-1728B52AA6E4}">
+                <adec:decorative xmlns:adec="http://schemas.microsoft.com/office/drawing/2017/decorative" val="1"/>
+              </a:ext>
+            </a:extLst>
+          </p:cNvPr>
+          <p:cNvSpPr>
+            <a:spLocks noGrp="1" noRot="1" noChangeAspect="1" noMove="1" noResize="1" noEditPoints="1" noAdjustHandles="1" noChangeArrowheads="1" noChangeShapeType="1" noTextEdit="1"/>
+          </p:cNvSpPr>
+          <p:nvPr>
+            <p:extLst>
+              <p:ext uri="{386F3935-93C4-4BCD-93E2-E3B085C9AB24}">
+                <p16:designElem xmlns:p16="http://schemas.microsoft.com/office/powerpoint/2015/main" val="1"/>
+              </p:ext>
+            </p:extLst>
+          </p:nvPr>
+        </p:nvSpPr>
+        <p:spPr>
+          <a:xfrm>
+            <a:off x="6817602" y="2744546"/>
+            <a:ext cx="139038" cy="139038"/>
+          </a:xfrm>
+          <a:custGeom>
+            <a:avLst/>
+            <a:gdLst>
+              <a:gd name="connsiteX0" fmla="*/ 129601 w 139038"/>
+              <a:gd name="connsiteY0" fmla="*/ 60082 h 139038"/>
+              <a:gd name="connsiteX1" fmla="*/ 78956 w 139038"/>
+              <a:gd name="connsiteY1" fmla="*/ 60082 h 139038"/>
+              <a:gd name="connsiteX2" fmla="*/ 78956 w 139038"/>
+              <a:gd name="connsiteY2" fmla="*/ 9437 h 139038"/>
+              <a:gd name="connsiteX3" fmla="*/ 69519 w 139038"/>
+              <a:gd name="connsiteY3" fmla="*/ 0 h 139038"/>
+              <a:gd name="connsiteX4" fmla="*/ 60082 w 139038"/>
+              <a:gd name="connsiteY4" fmla="*/ 9437 h 139038"/>
+              <a:gd name="connsiteX5" fmla="*/ 60082 w 139038"/>
+              <a:gd name="connsiteY5" fmla="*/ 60082 h 139038"/>
+              <a:gd name="connsiteX6" fmla="*/ 9437 w 139038"/>
+              <a:gd name="connsiteY6" fmla="*/ 60082 h 139038"/>
+              <a:gd name="connsiteX7" fmla="*/ 0 w 139038"/>
+              <a:gd name="connsiteY7" fmla="*/ 69519 h 139038"/>
+              <a:gd name="connsiteX8" fmla="*/ 9437 w 139038"/>
+              <a:gd name="connsiteY8" fmla="*/ 78956 h 139038"/>
+              <a:gd name="connsiteX9" fmla="*/ 60082 w 139038"/>
+              <a:gd name="connsiteY9" fmla="*/ 78956 h 139038"/>
+              <a:gd name="connsiteX10" fmla="*/ 60082 w 139038"/>
+              <a:gd name="connsiteY10" fmla="*/ 129601 h 139038"/>
+              <a:gd name="connsiteX11" fmla="*/ 69519 w 139038"/>
+              <a:gd name="connsiteY11" fmla="*/ 139038 h 139038"/>
+              <a:gd name="connsiteX12" fmla="*/ 78956 w 139038"/>
+              <a:gd name="connsiteY12" fmla="*/ 129601 h 139038"/>
+              <a:gd name="connsiteX13" fmla="*/ 78956 w 139038"/>
+              <a:gd name="connsiteY13" fmla="*/ 78956 h 139038"/>
+              <a:gd name="connsiteX14" fmla="*/ 129601 w 139038"/>
+              <a:gd name="connsiteY14" fmla="*/ 78956 h 139038"/>
+              <a:gd name="connsiteX15" fmla="*/ 139038 w 139038"/>
+              <a:gd name="connsiteY15" fmla="*/ 69519 h 139038"/>
+              <a:gd name="connsiteX16" fmla="*/ 129601 w 139038"/>
+              <a:gd name="connsiteY16" fmla="*/ 60082 h 139038"/>
+            </a:gdLst>
+            <a:ahLst/>
+            <a:cxnLst>
+              <a:cxn ang="0">
+                <a:pos x="connsiteX0" y="connsiteY0"/>
+              </a:cxn>
+              <a:cxn ang="0">
+                <a:pos x="connsiteX1" y="connsiteY1"/>
+              </a:cxn>
+              <a:cxn ang="0">
+                <a:pos x="connsiteX2" y="connsiteY2"/>
+              </a:cxn>
+              <a:cxn ang="0">
+                <a:pos x="connsiteX3" y="connsiteY3"/>
+              </a:cxn>
+              <a:cxn ang="0">
+                <a:pos x="connsiteX4" y="connsiteY4"/>
+              </a:cxn>
+              <a:cxn ang="0">
+                <a:pos x="connsiteX5" y="connsiteY5"/>
+              </a:cxn>
+              <a:cxn ang="0">
+                <a:pos x="connsiteX6" y="connsiteY6"/>
+              </a:cxn>
+              <a:cxn ang="0">
+                <a:pos x="connsiteX7" y="connsiteY7"/>
+              </a:cxn>
+              <a:cxn ang="0">
+                <a:pos x="connsiteX8" y="connsiteY8"/>
+              </a:cxn>
+              <a:cxn ang="0">
+                <a:pos x="connsiteX9" y="connsiteY9"/>
+              </a:cxn>
+              <a:cxn ang="0">
+                <a:pos x="connsiteX10" y="connsiteY10"/>
+              </a:cxn>
+              <a:cxn ang="0">
+                <a:pos x="connsiteX11" y="connsiteY11"/>
+              </a:cxn>
+              <a:cxn ang="0">
+                <a:pos x="connsiteX12" y="connsiteY12"/>
+              </a:cxn>
+              <a:cxn ang="0">
+                <a:pos x="connsiteX13" y="connsiteY13"/>
+              </a:cxn>
+              <a:cxn ang="0">
+                <a:pos x="connsiteX14" y="connsiteY14"/>
+              </a:cxn>
+              <a:cxn ang="0">
+                <a:pos x="connsiteX15" y="connsiteY15"/>
+              </a:cxn>
+              <a:cxn ang="0">
+                <a:pos x="connsiteX16" y="connsiteY16"/>
+              </a:cxn>
+            </a:cxnLst>
+            <a:rect l="l" t="t" r="r" b="b"/>
+            <a:pathLst>
+              <a:path w="139038" h="139038">
+                <a:moveTo>
+                  <a:pt x="129601" y="60082"/>
+                </a:moveTo>
+                <a:lnTo>
+                  <a:pt x="78956" y="60082"/>
+                </a:lnTo>
+                <a:lnTo>
+                  <a:pt x="78956" y="9437"/>
+                </a:lnTo>
+                <a:cubicBezTo>
+                  <a:pt x="78956" y="4225"/>
+                  <a:pt x="74731" y="0"/>
+                  <a:pt x="69519" y="0"/>
+                </a:cubicBezTo>
+                <a:cubicBezTo>
+                  <a:pt x="64307" y="0"/>
+                  <a:pt x="60082" y="4225"/>
+                  <a:pt x="60082" y="9437"/>
+                </a:cubicBezTo>
+                <a:lnTo>
+                  <a:pt x="60082" y="60082"/>
+                </a:lnTo>
+                <a:lnTo>
+                  <a:pt x="9437" y="60082"/>
+                </a:lnTo>
+                <a:cubicBezTo>
+                  <a:pt x="4225" y="60082"/>
+                  <a:pt x="0" y="64307"/>
+                  <a:pt x="0" y="69519"/>
+                </a:cubicBezTo>
+                <a:cubicBezTo>
+                  <a:pt x="0" y="74731"/>
+                  <a:pt x="4225" y="78956"/>
+                  <a:pt x="9437" y="78956"/>
+                </a:cubicBezTo>
+                <a:lnTo>
+                  <a:pt x="60082" y="78956"/>
+                </a:lnTo>
+                <a:lnTo>
+                  <a:pt x="60082" y="129601"/>
+                </a:lnTo>
+                <a:cubicBezTo>
+                  <a:pt x="60082" y="134813"/>
+                  <a:pt x="64307" y="139038"/>
+                  <a:pt x="69519" y="139038"/>
+                </a:cubicBezTo>
+                <a:cubicBezTo>
+                  <a:pt x="74731" y="139038"/>
+                  <a:pt x="78956" y="134813"/>
+                  <a:pt x="78956" y="129601"/>
+                </a:cubicBezTo>
+                <a:lnTo>
+                  <a:pt x="78956" y="78956"/>
+                </a:lnTo>
+                <a:lnTo>
+                  <a:pt x="129601" y="78956"/>
+                </a:lnTo>
+                <a:cubicBezTo>
+                  <a:pt x="134813" y="78956"/>
+                  <a:pt x="139038" y="74731"/>
+                  <a:pt x="139038" y="69519"/>
+                </a:cubicBezTo>
+                <a:cubicBezTo>
+                  <a:pt x="139038" y="64307"/>
+                  <a:pt x="134813" y="60082"/>
+                  <a:pt x="129601" y="60082"/>
+                </a:cubicBezTo>
+                <a:close/>
+              </a:path>
+            </a:pathLst>
+          </a:custGeom>
+          <a:solidFill>
+            <a:srgbClr val="FFFFFF"/>
+          </a:solidFill>
+          <a:ln w="603" cap="flat">
+            <a:noFill/>
+            <a:prstDash val="solid"/>
+            <a:miter/>
+          </a:ln>
+        </p:spPr>
+        <p:txBody>
+          <a:bodyPr rtlCol="0" anchor="ctr"/>
+          <a:lstStyle/>
+          <a:p>
+            <a:endParaRPr lang="en-US">
+              <a:solidFill>
+                <a:srgbClr val="FFFFFF"/>
+              </a:solidFill>
+            </a:endParaRPr>
+          </a:p>
+        </p:txBody>
+      </p:sp>
+      <p:sp>
+        <p:nvSpPr>
+          <p:cNvPr id="12" name="Graphic 12">
+            <a:extLst>
+              <a:ext uri="{FF2B5EF4-FFF2-40B4-BE49-F238E27FC236}">
+                <a16:creationId xmlns:a16="http://schemas.microsoft.com/office/drawing/2014/main" id="{712D4376-A578-4FF1-94FC-245E7A6A489F}"/>
+              </a:ext>
+              <a:ext uri="{C183D7F6-B498-43B3-948B-1728B52AA6E4}">
+                <adec:decorative xmlns:adec="http://schemas.microsoft.com/office/drawing/2017/decorative" val="1"/>
+              </a:ext>
+            </a:extLst>
+          </p:cNvPr>
+          <p:cNvSpPr>
+            <a:spLocks noGrp="1" noRot="1" noChangeAspect="1" noMove="1" noResize="1" noEditPoints="1" noAdjustHandles="1" noChangeArrowheads="1" noChangeShapeType="1" noTextEdit="1"/>
+          </p:cNvSpPr>
+          <p:nvPr>
+            <p:extLst>
+              <p:ext uri="{386F3935-93C4-4BCD-93E2-E3B085C9AB24}">
+                <p16:designElem xmlns:p16="http://schemas.microsoft.com/office/powerpoint/2015/main" val="1"/>
+              </p:ext>
+            </p:extLst>
+          </p:nvPr>
+        </p:nvSpPr>
+        <p:spPr>
+          <a:xfrm>
+            <a:off x="7176380" y="2973840"/>
+            <a:ext cx="91138" cy="91138"/>
+          </a:xfrm>
+          <a:custGeom>
+            <a:avLst/>
+            <a:gdLst>
+              <a:gd name="connsiteX0" fmla="*/ 91138 w 91138"/>
+              <a:gd name="connsiteY0" fmla="*/ 45569 h 91138"/>
+              <a:gd name="connsiteX1" fmla="*/ 45569 w 91138"/>
+              <a:gd name="connsiteY1" fmla="*/ 91138 h 91138"/>
+              <a:gd name="connsiteX2" fmla="*/ 0 w 91138"/>
+              <a:gd name="connsiteY2" fmla="*/ 45569 h 91138"/>
+              <a:gd name="connsiteX3" fmla="*/ 45569 w 91138"/>
+              <a:gd name="connsiteY3" fmla="*/ 0 h 91138"/>
+              <a:gd name="connsiteX4" fmla="*/ 91138 w 91138"/>
+              <a:gd name="connsiteY4" fmla="*/ 45569 h 91138"/>
+            </a:gdLst>
+            <a:ahLst/>
+            <a:cxnLst>
+              <a:cxn ang="0">
+                <a:pos x="connsiteX0" y="connsiteY0"/>
+              </a:cxn>
+              <a:cxn ang="0">
+                <a:pos x="connsiteX1" y="connsiteY1"/>
+              </a:cxn>
+              <a:cxn ang="0">
+                <a:pos x="connsiteX2" y="connsiteY2"/>
+              </a:cxn>
+              <a:cxn ang="0">
+                <a:pos x="connsiteX3" y="connsiteY3"/>
+              </a:cxn>
+              <a:cxn ang="0">
+                <a:pos x="connsiteX4" y="connsiteY4"/>
+              </a:cxn>
+            </a:cxnLst>
+            <a:rect l="l" t="t" r="r" b="b"/>
+            <a:pathLst>
+              <a:path w="91138" h="91138">
+                <a:moveTo>
+                  <a:pt x="91138" y="45569"/>
+                </a:moveTo>
+                <a:cubicBezTo>
+                  <a:pt x="91138" y="70736"/>
+                  <a:pt x="70736" y="91138"/>
+                  <a:pt x="45569" y="91138"/>
+                </a:cubicBezTo>
+                <a:cubicBezTo>
+                  <a:pt x="20402" y="91138"/>
+                  <a:pt x="0" y="70736"/>
+                  <a:pt x="0" y="45569"/>
+                </a:cubicBezTo>
+                <a:cubicBezTo>
+                  <a:pt x="0" y="20402"/>
+                  <a:pt x="20402" y="0"/>
+                  <a:pt x="45569" y="0"/>
+                </a:cubicBezTo>
+                <a:cubicBezTo>
+                  <a:pt x="70736" y="0"/>
+                  <a:pt x="91138" y="20402"/>
+                  <a:pt x="91138" y="45569"/>
+                </a:cubicBezTo>
+                <a:close/>
+              </a:path>
+            </a:pathLst>
+          </a:custGeom>
+          <a:solidFill>
+            <a:srgbClr val="FFFFFF"/>
+          </a:solidFill>
+          <a:ln w="422" cap="flat">
+            <a:noFill/>
+            <a:prstDash val="solid"/>
+            <a:miter/>
+          </a:ln>
+        </p:spPr>
+        <p:txBody>
+          <a:bodyPr rtlCol="0" anchor="ctr"/>
+          <a:lstStyle/>
+          <a:p>
+            <a:endParaRPr lang="en-US">
+              <a:solidFill>
+                <a:srgbClr val="FFFFFF"/>
+              </a:solidFill>
+            </a:endParaRPr>
+          </a:p>
+        </p:txBody>
+      </p:sp>
+      <p:sp>
+        <p:nvSpPr>
+          <p:cNvPr id="14" name="Graphic 15">
+            <a:extLst>
+              <a:ext uri="{FF2B5EF4-FFF2-40B4-BE49-F238E27FC236}">
+                <a16:creationId xmlns:a16="http://schemas.microsoft.com/office/drawing/2014/main" id="{AEA7509D-F04F-40CB-A0B3-EEF16499CC9F}"/>
+              </a:ext>
+              <a:ext uri="{C183D7F6-B498-43B3-948B-1728B52AA6E4}">
+                <adec:decorative xmlns:adec="http://schemas.microsoft.com/office/drawing/2017/decorative" val="1"/>
+              </a:ext>
+            </a:extLst>
+          </p:cNvPr>
+          <p:cNvSpPr>
+            <a:spLocks noGrp="1" noRot="1" noChangeAspect="1" noMove="1" noResize="1" noEditPoints="1" noAdjustHandles="1" noChangeArrowheads="1" noChangeShapeType="1" noTextEdit="1"/>
+          </p:cNvSpPr>
+          <p:nvPr>
+            <p:extLst>
+              <p:ext uri="{386F3935-93C4-4BCD-93E2-E3B085C9AB24}">
+                <p16:designElem xmlns:p16="http://schemas.microsoft.com/office/powerpoint/2015/main" val="1"/>
+              </p:ext>
+            </p:extLst>
+          </p:nvPr>
+        </p:nvSpPr>
+        <p:spPr>
+          <a:xfrm>
+            <a:off x="6802062" y="3198265"/>
+            <a:ext cx="127713" cy="127713"/>
+          </a:xfrm>
+          <a:custGeom>
+            <a:avLst/>
+            <a:gdLst>
+              <a:gd name="connsiteX0" fmla="*/ 63857 w 127713"/>
+              <a:gd name="connsiteY0" fmla="*/ 18874 h 127713"/>
+              <a:gd name="connsiteX1" fmla="*/ 108839 w 127713"/>
+              <a:gd name="connsiteY1" fmla="*/ 63857 h 127713"/>
+              <a:gd name="connsiteX2" fmla="*/ 63857 w 127713"/>
+              <a:gd name="connsiteY2" fmla="*/ 108839 h 127713"/>
+              <a:gd name="connsiteX3" fmla="*/ 18874 w 127713"/>
+              <a:gd name="connsiteY3" fmla="*/ 63857 h 127713"/>
+              <a:gd name="connsiteX4" fmla="*/ 63857 w 127713"/>
+              <a:gd name="connsiteY4" fmla="*/ 18874 h 127713"/>
+              <a:gd name="connsiteX5" fmla="*/ 63857 w 127713"/>
+              <a:gd name="connsiteY5" fmla="*/ 0 h 127713"/>
+              <a:gd name="connsiteX6" fmla="*/ 0 w 127713"/>
+              <a:gd name="connsiteY6" fmla="*/ 63857 h 127713"/>
+              <a:gd name="connsiteX7" fmla="*/ 63857 w 127713"/>
+              <a:gd name="connsiteY7" fmla="*/ 127713 h 127713"/>
+              <a:gd name="connsiteX8" fmla="*/ 127713 w 127713"/>
+              <a:gd name="connsiteY8" fmla="*/ 63857 h 127713"/>
+              <a:gd name="connsiteX9" fmla="*/ 63857 w 127713"/>
+              <a:gd name="connsiteY9" fmla="*/ 0 h 127713"/>
+            </a:gdLst>
+            <a:ahLst/>
+            <a:cxnLst>
+              <a:cxn ang="0">
+                <a:pos x="connsiteX0" y="connsiteY0"/>
+              </a:cxn>
+              <a:cxn ang="0">
+                <a:pos x="connsiteX1" y="connsiteY1"/>
+              </a:cxn>
+              <a:cxn ang="0">
+                <a:pos x="connsiteX2" y="connsiteY2"/>
+              </a:cxn>
+              <a:cxn ang="0">
+                <a:pos x="connsiteX3" y="connsiteY3"/>
+              </a:cxn>
+              <a:cxn ang="0">
+                <a:pos x="connsiteX4" y="connsiteY4"/>
+              </a:cxn>
+              <a:cxn ang="0">
+                <a:pos x="connsiteX5" y="connsiteY5"/>
+              </a:cxn>
+              <a:cxn ang="0">
+                <a:pos x="connsiteX6" y="connsiteY6"/>
+              </a:cxn>
+              <a:cxn ang="0">
+                <a:pos x="connsiteX7" y="connsiteY7"/>
+              </a:cxn>
+              <a:cxn ang="0">
+                <a:pos x="connsiteX8" y="connsiteY8"/>
+              </a:cxn>
+              <a:cxn ang="0">
+                <a:pos x="connsiteX9" y="connsiteY9"/>
+              </a:cxn>
+            </a:cxnLst>
+            <a:rect l="l" t="t" r="r" b="b"/>
+            <a:pathLst>
+              <a:path w="127713" h="127713">
+                <a:moveTo>
+                  <a:pt x="63857" y="18874"/>
+                </a:moveTo>
+                <a:cubicBezTo>
+                  <a:pt x="88700" y="18874"/>
+                  <a:pt x="108839" y="39013"/>
+                  <a:pt x="108839" y="63857"/>
+                </a:cubicBezTo>
+                <a:cubicBezTo>
+                  <a:pt x="108839" y="88700"/>
+                  <a:pt x="88700" y="108839"/>
+                  <a:pt x="63857" y="108839"/>
+                </a:cubicBezTo>
+                <a:cubicBezTo>
+                  <a:pt x="39013" y="108839"/>
+                  <a:pt x="18874" y="88700"/>
+                  <a:pt x="18874" y="63857"/>
+                </a:cubicBezTo>
+                <a:cubicBezTo>
+                  <a:pt x="18898" y="39023"/>
+                  <a:pt x="39023" y="18898"/>
+                  <a:pt x="63857" y="18874"/>
+                </a:cubicBezTo>
+                <a:moveTo>
+                  <a:pt x="63857" y="0"/>
+                </a:moveTo>
+                <a:cubicBezTo>
+                  <a:pt x="28590" y="0"/>
+                  <a:pt x="0" y="28590"/>
+                  <a:pt x="0" y="63857"/>
+                </a:cubicBezTo>
+                <a:cubicBezTo>
+                  <a:pt x="0" y="99124"/>
+                  <a:pt x="28590" y="127713"/>
+                  <a:pt x="63857" y="127713"/>
+                </a:cubicBezTo>
+                <a:cubicBezTo>
+                  <a:pt x="99124" y="127713"/>
+                  <a:pt x="127713" y="99124"/>
+                  <a:pt x="127713" y="63857"/>
+                </a:cubicBezTo>
+                <a:cubicBezTo>
+                  <a:pt x="127713" y="28590"/>
+                  <a:pt x="99124" y="0"/>
+                  <a:pt x="63857" y="0"/>
+                </a:cubicBezTo>
+                <a:close/>
+              </a:path>
+            </a:pathLst>
+          </a:custGeom>
+          <a:solidFill>
+            <a:srgbClr val="FFFFFF"/>
+          </a:solidFill>
+          <a:ln w="610" cap="flat">
+            <a:noFill/>
+            <a:prstDash val="solid"/>
+            <a:miter/>
+          </a:ln>
+        </p:spPr>
+        <p:txBody>
+          <a:bodyPr rtlCol="0" anchor="ctr"/>
+          <a:lstStyle/>
+          <a:p>
+            <a:endParaRPr lang="en-US">
+              <a:solidFill>
+                <a:srgbClr val="FFFFFF"/>
+              </a:solidFill>
+            </a:endParaRPr>
+          </a:p>
+        </p:txBody>
+      </p:sp>
+      <p:cxnSp>
+        <p:nvCxnSpPr>
+          <p:cNvPr id="16" name="Straight Connector 15">
+            <a:extLst>
+              <a:ext uri="{FF2B5EF4-FFF2-40B4-BE49-F238E27FC236}">
+                <a16:creationId xmlns:a16="http://schemas.microsoft.com/office/drawing/2014/main" id="{56020367-4FD5-4596-8E10-C5F095CD8DBF}"/>
+              </a:ext>
+              <a:ext uri="{C183D7F6-B498-43B3-948B-1728B52AA6E4}">
+                <adec:decorative xmlns:adec="http://schemas.microsoft.com/office/drawing/2017/decorative" val="1"/>
+              </a:ext>
+            </a:extLst>
+          </p:cNvPr>
+          <p:cNvCxnSpPr>
+            <a:cxnSpLocks noGrp="1" noRot="1" noChangeAspect="1" noMove="1" noResize="1" noEditPoints="1" noAdjustHandles="1" noChangeArrowheads="1" noChangeShapeType="1"/>
+          </p:cNvCxnSpPr>
+          <p:nvPr>
+            <p:extLst>
+              <p:ext uri="{386F3935-93C4-4BCD-93E2-E3B085C9AB24}">
+                <p16:designElem xmlns:p16="http://schemas.microsoft.com/office/powerpoint/2015/main" val="1"/>
+              </p:ext>
+            </p:extLst>
+          </p:nvPr>
+        </p:nvCxnSpPr>
+        <p:spPr>
+          <a:xfrm>
+            <a:off x="1301262" y="3496322"/>
+            <a:ext cx="0" cy="3352800"/>
+          </a:xfrm>
+          <a:prstGeom prst="line">
+            <a:avLst/>
+          </a:prstGeom>
+          <a:ln w="25400" cap="sq">
+            <a:solidFill>
+              <a:srgbClr val="FFFFFF"/>
+            </a:solidFill>
+            <a:bevel/>
+          </a:ln>
+        </p:spPr>
+        <p:style>
+          <a:lnRef idx="1">
+            <a:schemeClr val="accent1"/>
+          </a:lnRef>
+          <a:fillRef idx="0">
+            <a:schemeClr val="accent1"/>
+          </a:fillRef>
+          <a:effectRef idx="0">
+            <a:schemeClr val="accent1"/>
+          </a:effectRef>
+          <a:fontRef idx="minor">
+            <a:schemeClr val="tx1"/>
+          </a:fontRef>
+        </p:style>
+      </p:cxnSp>
     </p:spTree>
     <p:extLst>
       <p:ext uri="{BB962C8B-B14F-4D97-AF65-F5344CB8AC3E}">
@@ -3697,6 +4370,14 @@
 <file path=ppt/slides/slide2.xml><?xml version="1.0" encoding="utf-8"?>
 <p:sld xmlns:a="http://schemas.openxmlformats.org/drawingml/2006/main" xmlns:r="http://schemas.openxmlformats.org/officeDocument/2006/relationships" xmlns:p="http://schemas.openxmlformats.org/presentationml/2006/main">
   <p:cSld>
+    <p:bg>
+      <p:bgPr>
+        <a:solidFill>
+          <a:schemeClr val="bg1"/>
+        </a:solidFill>
+        <a:effectLst/>
+      </p:bgPr>
+    </p:bg>
     <p:spTree>
       <p:nvGrpSpPr>
         <p:cNvPr id="1" name=""/>
@@ -3711,6 +4392,138 @@
           <a:chExt cx="0" cy="0"/>
         </a:xfrm>
       </p:grpSpPr>
+      <p:sp useBgFill="1">
+        <p:nvSpPr>
+          <p:cNvPr id="8" name="Rectangle 7">
+            <a:extLst>
+              <a:ext uri="{FF2B5EF4-FFF2-40B4-BE49-F238E27FC236}">
+                <a16:creationId xmlns:a16="http://schemas.microsoft.com/office/drawing/2014/main" id="{327D73B4-9F5C-4A64-A179-51B9500CB8B5}"/>
+              </a:ext>
+              <a:ext uri="{C183D7F6-B498-43B3-948B-1728B52AA6E4}">
+                <adec:decorative xmlns:adec="http://schemas.microsoft.com/office/drawing/2017/decorative" val="1"/>
+              </a:ext>
+            </a:extLst>
+          </p:cNvPr>
+          <p:cNvSpPr>
+            <a:spLocks noGrp="1" noRot="1" noChangeAspect="1" noMove="1" noResize="1" noEditPoints="1" noAdjustHandles="1" noChangeArrowheads="1" noChangeShapeType="1" noTextEdit="1"/>
+          </p:cNvSpPr>
+          <p:nvPr>
+            <p:extLst>
+              <p:ext uri="{386F3935-93C4-4BCD-93E2-E3B085C9AB24}">
+                <p16:designElem xmlns:p16="http://schemas.microsoft.com/office/powerpoint/2015/main" val="1"/>
+              </p:ext>
+            </p:extLst>
+          </p:nvPr>
+        </p:nvSpPr>
+        <p:spPr>
+          <a:xfrm>
+            <a:off x="0" y="0"/>
+            <a:ext cx="12192000" cy="6858000"/>
+          </a:xfrm>
+          <a:prstGeom prst="rect">
+            <a:avLst/>
+          </a:prstGeom>
+          <a:ln>
+            <a:noFill/>
+          </a:ln>
+        </p:spPr>
+        <p:style>
+          <a:lnRef idx="2">
+            <a:schemeClr val="accent1">
+              <a:shade val="50000"/>
+            </a:schemeClr>
+          </a:lnRef>
+          <a:fillRef idx="1">
+            <a:schemeClr val="accent1"/>
+          </a:fillRef>
+          <a:effectRef idx="0">
+            <a:schemeClr val="accent1"/>
+          </a:effectRef>
+          <a:fontRef idx="minor">
+            <a:schemeClr val="lt1"/>
+          </a:fontRef>
+        </p:style>
+        <p:txBody>
+          <a:bodyPr rtlCol="0" anchor="ctr"/>
+          <a:lstStyle/>
+          <a:p>
+            <a:pPr algn="ctr"/>
+            <a:endParaRPr lang="en-US"/>
+          </a:p>
+        </p:txBody>
+      </p:sp>
+      <p:sp>
+        <p:nvSpPr>
+          <p:cNvPr id="10" name="Oval 9">
+            <a:extLst>
+              <a:ext uri="{FF2B5EF4-FFF2-40B4-BE49-F238E27FC236}">
+                <a16:creationId xmlns:a16="http://schemas.microsoft.com/office/drawing/2014/main" id="{C1F06963-6374-4B48-844F-071A9BAAAE02}"/>
+              </a:ext>
+              <a:ext uri="{C183D7F6-B498-43B3-948B-1728B52AA6E4}">
+                <adec:decorative xmlns:adec="http://schemas.microsoft.com/office/drawing/2017/decorative" val="1"/>
+              </a:ext>
+            </a:extLst>
+          </p:cNvPr>
+          <p:cNvSpPr>
+            <a:spLocks noGrp="1" noRot="1" noChangeAspect="1" noMove="1" noResize="1" noEditPoints="1" noAdjustHandles="1" noChangeArrowheads="1" noChangeShapeType="1" noTextEdit="1"/>
+          </p:cNvSpPr>
+          <p:nvPr>
+            <p:extLst>
+              <p:ext uri="{386F3935-93C4-4BCD-93E2-E3B085C9AB24}">
+                <p16:designElem xmlns:p16="http://schemas.microsoft.com/office/powerpoint/2015/main" val="1"/>
+              </p:ext>
+            </p:extLst>
+          </p:nvPr>
+        </p:nvSpPr>
+        <p:spPr>
+          <a:xfrm>
+            <a:off x="199528" y="554152"/>
+            <a:ext cx="5742189" cy="5742189"/>
+          </a:xfrm>
+          <a:prstGeom prst="ellipse">
+            <a:avLst/>
+          </a:prstGeom>
+          <a:gradFill flip="none" rotWithShape="1">
+            <a:gsLst>
+              <a:gs pos="0">
+                <a:schemeClr val="accent1"/>
+              </a:gs>
+              <a:gs pos="100000">
+                <a:schemeClr val="accent2"/>
+              </a:gs>
+            </a:gsLst>
+            <a:lin ang="2700000" scaled="1"/>
+            <a:tileRect/>
+          </a:gradFill>
+          <a:ln>
+            <a:noFill/>
+          </a:ln>
+        </p:spPr>
+        <p:style>
+          <a:lnRef idx="2">
+            <a:schemeClr val="accent1">
+              <a:shade val="50000"/>
+            </a:schemeClr>
+          </a:lnRef>
+          <a:fillRef idx="1">
+            <a:schemeClr val="accent1"/>
+          </a:fillRef>
+          <a:effectRef idx="0">
+            <a:schemeClr val="accent1"/>
+          </a:effectRef>
+          <a:fontRef idx="minor">
+            <a:schemeClr val="lt1"/>
+          </a:fontRef>
+        </p:style>
+        <p:txBody>
+          <a:bodyPr rtlCol="0" anchor="ctr"/>
+          <a:lstStyle/>
+          <a:p>
+            <a:pPr algn="ctr"/>
+            <a:endParaRPr lang="en-US"/>
+          </a:p>
+        </p:txBody>
+      </p:sp>
       <p:sp>
         <p:nvSpPr>
           <p:cNvPr id="2" name="タイトル 1">
@@ -3727,13 +4540,25 @@
             <p:ph type="title"/>
           </p:nvPr>
         </p:nvSpPr>
-        <p:spPr/>
-        <p:txBody>
-          <a:bodyPr/>
+        <p:spPr>
+          <a:xfrm>
+            <a:off x="1245072" y="1289765"/>
+            <a:ext cx="3651101" cy="4270963"/>
+          </a:xfrm>
+        </p:spPr>
+        <p:txBody>
+          <a:bodyPr anchor="ctr">
+            <a:normAutofit/>
+          </a:bodyPr>
           <a:lstStyle/>
           <a:p>
-            <a:r>
-              <a:rPr kumimoji="1" lang="ja-JP" altLang="en-US" dirty="0"/>
+            <a:pPr algn="ctr"/>
+            <a:r>
+              <a:rPr kumimoji="1" lang="ja-JP" altLang="en-US" sz="5600">
+                <a:solidFill>
+                  <a:srgbClr val="FFFFFF"/>
+                </a:solidFill>
+              </a:rPr>
               <a:t>目次</a:t>
             </a:r>
           </a:p>
@@ -3741,6 +4566,372 @@
       </p:sp>
       <p:sp>
         <p:nvSpPr>
+          <p:cNvPr id="12" name="Graphic 11">
+            <a:extLst>
+              <a:ext uri="{FF2B5EF4-FFF2-40B4-BE49-F238E27FC236}">
+                <a16:creationId xmlns:a16="http://schemas.microsoft.com/office/drawing/2014/main" id="{6CB927A4-E432-4310-9CD5-E89FF5063179}"/>
+              </a:ext>
+              <a:ext uri="{C183D7F6-B498-43B3-948B-1728B52AA6E4}">
+                <adec:decorative xmlns:adec="http://schemas.microsoft.com/office/drawing/2017/decorative" val="1"/>
+              </a:ext>
+            </a:extLst>
+          </p:cNvPr>
+          <p:cNvSpPr>
+            <a:spLocks noGrp="1" noRot="1" noChangeAspect="1" noMove="1" noResize="1" noEditPoints="1" noAdjustHandles="1" noChangeArrowheads="1" noChangeShapeType="1" noTextEdit="1"/>
+          </p:cNvSpPr>
+          <p:nvPr>
+            <p:extLst>
+              <p:ext uri="{386F3935-93C4-4BCD-93E2-E3B085C9AB24}">
+                <p16:designElem xmlns:p16="http://schemas.microsoft.com/office/powerpoint/2015/main" val="1"/>
+              </p:ext>
+            </p:extLst>
+          </p:nvPr>
+        </p:nvSpPr>
+        <p:spPr>
+          <a:xfrm>
+            <a:off x="1123493" y="374394"/>
+            <a:ext cx="171515" cy="171515"/>
+          </a:xfrm>
+          <a:custGeom>
+            <a:avLst/>
+            <a:gdLst>
+              <a:gd name="connsiteX0" fmla="*/ 159874 w 171515"/>
+              <a:gd name="connsiteY0" fmla="*/ 74116 h 171515"/>
+              <a:gd name="connsiteX1" fmla="*/ 97399 w 171515"/>
+              <a:gd name="connsiteY1" fmla="*/ 74116 h 171515"/>
+              <a:gd name="connsiteX2" fmla="*/ 97399 w 171515"/>
+              <a:gd name="connsiteY2" fmla="*/ 11641 h 171515"/>
+              <a:gd name="connsiteX3" fmla="*/ 85758 w 171515"/>
+              <a:gd name="connsiteY3" fmla="*/ 0 h 171515"/>
+              <a:gd name="connsiteX4" fmla="*/ 74116 w 171515"/>
+              <a:gd name="connsiteY4" fmla="*/ 11641 h 171515"/>
+              <a:gd name="connsiteX5" fmla="*/ 74116 w 171515"/>
+              <a:gd name="connsiteY5" fmla="*/ 74116 h 171515"/>
+              <a:gd name="connsiteX6" fmla="*/ 11641 w 171515"/>
+              <a:gd name="connsiteY6" fmla="*/ 74116 h 171515"/>
+              <a:gd name="connsiteX7" fmla="*/ 0 w 171515"/>
+              <a:gd name="connsiteY7" fmla="*/ 85758 h 171515"/>
+              <a:gd name="connsiteX8" fmla="*/ 11641 w 171515"/>
+              <a:gd name="connsiteY8" fmla="*/ 97399 h 171515"/>
+              <a:gd name="connsiteX9" fmla="*/ 74116 w 171515"/>
+              <a:gd name="connsiteY9" fmla="*/ 97399 h 171515"/>
+              <a:gd name="connsiteX10" fmla="*/ 74116 w 171515"/>
+              <a:gd name="connsiteY10" fmla="*/ 159874 h 171515"/>
+              <a:gd name="connsiteX11" fmla="*/ 85758 w 171515"/>
+              <a:gd name="connsiteY11" fmla="*/ 171515 h 171515"/>
+              <a:gd name="connsiteX12" fmla="*/ 97399 w 171515"/>
+              <a:gd name="connsiteY12" fmla="*/ 159874 h 171515"/>
+              <a:gd name="connsiteX13" fmla="*/ 97399 w 171515"/>
+              <a:gd name="connsiteY13" fmla="*/ 97399 h 171515"/>
+              <a:gd name="connsiteX14" fmla="*/ 159874 w 171515"/>
+              <a:gd name="connsiteY14" fmla="*/ 97399 h 171515"/>
+              <a:gd name="connsiteX15" fmla="*/ 171515 w 171515"/>
+              <a:gd name="connsiteY15" fmla="*/ 85758 h 171515"/>
+              <a:gd name="connsiteX16" fmla="*/ 159874 w 171515"/>
+              <a:gd name="connsiteY16" fmla="*/ 74116 h 171515"/>
+            </a:gdLst>
+            <a:ahLst/>
+            <a:cxnLst>
+              <a:cxn ang="0">
+                <a:pos x="connsiteX0" y="connsiteY0"/>
+              </a:cxn>
+              <a:cxn ang="0">
+                <a:pos x="connsiteX1" y="connsiteY1"/>
+              </a:cxn>
+              <a:cxn ang="0">
+                <a:pos x="connsiteX2" y="connsiteY2"/>
+              </a:cxn>
+              <a:cxn ang="0">
+                <a:pos x="connsiteX3" y="connsiteY3"/>
+              </a:cxn>
+              <a:cxn ang="0">
+                <a:pos x="connsiteX4" y="connsiteY4"/>
+              </a:cxn>
+              <a:cxn ang="0">
+                <a:pos x="connsiteX5" y="connsiteY5"/>
+              </a:cxn>
+              <a:cxn ang="0">
+                <a:pos x="connsiteX6" y="connsiteY6"/>
+              </a:cxn>
+              <a:cxn ang="0">
+                <a:pos x="connsiteX7" y="connsiteY7"/>
+              </a:cxn>
+              <a:cxn ang="0">
+                <a:pos x="connsiteX8" y="connsiteY8"/>
+              </a:cxn>
+              <a:cxn ang="0">
+                <a:pos x="connsiteX9" y="connsiteY9"/>
+              </a:cxn>
+              <a:cxn ang="0">
+                <a:pos x="connsiteX10" y="connsiteY10"/>
+              </a:cxn>
+              <a:cxn ang="0">
+                <a:pos x="connsiteX11" y="connsiteY11"/>
+              </a:cxn>
+              <a:cxn ang="0">
+                <a:pos x="connsiteX12" y="connsiteY12"/>
+              </a:cxn>
+              <a:cxn ang="0">
+                <a:pos x="connsiteX13" y="connsiteY13"/>
+              </a:cxn>
+              <a:cxn ang="0">
+                <a:pos x="connsiteX14" y="connsiteY14"/>
+              </a:cxn>
+              <a:cxn ang="0">
+                <a:pos x="connsiteX15" y="connsiteY15"/>
+              </a:cxn>
+              <a:cxn ang="0">
+                <a:pos x="connsiteX16" y="connsiteY16"/>
+              </a:cxn>
+            </a:cxnLst>
+            <a:rect l="l" t="t" r="r" b="b"/>
+            <a:pathLst>
+              <a:path w="171515" h="171515">
+                <a:moveTo>
+                  <a:pt x="159874" y="74116"/>
+                </a:moveTo>
+                <a:lnTo>
+                  <a:pt x="97399" y="74116"/>
+                </a:lnTo>
+                <a:lnTo>
+                  <a:pt x="97399" y="11641"/>
+                </a:lnTo>
+                <a:cubicBezTo>
+                  <a:pt x="97399" y="5212"/>
+                  <a:pt x="92187" y="0"/>
+                  <a:pt x="85758" y="0"/>
+                </a:cubicBezTo>
+                <a:cubicBezTo>
+                  <a:pt x="79328" y="0"/>
+                  <a:pt x="74116" y="5212"/>
+                  <a:pt x="74116" y="11641"/>
+                </a:cubicBezTo>
+                <a:lnTo>
+                  <a:pt x="74116" y="74116"/>
+                </a:lnTo>
+                <a:lnTo>
+                  <a:pt x="11641" y="74116"/>
+                </a:lnTo>
+                <a:cubicBezTo>
+                  <a:pt x="5212" y="74116"/>
+                  <a:pt x="0" y="79328"/>
+                  <a:pt x="0" y="85758"/>
+                </a:cubicBezTo>
+                <a:cubicBezTo>
+                  <a:pt x="0" y="92187"/>
+                  <a:pt x="5212" y="97399"/>
+                  <a:pt x="11641" y="97399"/>
+                </a:cubicBezTo>
+                <a:lnTo>
+                  <a:pt x="74116" y="97399"/>
+                </a:lnTo>
+                <a:lnTo>
+                  <a:pt x="74116" y="159874"/>
+                </a:lnTo>
+                <a:cubicBezTo>
+                  <a:pt x="74116" y="166303"/>
+                  <a:pt x="79328" y="171515"/>
+                  <a:pt x="85758" y="171515"/>
+                </a:cubicBezTo>
+                <a:cubicBezTo>
+                  <a:pt x="92187" y="171515"/>
+                  <a:pt x="97399" y="166303"/>
+                  <a:pt x="97399" y="159874"/>
+                </a:cubicBezTo>
+                <a:lnTo>
+                  <a:pt x="97399" y="97399"/>
+                </a:lnTo>
+                <a:lnTo>
+                  <a:pt x="159874" y="97399"/>
+                </a:lnTo>
+                <a:cubicBezTo>
+                  <a:pt x="166303" y="97399"/>
+                  <a:pt x="171515" y="92187"/>
+                  <a:pt x="171515" y="85758"/>
+                </a:cubicBezTo>
+                <a:cubicBezTo>
+                  <a:pt x="171515" y="79328"/>
+                  <a:pt x="166303" y="74116"/>
+                  <a:pt x="159874" y="74116"/>
+                </a:cubicBezTo>
+                <a:close/>
+              </a:path>
+            </a:pathLst>
+          </a:custGeom>
+          <a:solidFill>
+            <a:schemeClr val="accent2"/>
+          </a:solidFill>
+          <a:ln w="776" cap="flat">
+            <a:noFill/>
+            <a:prstDash val="solid"/>
+            <a:miter/>
+          </a:ln>
+        </p:spPr>
+        <p:txBody>
+          <a:bodyPr rtlCol="0" anchor="ctr"/>
+          <a:lstStyle/>
+          <a:p>
+            <a:endParaRPr lang="en-US"/>
+          </a:p>
+        </p:txBody>
+      </p:sp>
+      <p:sp>
+        <p:nvSpPr>
+          <p:cNvPr id="14" name="Graphic 12">
+            <a:extLst>
+              <a:ext uri="{FF2B5EF4-FFF2-40B4-BE49-F238E27FC236}">
+                <a16:creationId xmlns:a16="http://schemas.microsoft.com/office/drawing/2014/main" id="{1453BF6C-B012-48B7-B4E8-6D7AC7C27D02}"/>
+              </a:ext>
+              <a:ext uri="{C183D7F6-B498-43B3-948B-1728B52AA6E4}">
+                <adec:decorative xmlns:adec="http://schemas.microsoft.com/office/drawing/2017/decorative" val="1"/>
+              </a:ext>
+            </a:extLst>
+          </p:cNvPr>
+          <p:cNvSpPr>
+            <a:spLocks noGrp="1" noRot="1" noChangeAspect="1" noMove="1" noResize="1" noEditPoints="1" noAdjustHandles="1" noChangeArrowheads="1" noChangeShapeType="1" noTextEdit="1"/>
+          </p:cNvSpPr>
+          <p:nvPr>
+            <p:extLst>
+              <p:ext uri="{386F3935-93C4-4BCD-93E2-E3B085C9AB24}">
+                <p16:designElem xmlns:p16="http://schemas.microsoft.com/office/powerpoint/2015/main" val="1"/>
+              </p:ext>
+            </p:extLst>
+          </p:nvPr>
+        </p:nvSpPr>
+        <p:spPr>
+          <a:xfrm>
+            <a:off x="550109" y="1084507"/>
+            <a:ext cx="157545" cy="157545"/>
+          </a:xfrm>
+          <a:custGeom>
+            <a:avLst/>
+            <a:gdLst>
+              <a:gd name="connsiteX0" fmla="*/ 78773 w 157545"/>
+              <a:gd name="connsiteY0" fmla="*/ 23283 h 157545"/>
+              <a:gd name="connsiteX1" fmla="*/ 134262 w 157545"/>
+              <a:gd name="connsiteY1" fmla="*/ 78773 h 157545"/>
+              <a:gd name="connsiteX2" fmla="*/ 78773 w 157545"/>
+              <a:gd name="connsiteY2" fmla="*/ 134262 h 157545"/>
+              <a:gd name="connsiteX3" fmla="*/ 23283 w 157545"/>
+              <a:gd name="connsiteY3" fmla="*/ 78773 h 157545"/>
+              <a:gd name="connsiteX4" fmla="*/ 78773 w 157545"/>
+              <a:gd name="connsiteY4" fmla="*/ 23283 h 157545"/>
+              <a:gd name="connsiteX5" fmla="*/ 78773 w 157545"/>
+              <a:gd name="connsiteY5" fmla="*/ 0 h 157545"/>
+              <a:gd name="connsiteX6" fmla="*/ 0 w 157545"/>
+              <a:gd name="connsiteY6" fmla="*/ 78773 h 157545"/>
+              <a:gd name="connsiteX7" fmla="*/ 78773 w 157545"/>
+              <a:gd name="connsiteY7" fmla="*/ 157545 h 157545"/>
+              <a:gd name="connsiteX8" fmla="*/ 157545 w 157545"/>
+              <a:gd name="connsiteY8" fmla="*/ 78773 h 157545"/>
+              <a:gd name="connsiteX9" fmla="*/ 78773 w 157545"/>
+              <a:gd name="connsiteY9" fmla="*/ 0 h 157545"/>
+            </a:gdLst>
+            <a:ahLst/>
+            <a:cxnLst>
+              <a:cxn ang="0">
+                <a:pos x="connsiteX0" y="connsiteY0"/>
+              </a:cxn>
+              <a:cxn ang="0">
+                <a:pos x="connsiteX1" y="connsiteY1"/>
+              </a:cxn>
+              <a:cxn ang="0">
+                <a:pos x="connsiteX2" y="connsiteY2"/>
+              </a:cxn>
+              <a:cxn ang="0">
+                <a:pos x="connsiteX3" y="connsiteY3"/>
+              </a:cxn>
+              <a:cxn ang="0">
+                <a:pos x="connsiteX4" y="connsiteY4"/>
+              </a:cxn>
+              <a:cxn ang="0">
+                <a:pos x="connsiteX5" y="connsiteY5"/>
+              </a:cxn>
+              <a:cxn ang="0">
+                <a:pos x="connsiteX6" y="connsiteY6"/>
+              </a:cxn>
+              <a:cxn ang="0">
+                <a:pos x="connsiteX7" y="connsiteY7"/>
+              </a:cxn>
+              <a:cxn ang="0">
+                <a:pos x="connsiteX8" y="connsiteY8"/>
+              </a:cxn>
+              <a:cxn ang="0">
+                <a:pos x="connsiteX9" y="connsiteY9"/>
+              </a:cxn>
+            </a:cxnLst>
+            <a:rect l="l" t="t" r="r" b="b"/>
+            <a:pathLst>
+              <a:path w="157545" h="157545">
+                <a:moveTo>
+                  <a:pt x="78773" y="23283"/>
+                </a:moveTo>
+                <a:cubicBezTo>
+                  <a:pt x="109419" y="23283"/>
+                  <a:pt x="134262" y="48126"/>
+                  <a:pt x="134262" y="78773"/>
+                </a:cubicBezTo>
+                <a:cubicBezTo>
+                  <a:pt x="134262" y="109419"/>
+                  <a:pt x="109419" y="134262"/>
+                  <a:pt x="78773" y="134262"/>
+                </a:cubicBezTo>
+                <a:cubicBezTo>
+                  <a:pt x="48126" y="134262"/>
+                  <a:pt x="23283" y="109419"/>
+                  <a:pt x="23283" y="78773"/>
+                </a:cubicBezTo>
+                <a:cubicBezTo>
+                  <a:pt x="23312" y="48139"/>
+                  <a:pt x="48139" y="23312"/>
+                  <a:pt x="78773" y="23283"/>
+                </a:cubicBezTo>
+                <a:moveTo>
+                  <a:pt x="78773" y="0"/>
+                </a:moveTo>
+                <a:cubicBezTo>
+                  <a:pt x="35268" y="0"/>
+                  <a:pt x="0" y="35268"/>
+                  <a:pt x="0" y="78773"/>
+                </a:cubicBezTo>
+                <a:cubicBezTo>
+                  <a:pt x="0" y="122277"/>
+                  <a:pt x="35268" y="157545"/>
+                  <a:pt x="78773" y="157545"/>
+                </a:cubicBezTo>
+                <a:cubicBezTo>
+                  <a:pt x="122277" y="157545"/>
+                  <a:pt x="157545" y="122277"/>
+                  <a:pt x="157545" y="78773"/>
+                </a:cubicBezTo>
+                <a:cubicBezTo>
+                  <a:pt x="157545" y="35268"/>
+                  <a:pt x="122277" y="0"/>
+                  <a:pt x="78773" y="0"/>
+                </a:cubicBezTo>
+                <a:close/>
+              </a:path>
+            </a:pathLst>
+          </a:custGeom>
+          <a:solidFill>
+            <a:schemeClr val="accent2"/>
+          </a:solidFill>
+          <a:ln w="751" cap="flat">
+            <a:noFill/>
+            <a:prstDash val="solid"/>
+            <a:miter/>
+          </a:ln>
+        </p:spPr>
+        <p:txBody>
+          <a:bodyPr rtlCol="0" anchor="ctr"/>
+          <a:lstStyle/>
+          <a:p>
+            <a:endParaRPr lang="en-US"/>
+          </a:p>
+        </p:txBody>
+      </p:sp>
+      <p:sp>
+        <p:nvSpPr>
           <p:cNvPr id="3" name="コンテンツ プレースホルダー 2">
             <a:extLst>
               <a:ext uri="{FF2B5EF4-FFF2-40B4-BE49-F238E27FC236}">
@@ -3755,19 +4946,4311 @@
             <p:ph idx="1"/>
           </p:nvPr>
         </p:nvSpPr>
-        <p:spPr/>
-        <p:txBody>
-          <a:bodyPr/>
+        <p:spPr>
+          <a:xfrm>
+            <a:off x="6297233" y="518400"/>
+            <a:ext cx="4771607" cy="5837949"/>
+          </a:xfrm>
+        </p:spPr>
+        <p:txBody>
+          <a:bodyPr anchor="ctr">
+            <a:normAutofit/>
+          </a:bodyPr>
           <a:lstStyle/>
           <a:p>
-            <a:endParaRPr kumimoji="1" lang="ja-JP" altLang="en-US"/>
-          </a:p>
-        </p:txBody>
-      </p:sp>
+            <a:r>
+              <a:rPr kumimoji="1" lang="ja-JP" altLang="en-US" sz="2000" dirty="0">
+                <a:solidFill>
+                  <a:schemeClr val="tx1">
+                    <a:alpha val="80000"/>
+                  </a:schemeClr>
+                </a:solidFill>
+              </a:rPr>
+              <a:t>開発環境</a:t>
+            </a:r>
+            <a:endParaRPr kumimoji="1" lang="en-US" altLang="ja-JP" sz="2000" dirty="0">
+              <a:solidFill>
+                <a:schemeClr val="tx1">
+                  <a:alpha val="80000"/>
+                </a:schemeClr>
+              </a:solidFill>
+            </a:endParaRPr>
+          </a:p>
+          <a:p>
+            <a:r>
+              <a:rPr lang="ja-JP" altLang="en-US" sz="2000" dirty="0">
+                <a:solidFill>
+                  <a:schemeClr val="tx1">
+                    <a:alpha val="80000"/>
+                  </a:schemeClr>
+                </a:solidFill>
+              </a:rPr>
+              <a:t>概要</a:t>
+            </a:r>
+            <a:endParaRPr lang="en-US" altLang="ja-JP" sz="2000" dirty="0">
+              <a:solidFill>
+                <a:schemeClr val="tx1">
+                  <a:alpha val="80000"/>
+                </a:schemeClr>
+              </a:solidFill>
+            </a:endParaRPr>
+          </a:p>
+          <a:p>
+            <a:r>
+              <a:rPr lang="ja-JP" altLang="en-US" sz="2000" dirty="0">
+                <a:solidFill>
+                  <a:schemeClr val="tx1">
+                    <a:alpha val="80000"/>
+                  </a:schemeClr>
+                </a:solidFill>
+              </a:rPr>
+              <a:t>実機説明</a:t>
+            </a:r>
+            <a:endParaRPr lang="en-US" altLang="ja-JP" sz="2000" dirty="0">
+              <a:solidFill>
+                <a:schemeClr val="tx1">
+                  <a:alpha val="80000"/>
+                </a:schemeClr>
+              </a:solidFill>
+            </a:endParaRPr>
+          </a:p>
+          <a:p>
+            <a:r>
+              <a:rPr kumimoji="1" lang="ja-JP" altLang="en-US" sz="2000" dirty="0">
+                <a:solidFill>
+                  <a:schemeClr val="tx1">
+                    <a:alpha val="80000"/>
+                  </a:schemeClr>
+                </a:solidFill>
+              </a:rPr>
+              <a:t>参考にしたサイト</a:t>
+            </a:r>
+            <a:endParaRPr kumimoji="1" lang="en-US" altLang="ja-JP" sz="2000" dirty="0">
+              <a:solidFill>
+                <a:schemeClr val="tx1">
+                  <a:alpha val="80000"/>
+                </a:schemeClr>
+              </a:solidFill>
+            </a:endParaRPr>
+          </a:p>
+          <a:p>
+            <a:r>
+              <a:rPr lang="ja-JP" altLang="en-US" sz="2000" dirty="0">
+                <a:solidFill>
+                  <a:schemeClr val="tx1">
+                    <a:alpha val="80000"/>
+                  </a:schemeClr>
+                </a:solidFill>
+              </a:rPr>
+              <a:t>改善点、今後の展望</a:t>
+            </a:r>
+            <a:endParaRPr kumimoji="1" lang="en-US" altLang="ja-JP" sz="2000" dirty="0">
+              <a:solidFill>
+                <a:schemeClr val="tx1">
+                  <a:alpha val="80000"/>
+                </a:schemeClr>
+              </a:solidFill>
+            </a:endParaRPr>
+          </a:p>
+          <a:p>
+            <a:endParaRPr kumimoji="1" lang="en-US" altLang="ja-JP" sz="2000" dirty="0">
+              <a:solidFill>
+                <a:schemeClr val="tx1">
+                  <a:alpha val="80000"/>
+                </a:schemeClr>
+              </a:solidFill>
+            </a:endParaRPr>
+          </a:p>
+          <a:p>
+            <a:endParaRPr kumimoji="1" lang="ja-JP" altLang="en-US" sz="2000" dirty="0">
+              <a:solidFill>
+                <a:schemeClr val="tx1">
+                  <a:alpha val="80000"/>
+                </a:schemeClr>
+              </a:solidFill>
+            </a:endParaRPr>
+          </a:p>
+        </p:txBody>
+      </p:sp>
+      <p:sp>
+        <p:nvSpPr>
+          <p:cNvPr id="16" name="Graphic 10">
+            <a:extLst>
+              <a:ext uri="{FF2B5EF4-FFF2-40B4-BE49-F238E27FC236}">
+                <a16:creationId xmlns:a16="http://schemas.microsoft.com/office/drawing/2014/main" id="{E3020543-B24B-4EC4-8FFC-8DD88EEA91A8}"/>
+              </a:ext>
+              <a:ext uri="{C183D7F6-B498-43B3-948B-1728B52AA6E4}">
+                <adec:decorative xmlns:adec="http://schemas.microsoft.com/office/drawing/2017/decorative" val="1"/>
+              </a:ext>
+            </a:extLst>
+          </p:cNvPr>
+          <p:cNvSpPr>
+            <a:spLocks noGrp="1" noRot="1" noChangeAspect="1" noMove="1" noResize="1" noEditPoints="1" noAdjustHandles="1" noChangeArrowheads="1" noChangeShapeType="1" noTextEdit="1"/>
+          </p:cNvSpPr>
+          <p:nvPr>
+            <p:extLst>
+              <p:ext uri="{386F3935-93C4-4BCD-93E2-E3B085C9AB24}">
+                <p16:designElem xmlns:p16="http://schemas.microsoft.com/office/powerpoint/2015/main" val="1"/>
+              </p:ext>
+            </p:extLst>
+          </p:nvPr>
+        </p:nvSpPr>
+        <p:spPr>
+          <a:xfrm>
+            <a:off x="5436547" y="5751820"/>
+            <a:ext cx="112426" cy="112426"/>
+          </a:xfrm>
+          <a:custGeom>
+            <a:avLst/>
+            <a:gdLst>
+              <a:gd name="connsiteX0" fmla="*/ 112426 w 112426"/>
+              <a:gd name="connsiteY0" fmla="*/ 56213 h 112426"/>
+              <a:gd name="connsiteX1" fmla="*/ 56213 w 112426"/>
+              <a:gd name="connsiteY1" fmla="*/ 112426 h 112426"/>
+              <a:gd name="connsiteX2" fmla="*/ 0 w 112426"/>
+              <a:gd name="connsiteY2" fmla="*/ 56213 h 112426"/>
+              <a:gd name="connsiteX3" fmla="*/ 56213 w 112426"/>
+              <a:gd name="connsiteY3" fmla="*/ 0 h 112426"/>
+              <a:gd name="connsiteX4" fmla="*/ 112426 w 112426"/>
+              <a:gd name="connsiteY4" fmla="*/ 56213 h 112426"/>
+            </a:gdLst>
+            <a:ahLst/>
+            <a:cxnLst>
+              <a:cxn ang="0">
+                <a:pos x="connsiteX0" y="connsiteY0"/>
+              </a:cxn>
+              <a:cxn ang="0">
+                <a:pos x="connsiteX1" y="connsiteY1"/>
+              </a:cxn>
+              <a:cxn ang="0">
+                <a:pos x="connsiteX2" y="connsiteY2"/>
+              </a:cxn>
+              <a:cxn ang="0">
+                <a:pos x="connsiteX3" y="connsiteY3"/>
+              </a:cxn>
+              <a:cxn ang="0">
+                <a:pos x="connsiteX4" y="connsiteY4"/>
+              </a:cxn>
+            </a:cxnLst>
+            <a:rect l="l" t="t" r="r" b="b"/>
+            <a:pathLst>
+              <a:path w="112426" h="112426">
+                <a:moveTo>
+                  <a:pt x="112426" y="56213"/>
+                </a:moveTo>
+                <a:cubicBezTo>
+                  <a:pt x="112426" y="87259"/>
+                  <a:pt x="87259" y="112426"/>
+                  <a:pt x="56213" y="112426"/>
+                </a:cubicBezTo>
+                <a:cubicBezTo>
+                  <a:pt x="25167" y="112426"/>
+                  <a:pt x="0" y="87259"/>
+                  <a:pt x="0" y="56213"/>
+                </a:cubicBezTo>
+                <a:cubicBezTo>
+                  <a:pt x="0" y="25167"/>
+                  <a:pt x="25167" y="0"/>
+                  <a:pt x="56213" y="0"/>
+                </a:cubicBezTo>
+                <a:cubicBezTo>
+                  <a:pt x="87259" y="0"/>
+                  <a:pt x="112426" y="25167"/>
+                  <a:pt x="112426" y="56213"/>
+                </a:cubicBezTo>
+                <a:close/>
+              </a:path>
+            </a:pathLst>
+          </a:custGeom>
+          <a:solidFill>
+            <a:schemeClr val="accent2"/>
+          </a:solidFill>
+          <a:ln w="516" cap="flat">
+            <a:noFill/>
+            <a:prstDash val="solid"/>
+            <a:miter/>
+          </a:ln>
+        </p:spPr>
+        <p:txBody>
+          <a:bodyPr rtlCol="0" anchor="ctr"/>
+          <a:lstStyle/>
+          <a:p>
+            <a:endParaRPr lang="en-US"/>
+          </a:p>
+        </p:txBody>
+      </p:sp>
+      <p:cxnSp>
+        <p:nvCxnSpPr>
+          <p:cNvPr id="18" name="Straight Connector 17">
+            <a:extLst>
+              <a:ext uri="{FF2B5EF4-FFF2-40B4-BE49-F238E27FC236}">
+                <a16:creationId xmlns:a16="http://schemas.microsoft.com/office/drawing/2014/main" id="{C49DA8F6-BCC1-4447-B54C-57856834B94B}"/>
+              </a:ext>
+              <a:ext uri="{C183D7F6-B498-43B3-948B-1728B52AA6E4}">
+                <adec:decorative xmlns:adec="http://schemas.microsoft.com/office/drawing/2017/decorative" val="1"/>
+              </a:ext>
+            </a:extLst>
+          </p:cNvPr>
+          <p:cNvCxnSpPr>
+            <a:cxnSpLocks noGrp="1" noRot="1" noChangeAspect="1" noMove="1" noResize="1" noEditPoints="1" noAdjustHandles="1" noChangeArrowheads="1" noChangeShapeType="1"/>
+          </p:cNvCxnSpPr>
+          <p:nvPr>
+            <p:extLst>
+              <p:ext uri="{386F3935-93C4-4BCD-93E2-E3B085C9AB24}">
+                <p16:designElem xmlns:p16="http://schemas.microsoft.com/office/powerpoint/2015/main" val="1"/>
+              </p:ext>
+            </p:extLst>
+          </p:nvPr>
+        </p:nvCxnSpPr>
+        <p:spPr>
+          <a:xfrm>
+            <a:off x="11586162" y="3610394"/>
+            <a:ext cx="0" cy="3238728"/>
+          </a:xfrm>
+          <a:prstGeom prst="line">
+            <a:avLst/>
+          </a:prstGeom>
+          <a:ln w="25400" cap="sq">
+            <a:gradFill flip="none" rotWithShape="1">
+              <a:gsLst>
+                <a:gs pos="0">
+                  <a:schemeClr val="accent1"/>
+                </a:gs>
+                <a:gs pos="100000">
+                  <a:schemeClr val="accent2"/>
+                </a:gs>
+              </a:gsLst>
+              <a:lin ang="5400000" scaled="0"/>
+              <a:tileRect/>
+            </a:gradFill>
+            <a:bevel/>
+          </a:ln>
+        </p:spPr>
+        <p:style>
+          <a:lnRef idx="1">
+            <a:schemeClr val="accent1"/>
+          </a:lnRef>
+          <a:fillRef idx="0">
+            <a:schemeClr val="accent1"/>
+          </a:fillRef>
+          <a:effectRef idx="0">
+            <a:schemeClr val="accent1"/>
+          </a:effectRef>
+          <a:fontRef idx="minor">
+            <a:schemeClr val="tx1"/>
+          </a:fontRef>
+        </p:style>
+      </p:cxnSp>
     </p:spTree>
     <p:extLst>
       <p:ext uri="{BB962C8B-B14F-4D97-AF65-F5344CB8AC3E}">
         <p14:creationId xmlns:p14="http://schemas.microsoft.com/office/powerpoint/2010/main" val="1259944699"/>
+      </p:ext>
+    </p:extLst>
+  </p:cSld>
+  <p:clrMapOvr>
+    <a:masterClrMapping/>
+  </p:clrMapOvr>
+</p:sld>
+</file>
+
+<file path=ppt/slides/slide3.xml><?xml version="1.0" encoding="utf-8"?>
+<p:sld xmlns:a="http://schemas.openxmlformats.org/drawingml/2006/main" xmlns:r="http://schemas.openxmlformats.org/officeDocument/2006/relationships" xmlns:p="http://schemas.openxmlformats.org/presentationml/2006/main">
+  <p:cSld>
+    <p:bg>
+      <p:bgPr>
+        <a:solidFill>
+          <a:schemeClr val="bg1"/>
+        </a:solidFill>
+        <a:effectLst/>
+      </p:bgPr>
+    </p:bg>
+    <p:spTree>
+      <p:nvGrpSpPr>
+        <p:cNvPr id="1" name=""/>
+        <p:cNvGrpSpPr/>
+        <p:nvPr/>
+      </p:nvGrpSpPr>
+      <p:grpSpPr>
+        <a:xfrm>
+          <a:off x="0" y="0"/>
+          <a:ext cx="0" cy="0"/>
+          <a:chOff x="0" y="0"/>
+          <a:chExt cx="0" cy="0"/>
+        </a:xfrm>
+      </p:grpSpPr>
+      <p:sp useBgFill="1">
+        <p:nvSpPr>
+          <p:cNvPr id="24" name="Rectangle 23">
+            <a:extLst>
+              <a:ext uri="{FF2B5EF4-FFF2-40B4-BE49-F238E27FC236}">
+                <a16:creationId xmlns:a16="http://schemas.microsoft.com/office/drawing/2014/main" id="{09CFCDAF-46CE-4056-866C-5EE9122FDCAB}"/>
+              </a:ext>
+              <a:ext uri="{C183D7F6-B498-43B3-948B-1728B52AA6E4}">
+                <adec:decorative xmlns:adec="http://schemas.microsoft.com/office/drawing/2017/decorative" val="1"/>
+              </a:ext>
+            </a:extLst>
+          </p:cNvPr>
+          <p:cNvSpPr>
+            <a:spLocks noGrp="1" noRot="1" noChangeAspect="1" noMove="1" noResize="1" noEditPoints="1" noAdjustHandles="1" noChangeArrowheads="1" noChangeShapeType="1" noTextEdit="1"/>
+          </p:cNvSpPr>
+          <p:nvPr>
+            <p:extLst>
+              <p:ext uri="{386F3935-93C4-4BCD-93E2-E3B085C9AB24}">
+                <p16:designElem xmlns:p16="http://schemas.microsoft.com/office/powerpoint/2015/main" val="1"/>
+              </p:ext>
+            </p:extLst>
+          </p:nvPr>
+        </p:nvSpPr>
+        <p:spPr>
+          <a:xfrm>
+            <a:off x="0" y="0"/>
+            <a:ext cx="12192000" cy="6858000"/>
+          </a:xfrm>
+          <a:prstGeom prst="rect">
+            <a:avLst/>
+          </a:prstGeom>
+          <a:ln w="12700" cap="flat" cmpd="sng" algn="ctr">
+            <a:noFill/>
+            <a:prstDash val="solid"/>
+            <a:miter lim="800000"/>
+          </a:ln>
+          <a:effectLst/>
+          <a:extLst>
+            <a:ext uri="{91240B29-F687-4F45-9708-019B960494DF}">
+              <a14:hiddenLine xmlns:a14="http://schemas.microsoft.com/office/drawing/2010/main" w="12700" cap="flat" cmpd="sng" algn="ctr">
+                <a:solidFill>
+                  <a:schemeClr val="accent1">
+                    <a:shade val="50000"/>
+                  </a:schemeClr>
+                </a:solidFill>
+                <a:prstDash val="solid"/>
+                <a:miter lim="800000"/>
+              </a14:hiddenLine>
+            </a:ext>
+          </a:extLst>
+        </p:spPr>
+        <p:style>
+          <a:lnRef idx="2">
+            <a:schemeClr val="accent1">
+              <a:shade val="50000"/>
+            </a:schemeClr>
+          </a:lnRef>
+          <a:fillRef idx="1">
+            <a:schemeClr val="accent1"/>
+          </a:fillRef>
+          <a:effectRef idx="0">
+            <a:schemeClr val="accent1"/>
+          </a:effectRef>
+          <a:fontRef idx="minor">
+            <a:schemeClr val="lt1"/>
+          </a:fontRef>
+        </p:style>
+        <p:txBody>
+          <a:bodyPr rtlCol="0" anchor="ctr"/>
+          <a:lstStyle/>
+          <a:p>
+            <a:pPr algn="ctr"/>
+            <a:endParaRPr lang="en-US"/>
+          </a:p>
+        </p:txBody>
+      </p:sp>
+      <p:sp>
+        <p:nvSpPr>
+          <p:cNvPr id="26" name="!!Rectangle">
+            <a:extLst>
+              <a:ext uri="{FF2B5EF4-FFF2-40B4-BE49-F238E27FC236}">
+                <a16:creationId xmlns:a16="http://schemas.microsoft.com/office/drawing/2014/main" id="{9F587EB1-1674-4B8B-88AD-2A81FFFB5F36}"/>
+              </a:ext>
+              <a:ext uri="{C183D7F6-B498-43B3-948B-1728B52AA6E4}">
+                <adec:decorative xmlns:adec="http://schemas.microsoft.com/office/drawing/2017/decorative" val="1"/>
+              </a:ext>
+            </a:extLst>
+          </p:cNvPr>
+          <p:cNvSpPr>
+            <a:spLocks noGrp="1" noRot="1" noChangeAspect="1" noMove="1" noResize="1" noEditPoints="1" noAdjustHandles="1" noChangeArrowheads="1" noChangeShapeType="1" noTextEdit="1"/>
+          </p:cNvSpPr>
+          <p:nvPr>
+            <p:extLst>
+              <p:ext uri="{386F3935-93C4-4BCD-93E2-E3B085C9AB24}">
+                <p16:designElem xmlns:p16="http://schemas.microsoft.com/office/powerpoint/2015/main" val="1"/>
+              </p:ext>
+            </p:extLst>
+          </p:nvPr>
+        </p:nvSpPr>
+        <p:spPr>
+          <a:xfrm>
+            <a:off x="0" y="0"/>
+            <a:ext cx="12192000" cy="6858000"/>
+          </a:xfrm>
+          <a:prstGeom prst="rect">
+            <a:avLst/>
+          </a:prstGeom>
+          <a:gradFill flip="none" rotWithShape="1">
+            <a:gsLst>
+              <a:gs pos="0">
+                <a:schemeClr val="accent1"/>
+              </a:gs>
+              <a:gs pos="100000">
+                <a:schemeClr val="accent2"/>
+              </a:gs>
+            </a:gsLst>
+            <a:lin ang="18900000" scaled="0"/>
+            <a:tileRect/>
+          </a:gradFill>
+          <a:ln>
+            <a:noFill/>
+          </a:ln>
+        </p:spPr>
+        <p:style>
+          <a:lnRef idx="2">
+            <a:schemeClr val="accent1">
+              <a:shade val="50000"/>
+            </a:schemeClr>
+          </a:lnRef>
+          <a:fillRef idx="1">
+            <a:schemeClr val="accent1"/>
+          </a:fillRef>
+          <a:effectRef idx="0">
+            <a:schemeClr val="accent1"/>
+          </a:effectRef>
+          <a:fontRef idx="minor">
+            <a:schemeClr val="lt1"/>
+          </a:fontRef>
+        </p:style>
+        <p:txBody>
+          <a:bodyPr rtlCol="0" anchor="ctr"/>
+          <a:lstStyle/>
+          <a:p>
+            <a:pPr marL="0" marR="0" lvl="0" indent="0" algn="ctr" defTabSz="914400" rtl="0" eaLnBrk="1" fontAlgn="auto" latinLnBrk="0" hangingPunct="1">
+              <a:lnSpc>
+                <a:spcPct val="100000"/>
+              </a:lnSpc>
+              <a:spcBef>
+                <a:spcPts val="0"/>
+              </a:spcBef>
+              <a:spcAft>
+                <a:spcPts val="0"/>
+              </a:spcAft>
+              <a:buClrTx/>
+              <a:buSzTx/>
+              <a:buFontTx/>
+              <a:buNone/>
+              <a:tabLst/>
+              <a:defRPr/>
+            </a:pPr>
+            <a:endParaRPr kumimoji="0" lang="en-US" sz="1800" b="0" i="0" u="none" strike="noStrike" kern="1200" cap="none" spc="0" normalizeH="0" baseline="0" noProof="0">
+              <a:ln>
+                <a:noFill/>
+              </a:ln>
+              <a:solidFill>
+                <a:srgbClr val="FFFFFF"/>
+              </a:solidFill>
+              <a:effectLst/>
+              <a:uLnTx/>
+              <a:uFillTx/>
+              <a:latin typeface="Calibri" panose="020F0502020204030204"/>
+              <a:ea typeface="+mn-ea"/>
+              <a:cs typeface="+mn-cs"/>
+            </a:endParaRPr>
+          </a:p>
+        </p:txBody>
+      </p:sp>
+      <p:pic>
+        <p:nvPicPr>
+          <p:cNvPr id="20" name="Picture 19" descr="Electronic circuit board">
+            <a:extLst>
+              <a:ext uri="{FF2B5EF4-FFF2-40B4-BE49-F238E27FC236}">
+                <a16:creationId xmlns:a16="http://schemas.microsoft.com/office/drawing/2014/main" id="{AA507198-D95A-F213-ABF2-BC5D12507EC5}"/>
+              </a:ext>
+            </a:extLst>
+          </p:cNvPr>
+          <p:cNvPicPr>
+            <a:picLocks noChangeAspect="1"/>
+          </p:cNvPicPr>
+          <p:nvPr/>
+        </p:nvPicPr>
+        <p:blipFill>
+          <a:blip r:embed="rId2">
+            <a:duotone>
+              <a:schemeClr val="accent1">
+                <a:shade val="45000"/>
+                <a:satMod val="135000"/>
+              </a:schemeClr>
+              <a:prstClr val="white"/>
+            </a:duotone>
+            <a:alphaModFix amt="35000"/>
+          </a:blip>
+          <a:srcRect t="15730"/>
+          <a:stretch/>
+        </p:blipFill>
+        <p:spPr>
+          <a:xfrm>
+            <a:off x="20" y="10"/>
+            <a:ext cx="12191981" cy="6857989"/>
+          </a:xfrm>
+          <a:prstGeom prst="rect">
+            <a:avLst/>
+          </a:prstGeom>
+        </p:spPr>
+      </p:pic>
+      <p:sp>
+        <p:nvSpPr>
+          <p:cNvPr id="2" name="タイトル 1">
+            <a:extLst>
+              <a:ext uri="{FF2B5EF4-FFF2-40B4-BE49-F238E27FC236}">
+                <a16:creationId xmlns:a16="http://schemas.microsoft.com/office/drawing/2014/main" id="{81D9F81A-E1B0-2DF8-A9B8-B6979EDD0423}"/>
+              </a:ext>
+            </a:extLst>
+          </p:cNvPr>
+          <p:cNvSpPr>
+            <a:spLocks noGrp="1"/>
+          </p:cNvSpPr>
+          <p:nvPr>
+            <p:ph type="title"/>
+          </p:nvPr>
+        </p:nvSpPr>
+        <p:spPr>
+          <a:xfrm>
+            <a:off x="838199" y="381934"/>
+            <a:ext cx="5257801" cy="5181523"/>
+          </a:xfrm>
+        </p:spPr>
+        <p:txBody>
+          <a:bodyPr anchor="b">
+            <a:normAutofit/>
+          </a:bodyPr>
+          <a:lstStyle/>
+          <a:p>
+            <a:r>
+              <a:rPr kumimoji="1" lang="ja-JP" altLang="en-US" sz="8000">
+                <a:solidFill>
+                  <a:srgbClr val="FFFFFF"/>
+                </a:solidFill>
+              </a:rPr>
+              <a:t>開発環境</a:t>
+            </a:r>
+          </a:p>
+        </p:txBody>
+      </p:sp>
+      <p:cxnSp>
+        <p:nvCxnSpPr>
+          <p:cNvPr id="28" name="Straight Connector 27">
+            <a:extLst>
+              <a:ext uri="{FF2B5EF4-FFF2-40B4-BE49-F238E27FC236}">
+                <a16:creationId xmlns:a16="http://schemas.microsoft.com/office/drawing/2014/main" id="{C49DA8F6-BCC1-4447-B54C-57856834B94B}"/>
+              </a:ext>
+              <a:ext uri="{C183D7F6-B498-43B3-948B-1728B52AA6E4}">
+                <adec:decorative xmlns:adec="http://schemas.microsoft.com/office/drawing/2017/decorative" val="1"/>
+              </a:ext>
+            </a:extLst>
+          </p:cNvPr>
+          <p:cNvCxnSpPr>
+            <a:cxnSpLocks noGrp="1" noRot="1" noChangeAspect="1" noMove="1" noResize="1" noEditPoints="1" noAdjustHandles="1" noChangeArrowheads="1" noChangeShapeType="1"/>
+          </p:cNvCxnSpPr>
+          <p:nvPr>
+            <p:extLst>
+              <p:ext uri="{386F3935-93C4-4BCD-93E2-E3B085C9AB24}">
+                <p16:designElem xmlns:p16="http://schemas.microsoft.com/office/powerpoint/2015/main" val="1"/>
+              </p:ext>
+            </p:extLst>
+          </p:nvPr>
+        </p:nvCxnSpPr>
+        <p:spPr>
+          <a:xfrm>
+            <a:off x="623622" y="373056"/>
+            <a:ext cx="0" cy="6476066"/>
+          </a:xfrm>
+          <a:prstGeom prst="line">
+            <a:avLst/>
+          </a:prstGeom>
+          <a:ln w="25400" cap="sq">
+            <a:solidFill>
+              <a:srgbClr val="FFFFFF"/>
+            </a:solidFill>
+            <a:bevel/>
+          </a:ln>
+        </p:spPr>
+        <p:style>
+          <a:lnRef idx="1">
+            <a:schemeClr val="accent1"/>
+          </a:lnRef>
+          <a:fillRef idx="0">
+            <a:schemeClr val="accent1"/>
+          </a:fillRef>
+          <a:effectRef idx="0">
+            <a:schemeClr val="accent1"/>
+          </a:effectRef>
+          <a:fontRef idx="minor">
+            <a:schemeClr val="tx1"/>
+          </a:fontRef>
+        </p:style>
+      </p:cxnSp>
+      <p:sp>
+        <p:nvSpPr>
+          <p:cNvPr id="30" name="Graphic 11">
+            <a:extLst>
+              <a:ext uri="{FF2B5EF4-FFF2-40B4-BE49-F238E27FC236}">
+                <a16:creationId xmlns:a16="http://schemas.microsoft.com/office/drawing/2014/main" id="{6CB927A4-E432-4310-9CD5-E89FF5063179}"/>
+              </a:ext>
+              <a:ext uri="{C183D7F6-B498-43B3-948B-1728B52AA6E4}">
+                <adec:decorative xmlns:adec="http://schemas.microsoft.com/office/drawing/2017/decorative" val="1"/>
+              </a:ext>
+            </a:extLst>
+          </p:cNvPr>
+          <p:cNvSpPr>
+            <a:spLocks noGrp="1" noRot="1" noChangeAspect="1" noMove="1" noResize="1" noEditPoints="1" noAdjustHandles="1" noChangeArrowheads="1" noChangeShapeType="1" noTextEdit="1"/>
+          </p:cNvSpPr>
+          <p:nvPr>
+            <p:extLst>
+              <p:ext uri="{386F3935-93C4-4BCD-93E2-E3B085C9AB24}">
+                <p16:designElem xmlns:p16="http://schemas.microsoft.com/office/powerpoint/2015/main" val="1"/>
+              </p:ext>
+            </p:extLst>
+          </p:nvPr>
+        </p:nvSpPr>
+        <p:spPr>
+          <a:xfrm>
+            <a:off x="5722814" y="740316"/>
+            <a:ext cx="139039" cy="139039"/>
+          </a:xfrm>
+          <a:custGeom>
+            <a:avLst/>
+            <a:gdLst>
+              <a:gd name="connsiteX0" fmla="*/ 129602 w 139039"/>
+              <a:gd name="connsiteY0" fmla="*/ 60082 h 139039"/>
+              <a:gd name="connsiteX1" fmla="*/ 78957 w 139039"/>
+              <a:gd name="connsiteY1" fmla="*/ 60082 h 139039"/>
+              <a:gd name="connsiteX2" fmla="*/ 78957 w 139039"/>
+              <a:gd name="connsiteY2" fmla="*/ 9437 h 139039"/>
+              <a:gd name="connsiteX3" fmla="*/ 69520 w 139039"/>
+              <a:gd name="connsiteY3" fmla="*/ 0 h 139039"/>
+              <a:gd name="connsiteX4" fmla="*/ 60082 w 139039"/>
+              <a:gd name="connsiteY4" fmla="*/ 9437 h 139039"/>
+              <a:gd name="connsiteX5" fmla="*/ 60082 w 139039"/>
+              <a:gd name="connsiteY5" fmla="*/ 60082 h 139039"/>
+              <a:gd name="connsiteX6" fmla="*/ 9437 w 139039"/>
+              <a:gd name="connsiteY6" fmla="*/ 60082 h 139039"/>
+              <a:gd name="connsiteX7" fmla="*/ 0 w 139039"/>
+              <a:gd name="connsiteY7" fmla="*/ 69520 h 139039"/>
+              <a:gd name="connsiteX8" fmla="*/ 9437 w 139039"/>
+              <a:gd name="connsiteY8" fmla="*/ 78957 h 139039"/>
+              <a:gd name="connsiteX9" fmla="*/ 60082 w 139039"/>
+              <a:gd name="connsiteY9" fmla="*/ 78957 h 139039"/>
+              <a:gd name="connsiteX10" fmla="*/ 60082 w 139039"/>
+              <a:gd name="connsiteY10" fmla="*/ 129602 h 139039"/>
+              <a:gd name="connsiteX11" fmla="*/ 69520 w 139039"/>
+              <a:gd name="connsiteY11" fmla="*/ 139039 h 139039"/>
+              <a:gd name="connsiteX12" fmla="*/ 78957 w 139039"/>
+              <a:gd name="connsiteY12" fmla="*/ 129602 h 139039"/>
+              <a:gd name="connsiteX13" fmla="*/ 78957 w 139039"/>
+              <a:gd name="connsiteY13" fmla="*/ 78957 h 139039"/>
+              <a:gd name="connsiteX14" fmla="*/ 129602 w 139039"/>
+              <a:gd name="connsiteY14" fmla="*/ 78957 h 139039"/>
+              <a:gd name="connsiteX15" fmla="*/ 139039 w 139039"/>
+              <a:gd name="connsiteY15" fmla="*/ 69520 h 139039"/>
+              <a:gd name="connsiteX16" fmla="*/ 129602 w 139039"/>
+              <a:gd name="connsiteY16" fmla="*/ 60082 h 139039"/>
+            </a:gdLst>
+            <a:ahLst/>
+            <a:cxnLst>
+              <a:cxn ang="0">
+                <a:pos x="connsiteX0" y="connsiteY0"/>
+              </a:cxn>
+              <a:cxn ang="0">
+                <a:pos x="connsiteX1" y="connsiteY1"/>
+              </a:cxn>
+              <a:cxn ang="0">
+                <a:pos x="connsiteX2" y="connsiteY2"/>
+              </a:cxn>
+              <a:cxn ang="0">
+                <a:pos x="connsiteX3" y="connsiteY3"/>
+              </a:cxn>
+              <a:cxn ang="0">
+                <a:pos x="connsiteX4" y="connsiteY4"/>
+              </a:cxn>
+              <a:cxn ang="0">
+                <a:pos x="connsiteX5" y="connsiteY5"/>
+              </a:cxn>
+              <a:cxn ang="0">
+                <a:pos x="connsiteX6" y="connsiteY6"/>
+              </a:cxn>
+              <a:cxn ang="0">
+                <a:pos x="connsiteX7" y="connsiteY7"/>
+              </a:cxn>
+              <a:cxn ang="0">
+                <a:pos x="connsiteX8" y="connsiteY8"/>
+              </a:cxn>
+              <a:cxn ang="0">
+                <a:pos x="connsiteX9" y="connsiteY9"/>
+              </a:cxn>
+              <a:cxn ang="0">
+                <a:pos x="connsiteX10" y="connsiteY10"/>
+              </a:cxn>
+              <a:cxn ang="0">
+                <a:pos x="connsiteX11" y="connsiteY11"/>
+              </a:cxn>
+              <a:cxn ang="0">
+                <a:pos x="connsiteX12" y="connsiteY12"/>
+              </a:cxn>
+              <a:cxn ang="0">
+                <a:pos x="connsiteX13" y="connsiteY13"/>
+              </a:cxn>
+              <a:cxn ang="0">
+                <a:pos x="connsiteX14" y="connsiteY14"/>
+              </a:cxn>
+              <a:cxn ang="0">
+                <a:pos x="connsiteX15" y="connsiteY15"/>
+              </a:cxn>
+              <a:cxn ang="0">
+                <a:pos x="connsiteX16" y="connsiteY16"/>
+              </a:cxn>
+            </a:cxnLst>
+            <a:rect l="l" t="t" r="r" b="b"/>
+            <a:pathLst>
+              <a:path w="139039" h="139039">
+                <a:moveTo>
+                  <a:pt x="129602" y="60082"/>
+                </a:moveTo>
+                <a:lnTo>
+                  <a:pt x="78957" y="60082"/>
+                </a:lnTo>
+                <a:lnTo>
+                  <a:pt x="78957" y="9437"/>
+                </a:lnTo>
+                <a:cubicBezTo>
+                  <a:pt x="78957" y="4225"/>
+                  <a:pt x="74731" y="0"/>
+                  <a:pt x="69520" y="0"/>
+                </a:cubicBezTo>
+                <a:cubicBezTo>
+                  <a:pt x="64308" y="0"/>
+                  <a:pt x="60082" y="4225"/>
+                  <a:pt x="60082" y="9437"/>
+                </a:cubicBezTo>
+                <a:lnTo>
+                  <a:pt x="60082" y="60082"/>
+                </a:lnTo>
+                <a:lnTo>
+                  <a:pt x="9437" y="60082"/>
+                </a:lnTo>
+                <a:cubicBezTo>
+                  <a:pt x="4225" y="60082"/>
+                  <a:pt x="0" y="64308"/>
+                  <a:pt x="0" y="69520"/>
+                </a:cubicBezTo>
+                <a:cubicBezTo>
+                  <a:pt x="0" y="74731"/>
+                  <a:pt x="4225" y="78957"/>
+                  <a:pt x="9437" y="78957"/>
+                </a:cubicBezTo>
+                <a:lnTo>
+                  <a:pt x="60082" y="78957"/>
+                </a:lnTo>
+                <a:lnTo>
+                  <a:pt x="60082" y="129602"/>
+                </a:lnTo>
+                <a:cubicBezTo>
+                  <a:pt x="60082" y="134814"/>
+                  <a:pt x="64308" y="139039"/>
+                  <a:pt x="69520" y="139039"/>
+                </a:cubicBezTo>
+                <a:cubicBezTo>
+                  <a:pt x="74731" y="139039"/>
+                  <a:pt x="78957" y="134814"/>
+                  <a:pt x="78957" y="129602"/>
+                </a:cubicBezTo>
+                <a:lnTo>
+                  <a:pt x="78957" y="78957"/>
+                </a:lnTo>
+                <a:lnTo>
+                  <a:pt x="129602" y="78957"/>
+                </a:lnTo>
+                <a:cubicBezTo>
+                  <a:pt x="134814" y="78957"/>
+                  <a:pt x="139039" y="74731"/>
+                  <a:pt x="139039" y="69520"/>
+                </a:cubicBezTo>
+                <a:cubicBezTo>
+                  <a:pt x="139039" y="64308"/>
+                  <a:pt x="134814" y="60082"/>
+                  <a:pt x="129602" y="60082"/>
+                </a:cubicBezTo>
+                <a:close/>
+              </a:path>
+            </a:pathLst>
+          </a:custGeom>
+          <a:solidFill>
+            <a:srgbClr val="FFFFFF"/>
+          </a:solidFill>
+          <a:ln w="603" cap="flat">
+            <a:noFill/>
+            <a:prstDash val="solid"/>
+            <a:miter/>
+          </a:ln>
+        </p:spPr>
+        <p:txBody>
+          <a:bodyPr rtlCol="0" anchor="ctr"/>
+          <a:lstStyle/>
+          <a:p>
+            <a:pPr marL="0" marR="0" lvl="0" indent="0" algn="l" defTabSz="914400" rtl="0" eaLnBrk="1" fontAlgn="auto" latinLnBrk="0" hangingPunct="1">
+              <a:lnSpc>
+                <a:spcPct val="100000"/>
+              </a:lnSpc>
+              <a:spcBef>
+                <a:spcPts val="0"/>
+              </a:spcBef>
+              <a:spcAft>
+                <a:spcPts val="0"/>
+              </a:spcAft>
+              <a:buClrTx/>
+              <a:buSzTx/>
+              <a:buFontTx/>
+              <a:buNone/>
+              <a:tabLst/>
+              <a:defRPr/>
+            </a:pPr>
+            <a:endParaRPr kumimoji="0" lang="en-US" sz="1800" b="0" i="0" u="none" strike="noStrike" kern="1200" cap="none" spc="0" normalizeH="0" baseline="0" noProof="0">
+              <a:ln>
+                <a:noFill/>
+              </a:ln>
+              <a:solidFill>
+                <a:prstClr val="black"/>
+              </a:solidFill>
+              <a:effectLst/>
+              <a:uLnTx/>
+              <a:uFillTx/>
+              <a:latin typeface="Calibri" panose="020F0502020204030204"/>
+              <a:ea typeface="+mn-ea"/>
+              <a:cs typeface="+mn-cs"/>
+            </a:endParaRPr>
+          </a:p>
+        </p:txBody>
+      </p:sp>
+      <p:sp>
+        <p:nvSpPr>
+          <p:cNvPr id="32" name="Graphic 10">
+            <a:extLst>
+              <a:ext uri="{FF2B5EF4-FFF2-40B4-BE49-F238E27FC236}">
+                <a16:creationId xmlns:a16="http://schemas.microsoft.com/office/drawing/2014/main" id="{E3020543-B24B-4EC4-8FFC-8DD88EEA91A8}"/>
+              </a:ext>
+              <a:ext uri="{C183D7F6-B498-43B3-948B-1728B52AA6E4}">
+                <adec:decorative xmlns:adec="http://schemas.microsoft.com/office/drawing/2017/decorative" val="1"/>
+              </a:ext>
+            </a:extLst>
+          </p:cNvPr>
+          <p:cNvSpPr>
+            <a:spLocks noGrp="1" noRot="1" noChangeAspect="1" noMove="1" noResize="1" noEditPoints="1" noAdjustHandles="1" noChangeArrowheads="1" noChangeShapeType="1" noTextEdit="1"/>
+          </p:cNvSpPr>
+          <p:nvPr>
+            <p:extLst>
+              <p:ext uri="{386F3935-93C4-4BCD-93E2-E3B085C9AB24}">
+                <p16:designElem xmlns:p16="http://schemas.microsoft.com/office/powerpoint/2015/main" val="1"/>
+              </p:ext>
+            </p:extLst>
+          </p:nvPr>
+        </p:nvSpPr>
+        <p:spPr>
+          <a:xfrm>
+            <a:off x="6081594" y="969611"/>
+            <a:ext cx="91138" cy="91138"/>
+          </a:xfrm>
+          <a:custGeom>
+            <a:avLst/>
+            <a:gdLst>
+              <a:gd name="connsiteX0" fmla="*/ 91138 w 91138"/>
+              <a:gd name="connsiteY0" fmla="*/ 45569 h 91138"/>
+              <a:gd name="connsiteX1" fmla="*/ 45569 w 91138"/>
+              <a:gd name="connsiteY1" fmla="*/ 91138 h 91138"/>
+              <a:gd name="connsiteX2" fmla="*/ 0 w 91138"/>
+              <a:gd name="connsiteY2" fmla="*/ 45569 h 91138"/>
+              <a:gd name="connsiteX3" fmla="*/ 45569 w 91138"/>
+              <a:gd name="connsiteY3" fmla="*/ 0 h 91138"/>
+              <a:gd name="connsiteX4" fmla="*/ 91138 w 91138"/>
+              <a:gd name="connsiteY4" fmla="*/ 45569 h 91138"/>
+            </a:gdLst>
+            <a:ahLst/>
+            <a:cxnLst>
+              <a:cxn ang="0">
+                <a:pos x="connsiteX0" y="connsiteY0"/>
+              </a:cxn>
+              <a:cxn ang="0">
+                <a:pos x="connsiteX1" y="connsiteY1"/>
+              </a:cxn>
+              <a:cxn ang="0">
+                <a:pos x="connsiteX2" y="connsiteY2"/>
+              </a:cxn>
+              <a:cxn ang="0">
+                <a:pos x="connsiteX3" y="connsiteY3"/>
+              </a:cxn>
+              <a:cxn ang="0">
+                <a:pos x="connsiteX4" y="connsiteY4"/>
+              </a:cxn>
+            </a:cxnLst>
+            <a:rect l="l" t="t" r="r" b="b"/>
+            <a:pathLst>
+              <a:path w="91138" h="91138">
+                <a:moveTo>
+                  <a:pt x="91138" y="45569"/>
+                </a:moveTo>
+                <a:cubicBezTo>
+                  <a:pt x="91138" y="70736"/>
+                  <a:pt x="70736" y="91138"/>
+                  <a:pt x="45569" y="91138"/>
+                </a:cubicBezTo>
+                <a:cubicBezTo>
+                  <a:pt x="20402" y="91138"/>
+                  <a:pt x="0" y="70736"/>
+                  <a:pt x="0" y="45569"/>
+                </a:cubicBezTo>
+                <a:cubicBezTo>
+                  <a:pt x="0" y="20402"/>
+                  <a:pt x="20402" y="0"/>
+                  <a:pt x="45569" y="0"/>
+                </a:cubicBezTo>
+                <a:cubicBezTo>
+                  <a:pt x="70736" y="0"/>
+                  <a:pt x="91138" y="20402"/>
+                  <a:pt x="91138" y="45569"/>
+                </a:cubicBezTo>
+                <a:close/>
+              </a:path>
+            </a:pathLst>
+          </a:custGeom>
+          <a:solidFill>
+            <a:srgbClr val="FFFFFF"/>
+          </a:solidFill>
+          <a:ln w="422" cap="flat">
+            <a:noFill/>
+            <a:prstDash val="solid"/>
+            <a:miter/>
+          </a:ln>
+        </p:spPr>
+        <p:txBody>
+          <a:bodyPr rtlCol="0" anchor="ctr"/>
+          <a:lstStyle/>
+          <a:p>
+            <a:pPr marL="0" marR="0" lvl="0" indent="0" algn="l" defTabSz="914400" rtl="0" eaLnBrk="1" fontAlgn="auto" latinLnBrk="0" hangingPunct="1">
+              <a:lnSpc>
+                <a:spcPct val="100000"/>
+              </a:lnSpc>
+              <a:spcBef>
+                <a:spcPts val="0"/>
+              </a:spcBef>
+              <a:spcAft>
+                <a:spcPts val="0"/>
+              </a:spcAft>
+              <a:buClrTx/>
+              <a:buSzTx/>
+              <a:buFontTx/>
+              <a:buNone/>
+              <a:tabLst/>
+              <a:defRPr/>
+            </a:pPr>
+            <a:endParaRPr kumimoji="0" lang="en-US" sz="1800" b="0" i="0" u="none" strike="noStrike" kern="1200" cap="none" spc="0" normalizeH="0" baseline="0" noProof="0">
+              <a:ln>
+                <a:noFill/>
+              </a:ln>
+              <a:solidFill>
+                <a:prstClr val="black"/>
+              </a:solidFill>
+              <a:effectLst/>
+              <a:uLnTx/>
+              <a:uFillTx/>
+              <a:latin typeface="Calibri" panose="020F0502020204030204"/>
+              <a:ea typeface="+mn-ea"/>
+              <a:cs typeface="+mn-cs"/>
+            </a:endParaRPr>
+          </a:p>
+        </p:txBody>
+      </p:sp>
+      <p:sp>
+        <p:nvSpPr>
+          <p:cNvPr id="34" name="Graphic 12">
+            <a:extLst>
+              <a:ext uri="{FF2B5EF4-FFF2-40B4-BE49-F238E27FC236}">
+                <a16:creationId xmlns:a16="http://schemas.microsoft.com/office/drawing/2014/main" id="{1453BF6C-B012-48B7-B4E8-6D7AC7C27D02}"/>
+              </a:ext>
+              <a:ext uri="{C183D7F6-B498-43B3-948B-1728B52AA6E4}">
+                <adec:decorative xmlns:adec="http://schemas.microsoft.com/office/drawing/2017/decorative" val="1"/>
+              </a:ext>
+            </a:extLst>
+          </p:cNvPr>
+          <p:cNvSpPr>
+            <a:spLocks noGrp="1" noRot="1" noChangeAspect="1" noMove="1" noResize="1" noEditPoints="1" noAdjustHandles="1" noChangeArrowheads="1" noChangeShapeType="1" noTextEdit="1"/>
+          </p:cNvSpPr>
+          <p:nvPr>
+            <p:extLst>
+              <p:ext uri="{386F3935-93C4-4BCD-93E2-E3B085C9AB24}">
+                <p16:designElem xmlns:p16="http://schemas.microsoft.com/office/powerpoint/2015/main" val="1"/>
+              </p:ext>
+            </p:extLst>
+          </p:nvPr>
+        </p:nvSpPr>
+        <p:spPr>
+          <a:xfrm>
+            <a:off x="5707274" y="1484755"/>
+            <a:ext cx="127714" cy="127714"/>
+          </a:xfrm>
+          <a:custGeom>
+            <a:avLst/>
+            <a:gdLst>
+              <a:gd name="connsiteX0" fmla="*/ 63857 w 127714"/>
+              <a:gd name="connsiteY0" fmla="*/ 18874 h 127714"/>
+              <a:gd name="connsiteX1" fmla="*/ 108840 w 127714"/>
+              <a:gd name="connsiteY1" fmla="*/ 63857 h 127714"/>
+              <a:gd name="connsiteX2" fmla="*/ 63857 w 127714"/>
+              <a:gd name="connsiteY2" fmla="*/ 108840 h 127714"/>
+              <a:gd name="connsiteX3" fmla="*/ 18874 w 127714"/>
+              <a:gd name="connsiteY3" fmla="*/ 63857 h 127714"/>
+              <a:gd name="connsiteX4" fmla="*/ 63857 w 127714"/>
+              <a:gd name="connsiteY4" fmla="*/ 18874 h 127714"/>
+              <a:gd name="connsiteX5" fmla="*/ 63857 w 127714"/>
+              <a:gd name="connsiteY5" fmla="*/ 0 h 127714"/>
+              <a:gd name="connsiteX6" fmla="*/ 0 w 127714"/>
+              <a:gd name="connsiteY6" fmla="*/ 63857 h 127714"/>
+              <a:gd name="connsiteX7" fmla="*/ 63857 w 127714"/>
+              <a:gd name="connsiteY7" fmla="*/ 127714 h 127714"/>
+              <a:gd name="connsiteX8" fmla="*/ 127714 w 127714"/>
+              <a:gd name="connsiteY8" fmla="*/ 63857 h 127714"/>
+              <a:gd name="connsiteX9" fmla="*/ 63857 w 127714"/>
+              <a:gd name="connsiteY9" fmla="*/ 0 h 127714"/>
+            </a:gdLst>
+            <a:ahLst/>
+            <a:cxnLst>
+              <a:cxn ang="0">
+                <a:pos x="connsiteX0" y="connsiteY0"/>
+              </a:cxn>
+              <a:cxn ang="0">
+                <a:pos x="connsiteX1" y="connsiteY1"/>
+              </a:cxn>
+              <a:cxn ang="0">
+                <a:pos x="connsiteX2" y="connsiteY2"/>
+              </a:cxn>
+              <a:cxn ang="0">
+                <a:pos x="connsiteX3" y="connsiteY3"/>
+              </a:cxn>
+              <a:cxn ang="0">
+                <a:pos x="connsiteX4" y="connsiteY4"/>
+              </a:cxn>
+              <a:cxn ang="0">
+                <a:pos x="connsiteX5" y="connsiteY5"/>
+              </a:cxn>
+              <a:cxn ang="0">
+                <a:pos x="connsiteX6" y="connsiteY6"/>
+              </a:cxn>
+              <a:cxn ang="0">
+                <a:pos x="connsiteX7" y="connsiteY7"/>
+              </a:cxn>
+              <a:cxn ang="0">
+                <a:pos x="connsiteX8" y="connsiteY8"/>
+              </a:cxn>
+              <a:cxn ang="0">
+                <a:pos x="connsiteX9" y="connsiteY9"/>
+              </a:cxn>
+            </a:cxnLst>
+            <a:rect l="l" t="t" r="r" b="b"/>
+            <a:pathLst>
+              <a:path w="127714" h="127714">
+                <a:moveTo>
+                  <a:pt x="63857" y="18874"/>
+                </a:moveTo>
+                <a:cubicBezTo>
+                  <a:pt x="88700" y="18874"/>
+                  <a:pt x="108840" y="39014"/>
+                  <a:pt x="108840" y="63857"/>
+                </a:cubicBezTo>
+                <a:cubicBezTo>
+                  <a:pt x="108840" y="88700"/>
+                  <a:pt x="88700" y="108840"/>
+                  <a:pt x="63857" y="108840"/>
+                </a:cubicBezTo>
+                <a:cubicBezTo>
+                  <a:pt x="39014" y="108840"/>
+                  <a:pt x="18874" y="88700"/>
+                  <a:pt x="18874" y="63857"/>
+                </a:cubicBezTo>
+                <a:cubicBezTo>
+                  <a:pt x="18898" y="39024"/>
+                  <a:pt x="39024" y="18898"/>
+                  <a:pt x="63857" y="18874"/>
+                </a:cubicBezTo>
+                <a:moveTo>
+                  <a:pt x="63857" y="0"/>
+                </a:moveTo>
+                <a:cubicBezTo>
+                  <a:pt x="28590" y="0"/>
+                  <a:pt x="0" y="28590"/>
+                  <a:pt x="0" y="63857"/>
+                </a:cubicBezTo>
+                <a:cubicBezTo>
+                  <a:pt x="0" y="99124"/>
+                  <a:pt x="28590" y="127714"/>
+                  <a:pt x="63857" y="127714"/>
+                </a:cubicBezTo>
+                <a:cubicBezTo>
+                  <a:pt x="99124" y="127714"/>
+                  <a:pt x="127714" y="99124"/>
+                  <a:pt x="127714" y="63857"/>
+                </a:cubicBezTo>
+                <a:cubicBezTo>
+                  <a:pt x="127714" y="28590"/>
+                  <a:pt x="99124" y="0"/>
+                  <a:pt x="63857" y="0"/>
+                </a:cubicBezTo>
+                <a:close/>
+              </a:path>
+            </a:pathLst>
+          </a:custGeom>
+          <a:solidFill>
+            <a:srgbClr val="FFFFFF"/>
+          </a:solidFill>
+          <a:ln w="610" cap="flat">
+            <a:noFill/>
+            <a:prstDash val="solid"/>
+            <a:miter/>
+          </a:ln>
+        </p:spPr>
+        <p:txBody>
+          <a:bodyPr rtlCol="0" anchor="ctr"/>
+          <a:lstStyle/>
+          <a:p>
+            <a:pPr marL="0" marR="0" lvl="0" indent="0" algn="l" defTabSz="914400" rtl="0" eaLnBrk="1" fontAlgn="auto" latinLnBrk="0" hangingPunct="1">
+              <a:lnSpc>
+                <a:spcPct val="100000"/>
+              </a:lnSpc>
+              <a:spcBef>
+                <a:spcPts val="0"/>
+              </a:spcBef>
+              <a:spcAft>
+                <a:spcPts val="0"/>
+              </a:spcAft>
+              <a:buClrTx/>
+              <a:buSzTx/>
+              <a:buFontTx/>
+              <a:buNone/>
+              <a:tabLst/>
+              <a:defRPr/>
+            </a:pPr>
+            <a:endParaRPr kumimoji="0" lang="en-US" sz="1800" b="0" i="0" u="none" strike="noStrike" kern="1200" cap="none" spc="0" normalizeH="0" baseline="0" noProof="0">
+              <a:ln>
+                <a:noFill/>
+              </a:ln>
+              <a:solidFill>
+                <a:prstClr val="black"/>
+              </a:solidFill>
+              <a:effectLst/>
+              <a:uLnTx/>
+              <a:uFillTx/>
+              <a:latin typeface="Calibri" panose="020F0502020204030204"/>
+              <a:ea typeface="+mn-ea"/>
+              <a:cs typeface="+mn-cs"/>
+            </a:endParaRPr>
+          </a:p>
+        </p:txBody>
+      </p:sp>
+      <p:sp>
+        <p:nvSpPr>
+          <p:cNvPr id="3" name="コンテンツ プレースホルダー 2">
+            <a:extLst>
+              <a:ext uri="{FF2B5EF4-FFF2-40B4-BE49-F238E27FC236}">
+                <a16:creationId xmlns:a16="http://schemas.microsoft.com/office/drawing/2014/main" id="{9C48C105-E3F4-8A87-2B7C-38ADCE70F5D9}"/>
+              </a:ext>
+            </a:extLst>
+          </p:cNvPr>
+          <p:cNvSpPr>
+            <a:spLocks noGrp="1"/>
+          </p:cNvSpPr>
+          <p:nvPr>
+            <p:ph idx="1"/>
+          </p:nvPr>
+        </p:nvSpPr>
+        <p:spPr>
+          <a:xfrm>
+            <a:off x="7229042" y="698643"/>
+            <a:ext cx="4124758" cy="5301467"/>
+          </a:xfrm>
+        </p:spPr>
+        <p:txBody>
+          <a:bodyPr anchor="b">
+            <a:normAutofit/>
+          </a:bodyPr>
+          <a:lstStyle/>
+          <a:p>
+            <a:r>
+              <a:rPr kumimoji="1" lang="en-US" altLang="ja-JP" sz="2000">
+                <a:solidFill>
+                  <a:srgbClr val="FFFFFF"/>
+                </a:solidFill>
+              </a:rPr>
+              <a:t>Flutter</a:t>
+            </a:r>
+            <a:r>
+              <a:rPr lang="ja-JP" altLang="en-US" sz="2000">
+                <a:solidFill>
+                  <a:srgbClr val="FFFFFF"/>
+                </a:solidFill>
+              </a:rPr>
+              <a:t> </a:t>
+            </a:r>
+            <a:r>
+              <a:rPr lang="en-US" altLang="ja-JP" sz="2000">
+                <a:solidFill>
+                  <a:srgbClr val="FFFFFF"/>
+                </a:solidFill>
+              </a:rPr>
+              <a:t>SDK</a:t>
+            </a:r>
+          </a:p>
+          <a:p>
+            <a:r>
+              <a:rPr kumimoji="1" lang="en-US" altLang="ja-JP" sz="2000">
+                <a:solidFill>
+                  <a:srgbClr val="FFFFFF"/>
+                </a:solidFill>
+              </a:rPr>
+              <a:t>Dart SDK</a:t>
+            </a:r>
+          </a:p>
+          <a:p>
+            <a:r>
+              <a:rPr lang="en-US" altLang="ja-JP" sz="2000">
+                <a:solidFill>
+                  <a:srgbClr val="FFFFFF"/>
+                </a:solidFill>
+              </a:rPr>
+              <a:t>Visual Studio Code</a:t>
+            </a:r>
+          </a:p>
+          <a:p>
+            <a:endParaRPr kumimoji="1" lang="en-US" altLang="ja-JP" sz="2000">
+              <a:solidFill>
+                <a:srgbClr val="FFFFFF"/>
+              </a:solidFill>
+            </a:endParaRPr>
+          </a:p>
+          <a:p>
+            <a:endParaRPr kumimoji="1" lang="en-US" altLang="ja-JP" sz="2000">
+              <a:solidFill>
+                <a:srgbClr val="FFFFFF"/>
+              </a:solidFill>
+            </a:endParaRPr>
+          </a:p>
+          <a:p>
+            <a:pPr marL="0" indent="0">
+              <a:buNone/>
+            </a:pPr>
+            <a:r>
+              <a:rPr lang="ja-JP" altLang="en-US" sz="2000">
+                <a:solidFill>
+                  <a:srgbClr val="FFFFFF"/>
+                </a:solidFill>
+              </a:rPr>
+              <a:t>バージョン</a:t>
+            </a:r>
+            <a:endParaRPr lang="en-US" altLang="ja-JP" sz="2000">
+              <a:solidFill>
+                <a:srgbClr val="FFFFFF"/>
+              </a:solidFill>
+            </a:endParaRPr>
+          </a:p>
+          <a:p>
+            <a:r>
+              <a:rPr lang="en-US" altLang="ja-JP" sz="2000">
+                <a:solidFill>
+                  <a:srgbClr val="FFFFFF"/>
+                </a:solidFill>
+              </a:rPr>
+              <a:t>Flutter3.22.2</a:t>
+            </a:r>
+          </a:p>
+          <a:p>
+            <a:r>
+              <a:rPr lang="en-US" altLang="ja-JP" sz="2000">
+                <a:solidFill>
+                  <a:srgbClr val="FFFFFF"/>
+                </a:solidFill>
+              </a:rPr>
+              <a:t>Dart3.4.3</a:t>
+            </a:r>
+          </a:p>
+        </p:txBody>
+      </p:sp>
+    </p:spTree>
+    <p:extLst>
+      <p:ext uri="{BB962C8B-B14F-4D97-AF65-F5344CB8AC3E}">
+        <p14:creationId xmlns:p14="http://schemas.microsoft.com/office/powerpoint/2010/main" val="516061466"/>
+      </p:ext>
+    </p:extLst>
+  </p:cSld>
+  <p:clrMapOvr>
+    <a:masterClrMapping/>
+  </p:clrMapOvr>
+</p:sld>
+</file>
+
+<file path=ppt/slides/slide4.xml><?xml version="1.0" encoding="utf-8"?>
+<p:sld xmlns:a="http://schemas.openxmlformats.org/drawingml/2006/main" xmlns:r="http://schemas.openxmlformats.org/officeDocument/2006/relationships" xmlns:p="http://schemas.openxmlformats.org/presentationml/2006/main">
+  <p:cSld>
+    <p:bg>
+      <p:bgPr>
+        <a:solidFill>
+          <a:schemeClr val="bg1"/>
+        </a:solidFill>
+        <a:effectLst/>
+      </p:bgPr>
+    </p:bg>
+    <p:spTree>
+      <p:nvGrpSpPr>
+        <p:cNvPr id="1" name=""/>
+        <p:cNvGrpSpPr/>
+        <p:nvPr/>
+      </p:nvGrpSpPr>
+      <p:grpSpPr>
+        <a:xfrm>
+          <a:off x="0" y="0"/>
+          <a:ext cx="0" cy="0"/>
+          <a:chOff x="0" y="0"/>
+          <a:chExt cx="0" cy="0"/>
+        </a:xfrm>
+      </p:grpSpPr>
+      <p:sp useBgFill="1">
+        <p:nvSpPr>
+          <p:cNvPr id="15" name="Rectangle 14">
+            <a:extLst>
+              <a:ext uri="{FF2B5EF4-FFF2-40B4-BE49-F238E27FC236}">
+                <a16:creationId xmlns:a16="http://schemas.microsoft.com/office/drawing/2014/main" id="{327D73B4-9F5C-4A64-A179-51B9500CB8B5}"/>
+              </a:ext>
+              <a:ext uri="{C183D7F6-B498-43B3-948B-1728B52AA6E4}">
+                <adec:decorative xmlns:adec="http://schemas.microsoft.com/office/drawing/2017/decorative" val="1"/>
+              </a:ext>
+            </a:extLst>
+          </p:cNvPr>
+          <p:cNvSpPr>
+            <a:spLocks noGrp="1" noRot="1" noChangeAspect="1" noMove="1" noResize="1" noEditPoints="1" noAdjustHandles="1" noChangeArrowheads="1" noChangeShapeType="1" noTextEdit="1"/>
+          </p:cNvSpPr>
+          <p:nvPr>
+            <p:extLst>
+              <p:ext uri="{386F3935-93C4-4BCD-93E2-E3B085C9AB24}">
+                <p16:designElem xmlns:p16="http://schemas.microsoft.com/office/powerpoint/2015/main" val="1"/>
+              </p:ext>
+            </p:extLst>
+          </p:nvPr>
+        </p:nvSpPr>
+        <p:spPr>
+          <a:xfrm>
+            <a:off x="0" y="0"/>
+            <a:ext cx="12192000" cy="6858000"/>
+          </a:xfrm>
+          <a:prstGeom prst="rect">
+            <a:avLst/>
+          </a:prstGeom>
+          <a:ln>
+            <a:noFill/>
+          </a:ln>
+        </p:spPr>
+        <p:style>
+          <a:lnRef idx="2">
+            <a:schemeClr val="accent1">
+              <a:shade val="50000"/>
+            </a:schemeClr>
+          </a:lnRef>
+          <a:fillRef idx="1">
+            <a:schemeClr val="accent1"/>
+          </a:fillRef>
+          <a:effectRef idx="0">
+            <a:schemeClr val="accent1"/>
+          </a:effectRef>
+          <a:fontRef idx="minor">
+            <a:schemeClr val="lt1"/>
+          </a:fontRef>
+        </p:style>
+        <p:txBody>
+          <a:bodyPr rtlCol="0" anchor="ctr"/>
+          <a:lstStyle/>
+          <a:p>
+            <a:pPr algn="ctr"/>
+            <a:endParaRPr lang="en-US"/>
+          </a:p>
+        </p:txBody>
+      </p:sp>
+      <p:sp>
+        <p:nvSpPr>
+          <p:cNvPr id="17" name="Oval 16">
+            <a:extLst>
+              <a:ext uri="{FF2B5EF4-FFF2-40B4-BE49-F238E27FC236}">
+                <a16:creationId xmlns:a16="http://schemas.microsoft.com/office/drawing/2014/main" id="{C1F06963-6374-4B48-844F-071A9BAAAE02}"/>
+              </a:ext>
+              <a:ext uri="{C183D7F6-B498-43B3-948B-1728B52AA6E4}">
+                <adec:decorative xmlns:adec="http://schemas.microsoft.com/office/drawing/2017/decorative" val="1"/>
+              </a:ext>
+            </a:extLst>
+          </p:cNvPr>
+          <p:cNvSpPr>
+            <a:spLocks noGrp="1" noRot="1" noChangeAspect="1" noMove="1" noResize="1" noEditPoints="1" noAdjustHandles="1" noChangeArrowheads="1" noChangeShapeType="1" noTextEdit="1"/>
+          </p:cNvSpPr>
+          <p:nvPr>
+            <p:extLst>
+              <p:ext uri="{386F3935-93C4-4BCD-93E2-E3B085C9AB24}">
+                <p16:designElem xmlns:p16="http://schemas.microsoft.com/office/powerpoint/2015/main" val="1"/>
+              </p:ext>
+            </p:extLst>
+          </p:nvPr>
+        </p:nvSpPr>
+        <p:spPr>
+          <a:xfrm>
+            <a:off x="199528" y="554152"/>
+            <a:ext cx="5742189" cy="5742189"/>
+          </a:xfrm>
+          <a:prstGeom prst="ellipse">
+            <a:avLst/>
+          </a:prstGeom>
+          <a:gradFill flip="none" rotWithShape="1">
+            <a:gsLst>
+              <a:gs pos="0">
+                <a:schemeClr val="accent1"/>
+              </a:gs>
+              <a:gs pos="100000">
+                <a:schemeClr val="accent2"/>
+              </a:gs>
+            </a:gsLst>
+            <a:lin ang="2700000" scaled="1"/>
+            <a:tileRect/>
+          </a:gradFill>
+          <a:ln>
+            <a:noFill/>
+          </a:ln>
+        </p:spPr>
+        <p:style>
+          <a:lnRef idx="2">
+            <a:schemeClr val="accent1">
+              <a:shade val="50000"/>
+            </a:schemeClr>
+          </a:lnRef>
+          <a:fillRef idx="1">
+            <a:schemeClr val="accent1"/>
+          </a:fillRef>
+          <a:effectRef idx="0">
+            <a:schemeClr val="accent1"/>
+          </a:effectRef>
+          <a:fontRef idx="minor">
+            <a:schemeClr val="lt1"/>
+          </a:fontRef>
+        </p:style>
+        <p:txBody>
+          <a:bodyPr rtlCol="0" anchor="ctr"/>
+          <a:lstStyle/>
+          <a:p>
+            <a:pPr algn="ctr"/>
+            <a:endParaRPr lang="en-US"/>
+          </a:p>
+        </p:txBody>
+      </p:sp>
+      <p:sp>
+        <p:nvSpPr>
+          <p:cNvPr id="2" name="タイトル 1">
+            <a:extLst>
+              <a:ext uri="{FF2B5EF4-FFF2-40B4-BE49-F238E27FC236}">
+                <a16:creationId xmlns:a16="http://schemas.microsoft.com/office/drawing/2014/main" id="{9358D62C-CBDC-859F-183D-573376FBF8B5}"/>
+              </a:ext>
+            </a:extLst>
+          </p:cNvPr>
+          <p:cNvSpPr>
+            <a:spLocks noGrp="1"/>
+          </p:cNvSpPr>
+          <p:nvPr>
+            <p:ph type="title"/>
+          </p:nvPr>
+        </p:nvSpPr>
+        <p:spPr>
+          <a:xfrm>
+            <a:off x="1245072" y="1289765"/>
+            <a:ext cx="3651101" cy="4270963"/>
+          </a:xfrm>
+        </p:spPr>
+        <p:txBody>
+          <a:bodyPr anchor="ctr">
+            <a:normAutofit/>
+          </a:bodyPr>
+          <a:lstStyle/>
+          <a:p>
+            <a:pPr algn="ctr"/>
+            <a:r>
+              <a:rPr kumimoji="1" lang="ja-JP" altLang="en-US" sz="5600">
+                <a:solidFill>
+                  <a:srgbClr val="FFFFFF"/>
+                </a:solidFill>
+              </a:rPr>
+              <a:t>概要</a:t>
+            </a:r>
+          </a:p>
+        </p:txBody>
+      </p:sp>
+      <p:sp>
+        <p:nvSpPr>
+          <p:cNvPr id="19" name="Graphic 11">
+            <a:extLst>
+              <a:ext uri="{FF2B5EF4-FFF2-40B4-BE49-F238E27FC236}">
+                <a16:creationId xmlns:a16="http://schemas.microsoft.com/office/drawing/2014/main" id="{6CB927A4-E432-4310-9CD5-E89FF5063179}"/>
+              </a:ext>
+              <a:ext uri="{C183D7F6-B498-43B3-948B-1728B52AA6E4}">
+                <adec:decorative xmlns:adec="http://schemas.microsoft.com/office/drawing/2017/decorative" val="1"/>
+              </a:ext>
+            </a:extLst>
+          </p:cNvPr>
+          <p:cNvSpPr>
+            <a:spLocks noGrp="1" noRot="1" noChangeAspect="1" noMove="1" noResize="1" noEditPoints="1" noAdjustHandles="1" noChangeArrowheads="1" noChangeShapeType="1" noTextEdit="1"/>
+          </p:cNvSpPr>
+          <p:nvPr>
+            <p:extLst>
+              <p:ext uri="{386F3935-93C4-4BCD-93E2-E3B085C9AB24}">
+                <p16:designElem xmlns:p16="http://schemas.microsoft.com/office/powerpoint/2015/main" val="1"/>
+              </p:ext>
+            </p:extLst>
+          </p:nvPr>
+        </p:nvSpPr>
+        <p:spPr>
+          <a:xfrm>
+            <a:off x="1123493" y="374394"/>
+            <a:ext cx="171515" cy="171515"/>
+          </a:xfrm>
+          <a:custGeom>
+            <a:avLst/>
+            <a:gdLst>
+              <a:gd name="connsiteX0" fmla="*/ 159874 w 171515"/>
+              <a:gd name="connsiteY0" fmla="*/ 74116 h 171515"/>
+              <a:gd name="connsiteX1" fmla="*/ 97399 w 171515"/>
+              <a:gd name="connsiteY1" fmla="*/ 74116 h 171515"/>
+              <a:gd name="connsiteX2" fmla="*/ 97399 w 171515"/>
+              <a:gd name="connsiteY2" fmla="*/ 11641 h 171515"/>
+              <a:gd name="connsiteX3" fmla="*/ 85758 w 171515"/>
+              <a:gd name="connsiteY3" fmla="*/ 0 h 171515"/>
+              <a:gd name="connsiteX4" fmla="*/ 74116 w 171515"/>
+              <a:gd name="connsiteY4" fmla="*/ 11641 h 171515"/>
+              <a:gd name="connsiteX5" fmla="*/ 74116 w 171515"/>
+              <a:gd name="connsiteY5" fmla="*/ 74116 h 171515"/>
+              <a:gd name="connsiteX6" fmla="*/ 11641 w 171515"/>
+              <a:gd name="connsiteY6" fmla="*/ 74116 h 171515"/>
+              <a:gd name="connsiteX7" fmla="*/ 0 w 171515"/>
+              <a:gd name="connsiteY7" fmla="*/ 85758 h 171515"/>
+              <a:gd name="connsiteX8" fmla="*/ 11641 w 171515"/>
+              <a:gd name="connsiteY8" fmla="*/ 97399 h 171515"/>
+              <a:gd name="connsiteX9" fmla="*/ 74116 w 171515"/>
+              <a:gd name="connsiteY9" fmla="*/ 97399 h 171515"/>
+              <a:gd name="connsiteX10" fmla="*/ 74116 w 171515"/>
+              <a:gd name="connsiteY10" fmla="*/ 159874 h 171515"/>
+              <a:gd name="connsiteX11" fmla="*/ 85758 w 171515"/>
+              <a:gd name="connsiteY11" fmla="*/ 171515 h 171515"/>
+              <a:gd name="connsiteX12" fmla="*/ 97399 w 171515"/>
+              <a:gd name="connsiteY12" fmla="*/ 159874 h 171515"/>
+              <a:gd name="connsiteX13" fmla="*/ 97399 w 171515"/>
+              <a:gd name="connsiteY13" fmla="*/ 97399 h 171515"/>
+              <a:gd name="connsiteX14" fmla="*/ 159874 w 171515"/>
+              <a:gd name="connsiteY14" fmla="*/ 97399 h 171515"/>
+              <a:gd name="connsiteX15" fmla="*/ 171515 w 171515"/>
+              <a:gd name="connsiteY15" fmla="*/ 85758 h 171515"/>
+              <a:gd name="connsiteX16" fmla="*/ 159874 w 171515"/>
+              <a:gd name="connsiteY16" fmla="*/ 74116 h 171515"/>
+            </a:gdLst>
+            <a:ahLst/>
+            <a:cxnLst>
+              <a:cxn ang="0">
+                <a:pos x="connsiteX0" y="connsiteY0"/>
+              </a:cxn>
+              <a:cxn ang="0">
+                <a:pos x="connsiteX1" y="connsiteY1"/>
+              </a:cxn>
+              <a:cxn ang="0">
+                <a:pos x="connsiteX2" y="connsiteY2"/>
+              </a:cxn>
+              <a:cxn ang="0">
+                <a:pos x="connsiteX3" y="connsiteY3"/>
+              </a:cxn>
+              <a:cxn ang="0">
+                <a:pos x="connsiteX4" y="connsiteY4"/>
+              </a:cxn>
+              <a:cxn ang="0">
+                <a:pos x="connsiteX5" y="connsiteY5"/>
+              </a:cxn>
+              <a:cxn ang="0">
+                <a:pos x="connsiteX6" y="connsiteY6"/>
+              </a:cxn>
+              <a:cxn ang="0">
+                <a:pos x="connsiteX7" y="connsiteY7"/>
+              </a:cxn>
+              <a:cxn ang="0">
+                <a:pos x="connsiteX8" y="connsiteY8"/>
+              </a:cxn>
+              <a:cxn ang="0">
+                <a:pos x="connsiteX9" y="connsiteY9"/>
+              </a:cxn>
+              <a:cxn ang="0">
+                <a:pos x="connsiteX10" y="connsiteY10"/>
+              </a:cxn>
+              <a:cxn ang="0">
+                <a:pos x="connsiteX11" y="connsiteY11"/>
+              </a:cxn>
+              <a:cxn ang="0">
+                <a:pos x="connsiteX12" y="connsiteY12"/>
+              </a:cxn>
+              <a:cxn ang="0">
+                <a:pos x="connsiteX13" y="connsiteY13"/>
+              </a:cxn>
+              <a:cxn ang="0">
+                <a:pos x="connsiteX14" y="connsiteY14"/>
+              </a:cxn>
+              <a:cxn ang="0">
+                <a:pos x="connsiteX15" y="connsiteY15"/>
+              </a:cxn>
+              <a:cxn ang="0">
+                <a:pos x="connsiteX16" y="connsiteY16"/>
+              </a:cxn>
+            </a:cxnLst>
+            <a:rect l="l" t="t" r="r" b="b"/>
+            <a:pathLst>
+              <a:path w="171515" h="171515">
+                <a:moveTo>
+                  <a:pt x="159874" y="74116"/>
+                </a:moveTo>
+                <a:lnTo>
+                  <a:pt x="97399" y="74116"/>
+                </a:lnTo>
+                <a:lnTo>
+                  <a:pt x="97399" y="11641"/>
+                </a:lnTo>
+                <a:cubicBezTo>
+                  <a:pt x="97399" y="5212"/>
+                  <a:pt x="92187" y="0"/>
+                  <a:pt x="85758" y="0"/>
+                </a:cubicBezTo>
+                <a:cubicBezTo>
+                  <a:pt x="79328" y="0"/>
+                  <a:pt x="74116" y="5212"/>
+                  <a:pt x="74116" y="11641"/>
+                </a:cubicBezTo>
+                <a:lnTo>
+                  <a:pt x="74116" y="74116"/>
+                </a:lnTo>
+                <a:lnTo>
+                  <a:pt x="11641" y="74116"/>
+                </a:lnTo>
+                <a:cubicBezTo>
+                  <a:pt x="5212" y="74116"/>
+                  <a:pt x="0" y="79328"/>
+                  <a:pt x="0" y="85758"/>
+                </a:cubicBezTo>
+                <a:cubicBezTo>
+                  <a:pt x="0" y="92187"/>
+                  <a:pt x="5212" y="97399"/>
+                  <a:pt x="11641" y="97399"/>
+                </a:cubicBezTo>
+                <a:lnTo>
+                  <a:pt x="74116" y="97399"/>
+                </a:lnTo>
+                <a:lnTo>
+                  <a:pt x="74116" y="159874"/>
+                </a:lnTo>
+                <a:cubicBezTo>
+                  <a:pt x="74116" y="166303"/>
+                  <a:pt x="79328" y="171515"/>
+                  <a:pt x="85758" y="171515"/>
+                </a:cubicBezTo>
+                <a:cubicBezTo>
+                  <a:pt x="92187" y="171515"/>
+                  <a:pt x="97399" y="166303"/>
+                  <a:pt x="97399" y="159874"/>
+                </a:cubicBezTo>
+                <a:lnTo>
+                  <a:pt x="97399" y="97399"/>
+                </a:lnTo>
+                <a:lnTo>
+                  <a:pt x="159874" y="97399"/>
+                </a:lnTo>
+                <a:cubicBezTo>
+                  <a:pt x="166303" y="97399"/>
+                  <a:pt x="171515" y="92187"/>
+                  <a:pt x="171515" y="85758"/>
+                </a:cubicBezTo>
+                <a:cubicBezTo>
+                  <a:pt x="171515" y="79328"/>
+                  <a:pt x="166303" y="74116"/>
+                  <a:pt x="159874" y="74116"/>
+                </a:cubicBezTo>
+                <a:close/>
+              </a:path>
+            </a:pathLst>
+          </a:custGeom>
+          <a:solidFill>
+            <a:schemeClr val="accent2"/>
+          </a:solidFill>
+          <a:ln w="776" cap="flat">
+            <a:noFill/>
+            <a:prstDash val="solid"/>
+            <a:miter/>
+          </a:ln>
+        </p:spPr>
+        <p:txBody>
+          <a:bodyPr rtlCol="0" anchor="ctr"/>
+          <a:lstStyle/>
+          <a:p>
+            <a:endParaRPr lang="en-US"/>
+          </a:p>
+        </p:txBody>
+      </p:sp>
+      <p:sp>
+        <p:nvSpPr>
+          <p:cNvPr id="21" name="Graphic 12">
+            <a:extLst>
+              <a:ext uri="{FF2B5EF4-FFF2-40B4-BE49-F238E27FC236}">
+                <a16:creationId xmlns:a16="http://schemas.microsoft.com/office/drawing/2014/main" id="{1453BF6C-B012-48B7-B4E8-6D7AC7C27D02}"/>
+              </a:ext>
+              <a:ext uri="{C183D7F6-B498-43B3-948B-1728B52AA6E4}">
+                <adec:decorative xmlns:adec="http://schemas.microsoft.com/office/drawing/2017/decorative" val="1"/>
+              </a:ext>
+            </a:extLst>
+          </p:cNvPr>
+          <p:cNvSpPr>
+            <a:spLocks noGrp="1" noRot="1" noChangeAspect="1" noMove="1" noResize="1" noEditPoints="1" noAdjustHandles="1" noChangeArrowheads="1" noChangeShapeType="1" noTextEdit="1"/>
+          </p:cNvSpPr>
+          <p:nvPr>
+            <p:extLst>
+              <p:ext uri="{386F3935-93C4-4BCD-93E2-E3B085C9AB24}">
+                <p16:designElem xmlns:p16="http://schemas.microsoft.com/office/powerpoint/2015/main" val="1"/>
+              </p:ext>
+            </p:extLst>
+          </p:nvPr>
+        </p:nvSpPr>
+        <p:spPr>
+          <a:xfrm>
+            <a:off x="550109" y="1084507"/>
+            <a:ext cx="157545" cy="157545"/>
+          </a:xfrm>
+          <a:custGeom>
+            <a:avLst/>
+            <a:gdLst>
+              <a:gd name="connsiteX0" fmla="*/ 78773 w 157545"/>
+              <a:gd name="connsiteY0" fmla="*/ 23283 h 157545"/>
+              <a:gd name="connsiteX1" fmla="*/ 134262 w 157545"/>
+              <a:gd name="connsiteY1" fmla="*/ 78773 h 157545"/>
+              <a:gd name="connsiteX2" fmla="*/ 78773 w 157545"/>
+              <a:gd name="connsiteY2" fmla="*/ 134262 h 157545"/>
+              <a:gd name="connsiteX3" fmla="*/ 23283 w 157545"/>
+              <a:gd name="connsiteY3" fmla="*/ 78773 h 157545"/>
+              <a:gd name="connsiteX4" fmla="*/ 78773 w 157545"/>
+              <a:gd name="connsiteY4" fmla="*/ 23283 h 157545"/>
+              <a:gd name="connsiteX5" fmla="*/ 78773 w 157545"/>
+              <a:gd name="connsiteY5" fmla="*/ 0 h 157545"/>
+              <a:gd name="connsiteX6" fmla="*/ 0 w 157545"/>
+              <a:gd name="connsiteY6" fmla="*/ 78773 h 157545"/>
+              <a:gd name="connsiteX7" fmla="*/ 78773 w 157545"/>
+              <a:gd name="connsiteY7" fmla="*/ 157545 h 157545"/>
+              <a:gd name="connsiteX8" fmla="*/ 157545 w 157545"/>
+              <a:gd name="connsiteY8" fmla="*/ 78773 h 157545"/>
+              <a:gd name="connsiteX9" fmla="*/ 78773 w 157545"/>
+              <a:gd name="connsiteY9" fmla="*/ 0 h 157545"/>
+            </a:gdLst>
+            <a:ahLst/>
+            <a:cxnLst>
+              <a:cxn ang="0">
+                <a:pos x="connsiteX0" y="connsiteY0"/>
+              </a:cxn>
+              <a:cxn ang="0">
+                <a:pos x="connsiteX1" y="connsiteY1"/>
+              </a:cxn>
+              <a:cxn ang="0">
+                <a:pos x="connsiteX2" y="connsiteY2"/>
+              </a:cxn>
+              <a:cxn ang="0">
+                <a:pos x="connsiteX3" y="connsiteY3"/>
+              </a:cxn>
+              <a:cxn ang="0">
+                <a:pos x="connsiteX4" y="connsiteY4"/>
+              </a:cxn>
+              <a:cxn ang="0">
+                <a:pos x="connsiteX5" y="connsiteY5"/>
+              </a:cxn>
+              <a:cxn ang="0">
+                <a:pos x="connsiteX6" y="connsiteY6"/>
+              </a:cxn>
+              <a:cxn ang="0">
+                <a:pos x="connsiteX7" y="connsiteY7"/>
+              </a:cxn>
+              <a:cxn ang="0">
+                <a:pos x="connsiteX8" y="connsiteY8"/>
+              </a:cxn>
+              <a:cxn ang="0">
+                <a:pos x="connsiteX9" y="connsiteY9"/>
+              </a:cxn>
+            </a:cxnLst>
+            <a:rect l="l" t="t" r="r" b="b"/>
+            <a:pathLst>
+              <a:path w="157545" h="157545">
+                <a:moveTo>
+                  <a:pt x="78773" y="23283"/>
+                </a:moveTo>
+                <a:cubicBezTo>
+                  <a:pt x="109419" y="23283"/>
+                  <a:pt x="134262" y="48126"/>
+                  <a:pt x="134262" y="78773"/>
+                </a:cubicBezTo>
+                <a:cubicBezTo>
+                  <a:pt x="134262" y="109419"/>
+                  <a:pt x="109419" y="134262"/>
+                  <a:pt x="78773" y="134262"/>
+                </a:cubicBezTo>
+                <a:cubicBezTo>
+                  <a:pt x="48126" y="134262"/>
+                  <a:pt x="23283" y="109419"/>
+                  <a:pt x="23283" y="78773"/>
+                </a:cubicBezTo>
+                <a:cubicBezTo>
+                  <a:pt x="23312" y="48139"/>
+                  <a:pt x="48139" y="23312"/>
+                  <a:pt x="78773" y="23283"/>
+                </a:cubicBezTo>
+                <a:moveTo>
+                  <a:pt x="78773" y="0"/>
+                </a:moveTo>
+                <a:cubicBezTo>
+                  <a:pt x="35268" y="0"/>
+                  <a:pt x="0" y="35268"/>
+                  <a:pt x="0" y="78773"/>
+                </a:cubicBezTo>
+                <a:cubicBezTo>
+                  <a:pt x="0" y="122277"/>
+                  <a:pt x="35268" y="157545"/>
+                  <a:pt x="78773" y="157545"/>
+                </a:cubicBezTo>
+                <a:cubicBezTo>
+                  <a:pt x="122277" y="157545"/>
+                  <a:pt x="157545" y="122277"/>
+                  <a:pt x="157545" y="78773"/>
+                </a:cubicBezTo>
+                <a:cubicBezTo>
+                  <a:pt x="157545" y="35268"/>
+                  <a:pt x="122277" y="0"/>
+                  <a:pt x="78773" y="0"/>
+                </a:cubicBezTo>
+                <a:close/>
+              </a:path>
+            </a:pathLst>
+          </a:custGeom>
+          <a:solidFill>
+            <a:schemeClr val="accent2"/>
+          </a:solidFill>
+          <a:ln w="751" cap="flat">
+            <a:noFill/>
+            <a:prstDash val="solid"/>
+            <a:miter/>
+          </a:ln>
+        </p:spPr>
+        <p:txBody>
+          <a:bodyPr rtlCol="0" anchor="ctr"/>
+          <a:lstStyle/>
+          <a:p>
+            <a:endParaRPr lang="en-US"/>
+          </a:p>
+        </p:txBody>
+      </p:sp>
+      <p:sp>
+        <p:nvSpPr>
+          <p:cNvPr id="3" name="コンテンツ プレースホルダー 2">
+            <a:extLst>
+              <a:ext uri="{FF2B5EF4-FFF2-40B4-BE49-F238E27FC236}">
+                <a16:creationId xmlns:a16="http://schemas.microsoft.com/office/drawing/2014/main" id="{0AA9BC29-41B4-D919-4D9A-C4DEA0F54242}"/>
+              </a:ext>
+            </a:extLst>
+          </p:cNvPr>
+          <p:cNvSpPr>
+            <a:spLocks noGrp="1"/>
+          </p:cNvSpPr>
+          <p:nvPr>
+            <p:ph idx="1"/>
+          </p:nvPr>
+        </p:nvSpPr>
+        <p:spPr>
+          <a:xfrm>
+            <a:off x="6297233" y="518400"/>
+            <a:ext cx="4771607" cy="5837949"/>
+          </a:xfrm>
+        </p:spPr>
+        <p:txBody>
+          <a:bodyPr anchor="ctr">
+            <a:normAutofit/>
+          </a:bodyPr>
+          <a:lstStyle/>
+          <a:p>
+            <a:r>
+              <a:rPr kumimoji="1" lang="ja-JP" altLang="en-US" sz="2000">
+                <a:solidFill>
+                  <a:schemeClr val="tx1">
+                    <a:alpha val="80000"/>
+                  </a:schemeClr>
+                </a:solidFill>
+              </a:rPr>
+              <a:t>ドリンクを販売する画面</a:t>
+            </a:r>
+            <a:endParaRPr kumimoji="1" lang="en-US" altLang="ja-JP" sz="2000">
+              <a:solidFill>
+                <a:schemeClr val="tx1">
+                  <a:alpha val="80000"/>
+                </a:schemeClr>
+              </a:solidFill>
+            </a:endParaRPr>
+          </a:p>
+          <a:p>
+            <a:r>
+              <a:rPr kumimoji="1" lang="ja-JP" altLang="en-US" sz="2000">
+                <a:solidFill>
+                  <a:schemeClr val="tx1">
+                    <a:alpha val="80000"/>
+                  </a:schemeClr>
+                </a:solidFill>
+              </a:rPr>
+              <a:t>学園祭の売店でドリンクを販売する話があった</a:t>
+            </a:r>
+            <a:endParaRPr kumimoji="1" lang="en-US" altLang="ja-JP" sz="2000">
+              <a:solidFill>
+                <a:schemeClr val="tx1">
+                  <a:alpha val="80000"/>
+                </a:schemeClr>
+              </a:solidFill>
+            </a:endParaRPr>
+          </a:p>
+          <a:p>
+            <a:r>
+              <a:rPr kumimoji="1" lang="ja-JP" altLang="en-US" sz="2000">
+                <a:solidFill>
+                  <a:schemeClr val="tx1">
+                    <a:alpha val="80000"/>
+                  </a:schemeClr>
+                </a:solidFill>
+              </a:rPr>
+              <a:t>購入ページを作成することでこの学科に興味を持ってもらえる</a:t>
+            </a:r>
+            <a:endParaRPr kumimoji="1" lang="en-US" altLang="ja-JP" sz="2000">
+              <a:solidFill>
+                <a:schemeClr val="tx1">
+                  <a:alpha val="80000"/>
+                </a:schemeClr>
+              </a:solidFill>
+            </a:endParaRPr>
+          </a:p>
+        </p:txBody>
+      </p:sp>
+      <p:sp>
+        <p:nvSpPr>
+          <p:cNvPr id="23" name="Graphic 10">
+            <a:extLst>
+              <a:ext uri="{FF2B5EF4-FFF2-40B4-BE49-F238E27FC236}">
+                <a16:creationId xmlns:a16="http://schemas.microsoft.com/office/drawing/2014/main" id="{E3020543-B24B-4EC4-8FFC-8DD88EEA91A8}"/>
+              </a:ext>
+              <a:ext uri="{C183D7F6-B498-43B3-948B-1728B52AA6E4}">
+                <adec:decorative xmlns:adec="http://schemas.microsoft.com/office/drawing/2017/decorative" val="1"/>
+              </a:ext>
+            </a:extLst>
+          </p:cNvPr>
+          <p:cNvSpPr>
+            <a:spLocks noGrp="1" noRot="1" noChangeAspect="1" noMove="1" noResize="1" noEditPoints="1" noAdjustHandles="1" noChangeArrowheads="1" noChangeShapeType="1" noTextEdit="1"/>
+          </p:cNvSpPr>
+          <p:nvPr>
+            <p:extLst>
+              <p:ext uri="{386F3935-93C4-4BCD-93E2-E3B085C9AB24}">
+                <p16:designElem xmlns:p16="http://schemas.microsoft.com/office/powerpoint/2015/main" val="1"/>
+              </p:ext>
+            </p:extLst>
+          </p:nvPr>
+        </p:nvSpPr>
+        <p:spPr>
+          <a:xfrm>
+            <a:off x="5436547" y="5751820"/>
+            <a:ext cx="112426" cy="112426"/>
+          </a:xfrm>
+          <a:custGeom>
+            <a:avLst/>
+            <a:gdLst>
+              <a:gd name="connsiteX0" fmla="*/ 112426 w 112426"/>
+              <a:gd name="connsiteY0" fmla="*/ 56213 h 112426"/>
+              <a:gd name="connsiteX1" fmla="*/ 56213 w 112426"/>
+              <a:gd name="connsiteY1" fmla="*/ 112426 h 112426"/>
+              <a:gd name="connsiteX2" fmla="*/ 0 w 112426"/>
+              <a:gd name="connsiteY2" fmla="*/ 56213 h 112426"/>
+              <a:gd name="connsiteX3" fmla="*/ 56213 w 112426"/>
+              <a:gd name="connsiteY3" fmla="*/ 0 h 112426"/>
+              <a:gd name="connsiteX4" fmla="*/ 112426 w 112426"/>
+              <a:gd name="connsiteY4" fmla="*/ 56213 h 112426"/>
+            </a:gdLst>
+            <a:ahLst/>
+            <a:cxnLst>
+              <a:cxn ang="0">
+                <a:pos x="connsiteX0" y="connsiteY0"/>
+              </a:cxn>
+              <a:cxn ang="0">
+                <a:pos x="connsiteX1" y="connsiteY1"/>
+              </a:cxn>
+              <a:cxn ang="0">
+                <a:pos x="connsiteX2" y="connsiteY2"/>
+              </a:cxn>
+              <a:cxn ang="0">
+                <a:pos x="connsiteX3" y="connsiteY3"/>
+              </a:cxn>
+              <a:cxn ang="0">
+                <a:pos x="connsiteX4" y="connsiteY4"/>
+              </a:cxn>
+            </a:cxnLst>
+            <a:rect l="l" t="t" r="r" b="b"/>
+            <a:pathLst>
+              <a:path w="112426" h="112426">
+                <a:moveTo>
+                  <a:pt x="112426" y="56213"/>
+                </a:moveTo>
+                <a:cubicBezTo>
+                  <a:pt x="112426" y="87259"/>
+                  <a:pt x="87259" y="112426"/>
+                  <a:pt x="56213" y="112426"/>
+                </a:cubicBezTo>
+                <a:cubicBezTo>
+                  <a:pt x="25167" y="112426"/>
+                  <a:pt x="0" y="87259"/>
+                  <a:pt x="0" y="56213"/>
+                </a:cubicBezTo>
+                <a:cubicBezTo>
+                  <a:pt x="0" y="25167"/>
+                  <a:pt x="25167" y="0"/>
+                  <a:pt x="56213" y="0"/>
+                </a:cubicBezTo>
+                <a:cubicBezTo>
+                  <a:pt x="87259" y="0"/>
+                  <a:pt x="112426" y="25167"/>
+                  <a:pt x="112426" y="56213"/>
+                </a:cubicBezTo>
+                <a:close/>
+              </a:path>
+            </a:pathLst>
+          </a:custGeom>
+          <a:solidFill>
+            <a:schemeClr val="accent2"/>
+          </a:solidFill>
+          <a:ln w="516" cap="flat">
+            <a:noFill/>
+            <a:prstDash val="solid"/>
+            <a:miter/>
+          </a:ln>
+        </p:spPr>
+        <p:txBody>
+          <a:bodyPr rtlCol="0" anchor="ctr"/>
+          <a:lstStyle/>
+          <a:p>
+            <a:endParaRPr lang="en-US"/>
+          </a:p>
+        </p:txBody>
+      </p:sp>
+      <p:cxnSp>
+        <p:nvCxnSpPr>
+          <p:cNvPr id="25" name="Straight Connector 24">
+            <a:extLst>
+              <a:ext uri="{FF2B5EF4-FFF2-40B4-BE49-F238E27FC236}">
+                <a16:creationId xmlns:a16="http://schemas.microsoft.com/office/drawing/2014/main" id="{C49DA8F6-BCC1-4447-B54C-57856834B94B}"/>
+              </a:ext>
+              <a:ext uri="{C183D7F6-B498-43B3-948B-1728B52AA6E4}">
+                <adec:decorative xmlns:adec="http://schemas.microsoft.com/office/drawing/2017/decorative" val="1"/>
+              </a:ext>
+            </a:extLst>
+          </p:cNvPr>
+          <p:cNvCxnSpPr>
+            <a:cxnSpLocks noGrp="1" noRot="1" noChangeAspect="1" noMove="1" noResize="1" noEditPoints="1" noAdjustHandles="1" noChangeArrowheads="1" noChangeShapeType="1"/>
+          </p:cNvCxnSpPr>
+          <p:nvPr>
+            <p:extLst>
+              <p:ext uri="{386F3935-93C4-4BCD-93E2-E3B085C9AB24}">
+                <p16:designElem xmlns:p16="http://schemas.microsoft.com/office/powerpoint/2015/main" val="1"/>
+              </p:ext>
+            </p:extLst>
+          </p:nvPr>
+        </p:nvCxnSpPr>
+        <p:spPr>
+          <a:xfrm>
+            <a:off x="11586162" y="3610394"/>
+            <a:ext cx="0" cy="3238728"/>
+          </a:xfrm>
+          <a:prstGeom prst="line">
+            <a:avLst/>
+          </a:prstGeom>
+          <a:ln w="25400" cap="sq">
+            <a:gradFill flip="none" rotWithShape="1">
+              <a:gsLst>
+                <a:gs pos="0">
+                  <a:schemeClr val="accent1"/>
+                </a:gs>
+                <a:gs pos="100000">
+                  <a:schemeClr val="accent2"/>
+                </a:gs>
+              </a:gsLst>
+              <a:lin ang="5400000" scaled="0"/>
+              <a:tileRect/>
+            </a:gradFill>
+            <a:bevel/>
+          </a:ln>
+        </p:spPr>
+        <p:style>
+          <a:lnRef idx="1">
+            <a:schemeClr val="accent1"/>
+          </a:lnRef>
+          <a:fillRef idx="0">
+            <a:schemeClr val="accent1"/>
+          </a:fillRef>
+          <a:effectRef idx="0">
+            <a:schemeClr val="accent1"/>
+          </a:effectRef>
+          <a:fontRef idx="minor">
+            <a:schemeClr val="tx1"/>
+          </a:fontRef>
+        </p:style>
+      </p:cxnSp>
+    </p:spTree>
+    <p:extLst>
+      <p:ext uri="{BB962C8B-B14F-4D97-AF65-F5344CB8AC3E}">
+        <p14:creationId xmlns:p14="http://schemas.microsoft.com/office/powerpoint/2010/main" val="3707290017"/>
+      </p:ext>
+    </p:extLst>
+  </p:cSld>
+  <p:clrMapOvr>
+    <a:masterClrMapping/>
+  </p:clrMapOvr>
+</p:sld>
+</file>
+
+<file path=ppt/slides/slide5.xml><?xml version="1.0" encoding="utf-8"?>
+<p:sld xmlns:a="http://schemas.openxmlformats.org/drawingml/2006/main" xmlns:r="http://schemas.openxmlformats.org/officeDocument/2006/relationships" xmlns:p="http://schemas.openxmlformats.org/presentationml/2006/main">
+  <p:cSld>
+    <p:bg>
+      <p:bgPr>
+        <a:solidFill>
+          <a:schemeClr val="bg1"/>
+        </a:solidFill>
+        <a:effectLst/>
+      </p:bgPr>
+    </p:bg>
+    <p:spTree>
+      <p:nvGrpSpPr>
+        <p:cNvPr id="1" name=""/>
+        <p:cNvGrpSpPr/>
+        <p:nvPr/>
+      </p:nvGrpSpPr>
+      <p:grpSpPr>
+        <a:xfrm>
+          <a:off x="0" y="0"/>
+          <a:ext cx="0" cy="0"/>
+          <a:chOff x="0" y="0"/>
+          <a:chExt cx="0" cy="0"/>
+        </a:xfrm>
+      </p:grpSpPr>
+      <p:sp>
+        <p:nvSpPr>
+          <p:cNvPr id="14" name="Rectangle 13">
+            <a:extLst>
+              <a:ext uri="{FF2B5EF4-FFF2-40B4-BE49-F238E27FC236}">
+                <a16:creationId xmlns:a16="http://schemas.microsoft.com/office/drawing/2014/main" id="{8F9CBE3F-79A8-4F8F-88D9-DAD03D0D281F}"/>
+              </a:ext>
+              <a:ext uri="{C183D7F6-B498-43B3-948B-1728B52AA6E4}">
+                <adec:decorative xmlns:adec="http://schemas.microsoft.com/office/drawing/2017/decorative" val="1"/>
+              </a:ext>
+            </a:extLst>
+          </p:cNvPr>
+          <p:cNvSpPr>
+            <a:spLocks noGrp="1" noRot="1" noChangeAspect="1" noMove="1" noResize="1" noEditPoints="1" noAdjustHandles="1" noChangeArrowheads="1" noChangeShapeType="1" noTextEdit="1"/>
+          </p:cNvSpPr>
+          <p:nvPr>
+            <p:extLst>
+              <p:ext uri="{386F3935-93C4-4BCD-93E2-E3B085C9AB24}">
+                <p16:designElem xmlns:p16="http://schemas.microsoft.com/office/powerpoint/2015/main" val="1"/>
+              </p:ext>
+            </p:extLst>
+          </p:nvPr>
+        </p:nvSpPr>
+        <p:spPr>
+          <a:xfrm>
+            <a:off x="0" y="0"/>
+            <a:ext cx="12192000" cy="6858000"/>
+          </a:xfrm>
+          <a:prstGeom prst="rect">
+            <a:avLst/>
+          </a:prstGeom>
+          <a:gradFill flip="none" rotWithShape="1">
+            <a:gsLst>
+              <a:gs pos="0">
+                <a:schemeClr val="accent1"/>
+              </a:gs>
+              <a:gs pos="100000">
+                <a:schemeClr val="accent2"/>
+              </a:gs>
+            </a:gsLst>
+            <a:lin ang="2700000" scaled="1"/>
+            <a:tileRect/>
+          </a:gradFill>
+          <a:ln>
+            <a:noFill/>
+          </a:ln>
+        </p:spPr>
+        <p:style>
+          <a:lnRef idx="2">
+            <a:schemeClr val="accent1">
+              <a:shade val="50000"/>
+            </a:schemeClr>
+          </a:lnRef>
+          <a:fillRef idx="1">
+            <a:schemeClr val="accent1"/>
+          </a:fillRef>
+          <a:effectRef idx="0">
+            <a:schemeClr val="accent1"/>
+          </a:effectRef>
+          <a:fontRef idx="minor">
+            <a:schemeClr val="lt1"/>
+          </a:fontRef>
+        </p:style>
+        <p:txBody>
+          <a:bodyPr rtlCol="0" anchor="ctr"/>
+          <a:lstStyle/>
+          <a:p>
+            <a:pPr algn="ctr"/>
+            <a:endParaRPr lang="en-US">
+              <a:solidFill>
+                <a:srgbClr val="FFFFFF"/>
+              </a:solidFill>
+            </a:endParaRPr>
+          </a:p>
+        </p:txBody>
+      </p:sp>
+      <p:sp>
+        <p:nvSpPr>
+          <p:cNvPr id="2" name="タイトル 1">
+            <a:extLst>
+              <a:ext uri="{FF2B5EF4-FFF2-40B4-BE49-F238E27FC236}">
+                <a16:creationId xmlns:a16="http://schemas.microsoft.com/office/drawing/2014/main" id="{80F0C931-643B-FCA7-AC1C-E056F2EE0B2B}"/>
+              </a:ext>
+            </a:extLst>
+          </p:cNvPr>
+          <p:cNvSpPr>
+            <a:spLocks noGrp="1"/>
+          </p:cNvSpPr>
+          <p:nvPr>
+            <p:ph type="title"/>
+          </p:nvPr>
+        </p:nvSpPr>
+        <p:spPr>
+          <a:xfrm>
+            <a:off x="1522030" y="1209220"/>
+            <a:ext cx="9147940" cy="2337238"/>
+          </a:xfrm>
+        </p:spPr>
+        <p:txBody>
+          <a:bodyPr vert="horz" lIns="91440" tIns="45720" rIns="91440" bIns="45720" rtlCol="0" anchor="b">
+            <a:normAutofit/>
+          </a:bodyPr>
+          <a:lstStyle/>
+          <a:p>
+            <a:pPr algn="ctr"/>
+            <a:r>
+              <a:rPr kumimoji="1" lang="ja-JP" altLang="en-US" sz="5600" kern="1200">
+                <a:solidFill>
+                  <a:srgbClr val="FFFFFF"/>
+                </a:solidFill>
+                <a:latin typeface="+mj-lt"/>
+                <a:ea typeface="+mj-ea"/>
+                <a:cs typeface="+mj-cs"/>
+              </a:rPr>
+              <a:t>実機説明</a:t>
+            </a:r>
+          </a:p>
+        </p:txBody>
+      </p:sp>
+      <p:sp>
+        <p:nvSpPr>
+          <p:cNvPr id="16" name="Graphic 22">
+            <a:extLst>
+              <a:ext uri="{FF2B5EF4-FFF2-40B4-BE49-F238E27FC236}">
+                <a16:creationId xmlns:a16="http://schemas.microsoft.com/office/drawing/2014/main" id="{508BEF50-7B1E-49A4-BC19-5F4F1D755E64}"/>
+              </a:ext>
+              <a:ext uri="{C183D7F6-B498-43B3-948B-1728B52AA6E4}">
+                <adec:decorative xmlns:adec="http://schemas.microsoft.com/office/drawing/2017/decorative" val="1"/>
+              </a:ext>
+            </a:extLst>
+          </p:cNvPr>
+          <p:cNvSpPr>
+            <a:spLocks noGrp="1" noRot="1" noChangeAspect="1" noMove="1" noResize="1" noEditPoints="1" noAdjustHandles="1" noChangeArrowheads="1" noChangeShapeType="1" noTextEdit="1"/>
+          </p:cNvSpPr>
+          <p:nvPr>
+            <p:extLst>
+              <p:ext uri="{386F3935-93C4-4BCD-93E2-E3B085C9AB24}">
+                <p16:designElem xmlns:p16="http://schemas.microsoft.com/office/powerpoint/2015/main" val="1"/>
+              </p:ext>
+            </p:extLst>
+          </p:nvPr>
+        </p:nvSpPr>
+        <p:spPr>
+          <a:xfrm>
+            <a:off x="1261869" y="2383077"/>
+            <a:ext cx="151536" cy="151536"/>
+          </a:xfrm>
+          <a:custGeom>
+            <a:avLst/>
+            <a:gdLst>
+              <a:gd name="connsiteX0" fmla="*/ 141251 w 151536"/>
+              <a:gd name="connsiteY0" fmla="*/ 65483 h 151536"/>
+              <a:gd name="connsiteX1" fmla="*/ 86053 w 151536"/>
+              <a:gd name="connsiteY1" fmla="*/ 65483 h 151536"/>
+              <a:gd name="connsiteX2" fmla="*/ 86053 w 151536"/>
+              <a:gd name="connsiteY2" fmla="*/ 10285 h 151536"/>
+              <a:gd name="connsiteX3" fmla="*/ 75768 w 151536"/>
+              <a:gd name="connsiteY3" fmla="*/ 0 h 151536"/>
+              <a:gd name="connsiteX4" fmla="*/ 65483 w 151536"/>
+              <a:gd name="connsiteY4" fmla="*/ 10285 h 151536"/>
+              <a:gd name="connsiteX5" fmla="*/ 65483 w 151536"/>
+              <a:gd name="connsiteY5" fmla="*/ 65483 h 151536"/>
+              <a:gd name="connsiteX6" fmla="*/ 10285 w 151536"/>
+              <a:gd name="connsiteY6" fmla="*/ 65483 h 151536"/>
+              <a:gd name="connsiteX7" fmla="*/ 0 w 151536"/>
+              <a:gd name="connsiteY7" fmla="*/ 75768 h 151536"/>
+              <a:gd name="connsiteX8" fmla="*/ 10285 w 151536"/>
+              <a:gd name="connsiteY8" fmla="*/ 86053 h 151536"/>
+              <a:gd name="connsiteX9" fmla="*/ 65483 w 151536"/>
+              <a:gd name="connsiteY9" fmla="*/ 86053 h 151536"/>
+              <a:gd name="connsiteX10" fmla="*/ 65483 w 151536"/>
+              <a:gd name="connsiteY10" fmla="*/ 141251 h 151536"/>
+              <a:gd name="connsiteX11" fmla="*/ 75768 w 151536"/>
+              <a:gd name="connsiteY11" fmla="*/ 151536 h 151536"/>
+              <a:gd name="connsiteX12" fmla="*/ 86053 w 151536"/>
+              <a:gd name="connsiteY12" fmla="*/ 141251 h 151536"/>
+              <a:gd name="connsiteX13" fmla="*/ 86053 w 151536"/>
+              <a:gd name="connsiteY13" fmla="*/ 86053 h 151536"/>
+              <a:gd name="connsiteX14" fmla="*/ 141251 w 151536"/>
+              <a:gd name="connsiteY14" fmla="*/ 86053 h 151536"/>
+              <a:gd name="connsiteX15" fmla="*/ 151536 w 151536"/>
+              <a:gd name="connsiteY15" fmla="*/ 75768 h 151536"/>
+              <a:gd name="connsiteX16" fmla="*/ 141251 w 151536"/>
+              <a:gd name="connsiteY16" fmla="*/ 65483 h 151536"/>
+            </a:gdLst>
+            <a:ahLst/>
+            <a:cxnLst>
+              <a:cxn ang="0">
+                <a:pos x="connsiteX0" y="connsiteY0"/>
+              </a:cxn>
+              <a:cxn ang="0">
+                <a:pos x="connsiteX1" y="connsiteY1"/>
+              </a:cxn>
+              <a:cxn ang="0">
+                <a:pos x="connsiteX2" y="connsiteY2"/>
+              </a:cxn>
+              <a:cxn ang="0">
+                <a:pos x="connsiteX3" y="connsiteY3"/>
+              </a:cxn>
+              <a:cxn ang="0">
+                <a:pos x="connsiteX4" y="connsiteY4"/>
+              </a:cxn>
+              <a:cxn ang="0">
+                <a:pos x="connsiteX5" y="connsiteY5"/>
+              </a:cxn>
+              <a:cxn ang="0">
+                <a:pos x="connsiteX6" y="connsiteY6"/>
+              </a:cxn>
+              <a:cxn ang="0">
+                <a:pos x="connsiteX7" y="connsiteY7"/>
+              </a:cxn>
+              <a:cxn ang="0">
+                <a:pos x="connsiteX8" y="connsiteY8"/>
+              </a:cxn>
+              <a:cxn ang="0">
+                <a:pos x="connsiteX9" y="connsiteY9"/>
+              </a:cxn>
+              <a:cxn ang="0">
+                <a:pos x="connsiteX10" y="connsiteY10"/>
+              </a:cxn>
+              <a:cxn ang="0">
+                <a:pos x="connsiteX11" y="connsiteY11"/>
+              </a:cxn>
+              <a:cxn ang="0">
+                <a:pos x="connsiteX12" y="connsiteY12"/>
+              </a:cxn>
+              <a:cxn ang="0">
+                <a:pos x="connsiteX13" y="connsiteY13"/>
+              </a:cxn>
+              <a:cxn ang="0">
+                <a:pos x="connsiteX14" y="connsiteY14"/>
+              </a:cxn>
+              <a:cxn ang="0">
+                <a:pos x="connsiteX15" y="connsiteY15"/>
+              </a:cxn>
+              <a:cxn ang="0">
+                <a:pos x="connsiteX16" y="connsiteY16"/>
+              </a:cxn>
+            </a:cxnLst>
+            <a:rect l="l" t="t" r="r" b="b"/>
+            <a:pathLst>
+              <a:path w="151536" h="151536">
+                <a:moveTo>
+                  <a:pt x="141251" y="65483"/>
+                </a:moveTo>
+                <a:lnTo>
+                  <a:pt x="86053" y="65483"/>
+                </a:lnTo>
+                <a:lnTo>
+                  <a:pt x="86053" y="10285"/>
+                </a:lnTo>
+                <a:cubicBezTo>
+                  <a:pt x="86053" y="4605"/>
+                  <a:pt x="81448" y="0"/>
+                  <a:pt x="75768" y="0"/>
+                </a:cubicBezTo>
+                <a:cubicBezTo>
+                  <a:pt x="70088" y="0"/>
+                  <a:pt x="65483" y="4605"/>
+                  <a:pt x="65483" y="10285"/>
+                </a:cubicBezTo>
+                <a:lnTo>
+                  <a:pt x="65483" y="65483"/>
+                </a:lnTo>
+                <a:lnTo>
+                  <a:pt x="10285" y="65483"/>
+                </a:lnTo>
+                <a:cubicBezTo>
+                  <a:pt x="4605" y="65483"/>
+                  <a:pt x="0" y="70088"/>
+                  <a:pt x="0" y="75768"/>
+                </a:cubicBezTo>
+                <a:cubicBezTo>
+                  <a:pt x="0" y="81448"/>
+                  <a:pt x="4605" y="86053"/>
+                  <a:pt x="10285" y="86053"/>
+                </a:cubicBezTo>
+                <a:lnTo>
+                  <a:pt x="65483" y="86053"/>
+                </a:lnTo>
+                <a:lnTo>
+                  <a:pt x="65483" y="141251"/>
+                </a:lnTo>
+                <a:cubicBezTo>
+                  <a:pt x="65483" y="146931"/>
+                  <a:pt x="70088" y="151536"/>
+                  <a:pt x="75768" y="151536"/>
+                </a:cubicBezTo>
+                <a:cubicBezTo>
+                  <a:pt x="81448" y="151536"/>
+                  <a:pt x="86053" y="146931"/>
+                  <a:pt x="86053" y="141251"/>
+                </a:cubicBezTo>
+                <a:lnTo>
+                  <a:pt x="86053" y="86053"/>
+                </a:lnTo>
+                <a:lnTo>
+                  <a:pt x="141251" y="86053"/>
+                </a:lnTo>
+                <a:cubicBezTo>
+                  <a:pt x="146931" y="86053"/>
+                  <a:pt x="151536" y="81448"/>
+                  <a:pt x="151536" y="75768"/>
+                </a:cubicBezTo>
+                <a:cubicBezTo>
+                  <a:pt x="151536" y="70088"/>
+                  <a:pt x="146931" y="65483"/>
+                  <a:pt x="141251" y="65483"/>
+                </a:cubicBezTo>
+                <a:close/>
+              </a:path>
+            </a:pathLst>
+          </a:custGeom>
+          <a:solidFill>
+            <a:srgbClr val="FFFFFF"/>
+          </a:solidFill>
+          <a:ln w="646" cap="flat">
+            <a:noFill/>
+            <a:prstDash val="solid"/>
+            <a:miter/>
+          </a:ln>
+        </p:spPr>
+        <p:txBody>
+          <a:bodyPr rtlCol="0" anchor="ctr"/>
+          <a:lstStyle/>
+          <a:p>
+            <a:endParaRPr lang="en-US">
+              <a:solidFill>
+                <a:srgbClr val="FFFFFF"/>
+              </a:solidFill>
+            </a:endParaRPr>
+          </a:p>
+        </p:txBody>
+      </p:sp>
+      <p:sp>
+        <p:nvSpPr>
+          <p:cNvPr id="18" name="Graphic 13">
+            <a:extLst>
+              <a:ext uri="{FF2B5EF4-FFF2-40B4-BE49-F238E27FC236}">
+                <a16:creationId xmlns:a16="http://schemas.microsoft.com/office/drawing/2014/main" id="{C5CB530E-515E-412C-9DF1-5F8FFBD6F383}"/>
+              </a:ext>
+              <a:ext uri="{C183D7F6-B498-43B3-948B-1728B52AA6E4}">
+                <adec:decorative xmlns:adec="http://schemas.microsoft.com/office/drawing/2017/decorative" val="1"/>
+              </a:ext>
+            </a:extLst>
+          </p:cNvPr>
+          <p:cNvSpPr>
+            <a:spLocks noGrp="1" noRot="1" noChangeAspect="1" noMove="1" noResize="1" noEditPoints="1" noAdjustHandles="1" noChangeArrowheads="1" noChangeShapeType="1" noTextEdit="1"/>
+          </p:cNvSpPr>
+          <p:nvPr>
+            <p:extLst>
+              <p:ext uri="{386F3935-93C4-4BCD-93E2-E3B085C9AB24}">
+                <p16:designElem xmlns:p16="http://schemas.microsoft.com/office/powerpoint/2015/main" val="1"/>
+              </p:ext>
+            </p:extLst>
+          </p:nvPr>
+        </p:nvSpPr>
+        <p:spPr>
+          <a:xfrm>
+            <a:off x="10724364" y="2265467"/>
+            <a:ext cx="139039" cy="139039"/>
+          </a:xfrm>
+          <a:custGeom>
+            <a:avLst/>
+            <a:gdLst>
+              <a:gd name="connsiteX0" fmla="*/ 129602 w 139039"/>
+              <a:gd name="connsiteY0" fmla="*/ 60082 h 139039"/>
+              <a:gd name="connsiteX1" fmla="*/ 78957 w 139039"/>
+              <a:gd name="connsiteY1" fmla="*/ 60082 h 139039"/>
+              <a:gd name="connsiteX2" fmla="*/ 78957 w 139039"/>
+              <a:gd name="connsiteY2" fmla="*/ 9437 h 139039"/>
+              <a:gd name="connsiteX3" fmla="*/ 69520 w 139039"/>
+              <a:gd name="connsiteY3" fmla="*/ 0 h 139039"/>
+              <a:gd name="connsiteX4" fmla="*/ 60082 w 139039"/>
+              <a:gd name="connsiteY4" fmla="*/ 9437 h 139039"/>
+              <a:gd name="connsiteX5" fmla="*/ 60082 w 139039"/>
+              <a:gd name="connsiteY5" fmla="*/ 60082 h 139039"/>
+              <a:gd name="connsiteX6" fmla="*/ 9437 w 139039"/>
+              <a:gd name="connsiteY6" fmla="*/ 60082 h 139039"/>
+              <a:gd name="connsiteX7" fmla="*/ 0 w 139039"/>
+              <a:gd name="connsiteY7" fmla="*/ 69520 h 139039"/>
+              <a:gd name="connsiteX8" fmla="*/ 9437 w 139039"/>
+              <a:gd name="connsiteY8" fmla="*/ 78957 h 139039"/>
+              <a:gd name="connsiteX9" fmla="*/ 60082 w 139039"/>
+              <a:gd name="connsiteY9" fmla="*/ 78957 h 139039"/>
+              <a:gd name="connsiteX10" fmla="*/ 60082 w 139039"/>
+              <a:gd name="connsiteY10" fmla="*/ 129602 h 139039"/>
+              <a:gd name="connsiteX11" fmla="*/ 69520 w 139039"/>
+              <a:gd name="connsiteY11" fmla="*/ 139039 h 139039"/>
+              <a:gd name="connsiteX12" fmla="*/ 78957 w 139039"/>
+              <a:gd name="connsiteY12" fmla="*/ 129602 h 139039"/>
+              <a:gd name="connsiteX13" fmla="*/ 78957 w 139039"/>
+              <a:gd name="connsiteY13" fmla="*/ 78957 h 139039"/>
+              <a:gd name="connsiteX14" fmla="*/ 129602 w 139039"/>
+              <a:gd name="connsiteY14" fmla="*/ 78957 h 139039"/>
+              <a:gd name="connsiteX15" fmla="*/ 139039 w 139039"/>
+              <a:gd name="connsiteY15" fmla="*/ 69520 h 139039"/>
+              <a:gd name="connsiteX16" fmla="*/ 129602 w 139039"/>
+              <a:gd name="connsiteY16" fmla="*/ 60082 h 139039"/>
+            </a:gdLst>
+            <a:ahLst/>
+            <a:cxnLst>
+              <a:cxn ang="0">
+                <a:pos x="connsiteX0" y="connsiteY0"/>
+              </a:cxn>
+              <a:cxn ang="0">
+                <a:pos x="connsiteX1" y="connsiteY1"/>
+              </a:cxn>
+              <a:cxn ang="0">
+                <a:pos x="connsiteX2" y="connsiteY2"/>
+              </a:cxn>
+              <a:cxn ang="0">
+                <a:pos x="connsiteX3" y="connsiteY3"/>
+              </a:cxn>
+              <a:cxn ang="0">
+                <a:pos x="connsiteX4" y="connsiteY4"/>
+              </a:cxn>
+              <a:cxn ang="0">
+                <a:pos x="connsiteX5" y="connsiteY5"/>
+              </a:cxn>
+              <a:cxn ang="0">
+                <a:pos x="connsiteX6" y="connsiteY6"/>
+              </a:cxn>
+              <a:cxn ang="0">
+                <a:pos x="connsiteX7" y="connsiteY7"/>
+              </a:cxn>
+              <a:cxn ang="0">
+                <a:pos x="connsiteX8" y="connsiteY8"/>
+              </a:cxn>
+              <a:cxn ang="0">
+                <a:pos x="connsiteX9" y="connsiteY9"/>
+              </a:cxn>
+              <a:cxn ang="0">
+                <a:pos x="connsiteX10" y="connsiteY10"/>
+              </a:cxn>
+              <a:cxn ang="0">
+                <a:pos x="connsiteX11" y="connsiteY11"/>
+              </a:cxn>
+              <a:cxn ang="0">
+                <a:pos x="connsiteX12" y="connsiteY12"/>
+              </a:cxn>
+              <a:cxn ang="0">
+                <a:pos x="connsiteX13" y="connsiteY13"/>
+              </a:cxn>
+              <a:cxn ang="0">
+                <a:pos x="connsiteX14" y="connsiteY14"/>
+              </a:cxn>
+              <a:cxn ang="0">
+                <a:pos x="connsiteX15" y="connsiteY15"/>
+              </a:cxn>
+              <a:cxn ang="0">
+                <a:pos x="connsiteX16" y="connsiteY16"/>
+              </a:cxn>
+            </a:cxnLst>
+            <a:rect l="l" t="t" r="r" b="b"/>
+            <a:pathLst>
+              <a:path w="139039" h="139039">
+                <a:moveTo>
+                  <a:pt x="129602" y="60082"/>
+                </a:moveTo>
+                <a:lnTo>
+                  <a:pt x="78957" y="60082"/>
+                </a:lnTo>
+                <a:lnTo>
+                  <a:pt x="78957" y="9437"/>
+                </a:lnTo>
+                <a:cubicBezTo>
+                  <a:pt x="78957" y="4225"/>
+                  <a:pt x="74731" y="0"/>
+                  <a:pt x="69520" y="0"/>
+                </a:cubicBezTo>
+                <a:cubicBezTo>
+                  <a:pt x="64308" y="0"/>
+                  <a:pt x="60082" y="4225"/>
+                  <a:pt x="60082" y="9437"/>
+                </a:cubicBezTo>
+                <a:lnTo>
+                  <a:pt x="60082" y="60082"/>
+                </a:lnTo>
+                <a:lnTo>
+                  <a:pt x="9437" y="60082"/>
+                </a:lnTo>
+                <a:cubicBezTo>
+                  <a:pt x="4225" y="60082"/>
+                  <a:pt x="0" y="64308"/>
+                  <a:pt x="0" y="69520"/>
+                </a:cubicBezTo>
+                <a:cubicBezTo>
+                  <a:pt x="0" y="74731"/>
+                  <a:pt x="4225" y="78957"/>
+                  <a:pt x="9437" y="78957"/>
+                </a:cubicBezTo>
+                <a:lnTo>
+                  <a:pt x="60082" y="78957"/>
+                </a:lnTo>
+                <a:lnTo>
+                  <a:pt x="60082" y="129602"/>
+                </a:lnTo>
+                <a:cubicBezTo>
+                  <a:pt x="60082" y="134814"/>
+                  <a:pt x="64308" y="139039"/>
+                  <a:pt x="69520" y="139039"/>
+                </a:cubicBezTo>
+                <a:cubicBezTo>
+                  <a:pt x="74731" y="139039"/>
+                  <a:pt x="78957" y="134814"/>
+                  <a:pt x="78957" y="129602"/>
+                </a:cubicBezTo>
+                <a:lnTo>
+                  <a:pt x="78957" y="78957"/>
+                </a:lnTo>
+                <a:lnTo>
+                  <a:pt x="129602" y="78957"/>
+                </a:lnTo>
+                <a:cubicBezTo>
+                  <a:pt x="134814" y="78957"/>
+                  <a:pt x="139039" y="74731"/>
+                  <a:pt x="139039" y="69520"/>
+                </a:cubicBezTo>
+                <a:cubicBezTo>
+                  <a:pt x="139039" y="64308"/>
+                  <a:pt x="134814" y="60082"/>
+                  <a:pt x="129602" y="60082"/>
+                </a:cubicBezTo>
+                <a:close/>
+              </a:path>
+            </a:pathLst>
+          </a:custGeom>
+          <a:solidFill>
+            <a:srgbClr val="FFFFFF"/>
+          </a:solidFill>
+          <a:ln w="603" cap="flat">
+            <a:noFill/>
+            <a:prstDash val="solid"/>
+            <a:miter/>
+          </a:ln>
+        </p:spPr>
+        <p:txBody>
+          <a:bodyPr rtlCol="0" anchor="ctr"/>
+          <a:lstStyle/>
+          <a:p>
+            <a:endParaRPr lang="en-US">
+              <a:solidFill>
+                <a:srgbClr val="FFFFFF"/>
+              </a:solidFill>
+            </a:endParaRPr>
+          </a:p>
+        </p:txBody>
+      </p:sp>
+      <p:sp>
+        <p:nvSpPr>
+          <p:cNvPr id="20" name="Graphic 15">
+            <a:extLst>
+              <a:ext uri="{FF2B5EF4-FFF2-40B4-BE49-F238E27FC236}">
+                <a16:creationId xmlns:a16="http://schemas.microsoft.com/office/drawing/2014/main" id="{AEA7509D-F04F-40CB-A0B3-EEF16499CC9F}"/>
+              </a:ext>
+              <a:ext uri="{C183D7F6-B498-43B3-948B-1728B52AA6E4}">
+                <adec:decorative xmlns:adec="http://schemas.microsoft.com/office/drawing/2017/decorative" val="1"/>
+              </a:ext>
+            </a:extLst>
+          </p:cNvPr>
+          <p:cNvSpPr>
+            <a:spLocks noGrp="1" noRot="1" noChangeAspect="1" noMove="1" noResize="1" noEditPoints="1" noAdjustHandles="1" noChangeArrowheads="1" noChangeShapeType="1" noTextEdit="1"/>
+          </p:cNvSpPr>
+          <p:nvPr>
+            <p:extLst>
+              <p:ext uri="{386F3935-93C4-4BCD-93E2-E3B085C9AB24}">
+                <p16:designElem xmlns:p16="http://schemas.microsoft.com/office/powerpoint/2015/main" val="1"/>
+              </p:ext>
+            </p:extLst>
+          </p:nvPr>
+        </p:nvSpPr>
+        <p:spPr>
+          <a:xfrm>
+            <a:off x="11024834" y="2537201"/>
+            <a:ext cx="127714" cy="127714"/>
+          </a:xfrm>
+          <a:custGeom>
+            <a:avLst/>
+            <a:gdLst>
+              <a:gd name="connsiteX0" fmla="*/ 63857 w 127714"/>
+              <a:gd name="connsiteY0" fmla="*/ 18874 h 127714"/>
+              <a:gd name="connsiteX1" fmla="*/ 108840 w 127714"/>
+              <a:gd name="connsiteY1" fmla="*/ 63857 h 127714"/>
+              <a:gd name="connsiteX2" fmla="*/ 63857 w 127714"/>
+              <a:gd name="connsiteY2" fmla="*/ 108840 h 127714"/>
+              <a:gd name="connsiteX3" fmla="*/ 18874 w 127714"/>
+              <a:gd name="connsiteY3" fmla="*/ 63857 h 127714"/>
+              <a:gd name="connsiteX4" fmla="*/ 63857 w 127714"/>
+              <a:gd name="connsiteY4" fmla="*/ 18874 h 127714"/>
+              <a:gd name="connsiteX5" fmla="*/ 63857 w 127714"/>
+              <a:gd name="connsiteY5" fmla="*/ 0 h 127714"/>
+              <a:gd name="connsiteX6" fmla="*/ 0 w 127714"/>
+              <a:gd name="connsiteY6" fmla="*/ 63857 h 127714"/>
+              <a:gd name="connsiteX7" fmla="*/ 63857 w 127714"/>
+              <a:gd name="connsiteY7" fmla="*/ 127714 h 127714"/>
+              <a:gd name="connsiteX8" fmla="*/ 127714 w 127714"/>
+              <a:gd name="connsiteY8" fmla="*/ 63857 h 127714"/>
+              <a:gd name="connsiteX9" fmla="*/ 63857 w 127714"/>
+              <a:gd name="connsiteY9" fmla="*/ 0 h 127714"/>
+            </a:gdLst>
+            <a:ahLst/>
+            <a:cxnLst>
+              <a:cxn ang="0">
+                <a:pos x="connsiteX0" y="connsiteY0"/>
+              </a:cxn>
+              <a:cxn ang="0">
+                <a:pos x="connsiteX1" y="connsiteY1"/>
+              </a:cxn>
+              <a:cxn ang="0">
+                <a:pos x="connsiteX2" y="connsiteY2"/>
+              </a:cxn>
+              <a:cxn ang="0">
+                <a:pos x="connsiteX3" y="connsiteY3"/>
+              </a:cxn>
+              <a:cxn ang="0">
+                <a:pos x="connsiteX4" y="connsiteY4"/>
+              </a:cxn>
+              <a:cxn ang="0">
+                <a:pos x="connsiteX5" y="connsiteY5"/>
+              </a:cxn>
+              <a:cxn ang="0">
+                <a:pos x="connsiteX6" y="connsiteY6"/>
+              </a:cxn>
+              <a:cxn ang="0">
+                <a:pos x="connsiteX7" y="connsiteY7"/>
+              </a:cxn>
+              <a:cxn ang="0">
+                <a:pos x="connsiteX8" y="connsiteY8"/>
+              </a:cxn>
+              <a:cxn ang="0">
+                <a:pos x="connsiteX9" y="connsiteY9"/>
+              </a:cxn>
+            </a:cxnLst>
+            <a:rect l="l" t="t" r="r" b="b"/>
+            <a:pathLst>
+              <a:path w="127714" h="127714">
+                <a:moveTo>
+                  <a:pt x="63857" y="18874"/>
+                </a:moveTo>
+                <a:cubicBezTo>
+                  <a:pt x="88700" y="18874"/>
+                  <a:pt x="108840" y="39014"/>
+                  <a:pt x="108840" y="63857"/>
+                </a:cubicBezTo>
+                <a:cubicBezTo>
+                  <a:pt x="108840" y="88700"/>
+                  <a:pt x="88700" y="108840"/>
+                  <a:pt x="63857" y="108840"/>
+                </a:cubicBezTo>
+                <a:cubicBezTo>
+                  <a:pt x="39014" y="108840"/>
+                  <a:pt x="18874" y="88700"/>
+                  <a:pt x="18874" y="63857"/>
+                </a:cubicBezTo>
+                <a:cubicBezTo>
+                  <a:pt x="18898" y="39024"/>
+                  <a:pt x="39024" y="18898"/>
+                  <a:pt x="63857" y="18874"/>
+                </a:cubicBezTo>
+                <a:moveTo>
+                  <a:pt x="63857" y="0"/>
+                </a:moveTo>
+                <a:cubicBezTo>
+                  <a:pt x="28590" y="0"/>
+                  <a:pt x="0" y="28590"/>
+                  <a:pt x="0" y="63857"/>
+                </a:cubicBezTo>
+                <a:cubicBezTo>
+                  <a:pt x="0" y="99124"/>
+                  <a:pt x="28590" y="127714"/>
+                  <a:pt x="63857" y="127714"/>
+                </a:cubicBezTo>
+                <a:cubicBezTo>
+                  <a:pt x="99124" y="127714"/>
+                  <a:pt x="127714" y="99124"/>
+                  <a:pt x="127714" y="63857"/>
+                </a:cubicBezTo>
+                <a:cubicBezTo>
+                  <a:pt x="127714" y="28590"/>
+                  <a:pt x="99124" y="0"/>
+                  <a:pt x="63857" y="0"/>
+                </a:cubicBezTo>
+                <a:close/>
+              </a:path>
+            </a:pathLst>
+          </a:custGeom>
+          <a:solidFill>
+            <a:srgbClr val="FFFFFF"/>
+          </a:solidFill>
+          <a:ln w="610" cap="flat">
+            <a:noFill/>
+            <a:prstDash val="solid"/>
+            <a:miter/>
+          </a:ln>
+        </p:spPr>
+        <p:txBody>
+          <a:bodyPr rtlCol="0" anchor="ctr"/>
+          <a:lstStyle/>
+          <a:p>
+            <a:endParaRPr lang="en-US">
+              <a:solidFill>
+                <a:srgbClr val="FFFFFF"/>
+              </a:solidFill>
+            </a:endParaRPr>
+          </a:p>
+        </p:txBody>
+      </p:sp>
+      <p:sp>
+        <p:nvSpPr>
+          <p:cNvPr id="22" name="Graphic 21">
+            <a:extLst>
+              <a:ext uri="{FF2B5EF4-FFF2-40B4-BE49-F238E27FC236}">
+                <a16:creationId xmlns:a16="http://schemas.microsoft.com/office/drawing/2014/main" id="{C39ADB8F-D187-49D7-BDCF-C1B6DC727068}"/>
+              </a:ext>
+              <a:ext uri="{C183D7F6-B498-43B3-948B-1728B52AA6E4}">
+                <adec:decorative xmlns:adec="http://schemas.microsoft.com/office/drawing/2017/decorative" val="1"/>
+              </a:ext>
+            </a:extLst>
+          </p:cNvPr>
+          <p:cNvSpPr>
+            <a:spLocks noGrp="1" noRot="1" noChangeAspect="1" noMove="1" noResize="1" noEditPoints="1" noAdjustHandles="1" noChangeArrowheads="1" noChangeShapeType="1" noTextEdit="1"/>
+          </p:cNvSpPr>
+          <p:nvPr>
+            <p:extLst>
+              <p:ext uri="{386F3935-93C4-4BCD-93E2-E3B085C9AB24}">
+                <p16:designElem xmlns:p16="http://schemas.microsoft.com/office/powerpoint/2015/main" val="1"/>
+              </p:ext>
+            </p:extLst>
+          </p:nvPr>
+        </p:nvSpPr>
+        <p:spPr>
+          <a:xfrm>
+            <a:off x="1064053" y="2832967"/>
+            <a:ext cx="95759" cy="95759"/>
+          </a:xfrm>
+          <a:custGeom>
+            <a:avLst/>
+            <a:gdLst>
+              <a:gd name="connsiteX0" fmla="*/ 95759 w 95759"/>
+              <a:gd name="connsiteY0" fmla="*/ 47880 h 95759"/>
+              <a:gd name="connsiteX1" fmla="*/ 47880 w 95759"/>
+              <a:gd name="connsiteY1" fmla="*/ 95759 h 95759"/>
+              <a:gd name="connsiteX2" fmla="*/ 0 w 95759"/>
+              <a:gd name="connsiteY2" fmla="*/ 47880 h 95759"/>
+              <a:gd name="connsiteX3" fmla="*/ 47880 w 95759"/>
+              <a:gd name="connsiteY3" fmla="*/ 0 h 95759"/>
+              <a:gd name="connsiteX4" fmla="*/ 95759 w 95759"/>
+              <a:gd name="connsiteY4" fmla="*/ 47880 h 95759"/>
+            </a:gdLst>
+            <a:ahLst/>
+            <a:cxnLst>
+              <a:cxn ang="0">
+                <a:pos x="connsiteX0" y="connsiteY0"/>
+              </a:cxn>
+              <a:cxn ang="0">
+                <a:pos x="connsiteX1" y="connsiteY1"/>
+              </a:cxn>
+              <a:cxn ang="0">
+                <a:pos x="connsiteX2" y="connsiteY2"/>
+              </a:cxn>
+              <a:cxn ang="0">
+                <a:pos x="connsiteX3" y="connsiteY3"/>
+              </a:cxn>
+              <a:cxn ang="0">
+                <a:pos x="connsiteX4" y="connsiteY4"/>
+              </a:cxn>
+            </a:cxnLst>
+            <a:rect l="l" t="t" r="r" b="b"/>
+            <a:pathLst>
+              <a:path w="95759" h="95759">
+                <a:moveTo>
+                  <a:pt x="95759" y="47880"/>
+                </a:moveTo>
+                <a:cubicBezTo>
+                  <a:pt x="95759" y="74323"/>
+                  <a:pt x="74323" y="95759"/>
+                  <a:pt x="47880" y="95759"/>
+                </a:cubicBezTo>
+                <a:cubicBezTo>
+                  <a:pt x="21436" y="95759"/>
+                  <a:pt x="0" y="74323"/>
+                  <a:pt x="0" y="47880"/>
+                </a:cubicBezTo>
+                <a:cubicBezTo>
+                  <a:pt x="0" y="21436"/>
+                  <a:pt x="21436" y="0"/>
+                  <a:pt x="47880" y="0"/>
+                </a:cubicBezTo>
+                <a:cubicBezTo>
+                  <a:pt x="74323" y="0"/>
+                  <a:pt x="95759" y="21436"/>
+                  <a:pt x="95759" y="47880"/>
+                </a:cubicBezTo>
+                <a:close/>
+              </a:path>
+            </a:pathLst>
+          </a:custGeom>
+          <a:solidFill>
+            <a:srgbClr val="FFFFFF"/>
+          </a:solidFill>
+          <a:ln w="469" cap="flat">
+            <a:noFill/>
+            <a:prstDash val="solid"/>
+            <a:miter/>
+          </a:ln>
+        </p:spPr>
+        <p:txBody>
+          <a:bodyPr rtlCol="0" anchor="ctr"/>
+          <a:lstStyle/>
+          <a:p>
+            <a:endParaRPr lang="en-US">
+              <a:solidFill>
+                <a:srgbClr val="FFFFFF"/>
+              </a:solidFill>
+            </a:endParaRPr>
+          </a:p>
+        </p:txBody>
+      </p:sp>
+      <p:sp>
+        <p:nvSpPr>
+          <p:cNvPr id="24" name="Graphic 12">
+            <a:extLst>
+              <a:ext uri="{FF2B5EF4-FFF2-40B4-BE49-F238E27FC236}">
+                <a16:creationId xmlns:a16="http://schemas.microsoft.com/office/drawing/2014/main" id="{712D4376-A578-4FF1-94FC-245E7A6A489F}"/>
+              </a:ext>
+              <a:ext uri="{C183D7F6-B498-43B3-948B-1728B52AA6E4}">
+                <adec:decorative xmlns:adec="http://schemas.microsoft.com/office/drawing/2017/decorative" val="1"/>
+              </a:ext>
+            </a:extLst>
+          </p:cNvPr>
+          <p:cNvSpPr>
+            <a:spLocks noGrp="1" noRot="1" noChangeAspect="1" noMove="1" noResize="1" noEditPoints="1" noAdjustHandles="1" noChangeArrowheads="1" noChangeShapeType="1" noTextEdit="1"/>
+          </p:cNvSpPr>
+          <p:nvPr>
+            <p:extLst>
+              <p:ext uri="{386F3935-93C4-4BCD-93E2-E3B085C9AB24}">
+                <p16:designElem xmlns:p16="http://schemas.microsoft.com/office/powerpoint/2015/main" val="1"/>
+              </p:ext>
+            </p:extLst>
+          </p:nvPr>
+        </p:nvSpPr>
+        <p:spPr>
+          <a:xfrm>
+            <a:off x="10772266" y="2803988"/>
+            <a:ext cx="91138" cy="91138"/>
+          </a:xfrm>
+          <a:custGeom>
+            <a:avLst/>
+            <a:gdLst>
+              <a:gd name="connsiteX0" fmla="*/ 91138 w 91138"/>
+              <a:gd name="connsiteY0" fmla="*/ 45569 h 91138"/>
+              <a:gd name="connsiteX1" fmla="*/ 45569 w 91138"/>
+              <a:gd name="connsiteY1" fmla="*/ 91138 h 91138"/>
+              <a:gd name="connsiteX2" fmla="*/ 0 w 91138"/>
+              <a:gd name="connsiteY2" fmla="*/ 45569 h 91138"/>
+              <a:gd name="connsiteX3" fmla="*/ 45569 w 91138"/>
+              <a:gd name="connsiteY3" fmla="*/ 0 h 91138"/>
+              <a:gd name="connsiteX4" fmla="*/ 91138 w 91138"/>
+              <a:gd name="connsiteY4" fmla="*/ 45569 h 91138"/>
+            </a:gdLst>
+            <a:ahLst/>
+            <a:cxnLst>
+              <a:cxn ang="0">
+                <a:pos x="connsiteX0" y="connsiteY0"/>
+              </a:cxn>
+              <a:cxn ang="0">
+                <a:pos x="connsiteX1" y="connsiteY1"/>
+              </a:cxn>
+              <a:cxn ang="0">
+                <a:pos x="connsiteX2" y="connsiteY2"/>
+              </a:cxn>
+              <a:cxn ang="0">
+                <a:pos x="connsiteX3" y="connsiteY3"/>
+              </a:cxn>
+              <a:cxn ang="0">
+                <a:pos x="connsiteX4" y="connsiteY4"/>
+              </a:cxn>
+            </a:cxnLst>
+            <a:rect l="l" t="t" r="r" b="b"/>
+            <a:pathLst>
+              <a:path w="91138" h="91138">
+                <a:moveTo>
+                  <a:pt x="91138" y="45569"/>
+                </a:moveTo>
+                <a:cubicBezTo>
+                  <a:pt x="91138" y="70736"/>
+                  <a:pt x="70736" y="91138"/>
+                  <a:pt x="45569" y="91138"/>
+                </a:cubicBezTo>
+                <a:cubicBezTo>
+                  <a:pt x="20402" y="91138"/>
+                  <a:pt x="0" y="70736"/>
+                  <a:pt x="0" y="45569"/>
+                </a:cubicBezTo>
+                <a:cubicBezTo>
+                  <a:pt x="0" y="20402"/>
+                  <a:pt x="20402" y="0"/>
+                  <a:pt x="45569" y="0"/>
+                </a:cubicBezTo>
+                <a:cubicBezTo>
+                  <a:pt x="70736" y="0"/>
+                  <a:pt x="91138" y="20402"/>
+                  <a:pt x="91138" y="45569"/>
+                </a:cubicBezTo>
+                <a:close/>
+              </a:path>
+            </a:pathLst>
+          </a:custGeom>
+          <a:solidFill>
+            <a:srgbClr val="FFFFFF"/>
+          </a:solidFill>
+          <a:ln w="422" cap="flat">
+            <a:noFill/>
+            <a:prstDash val="solid"/>
+            <a:miter/>
+          </a:ln>
+        </p:spPr>
+        <p:txBody>
+          <a:bodyPr rtlCol="0" anchor="ctr"/>
+          <a:lstStyle/>
+          <a:p>
+            <a:endParaRPr lang="en-US">
+              <a:solidFill>
+                <a:srgbClr val="FFFFFF"/>
+              </a:solidFill>
+            </a:endParaRPr>
+          </a:p>
+        </p:txBody>
+      </p:sp>
+      <p:sp>
+        <p:nvSpPr>
+          <p:cNvPr id="26" name="Graphic 23">
+            <a:extLst>
+              <a:ext uri="{FF2B5EF4-FFF2-40B4-BE49-F238E27FC236}">
+                <a16:creationId xmlns:a16="http://schemas.microsoft.com/office/drawing/2014/main" id="{3FBAD350-5664-4811-A208-657FB882D350}"/>
+              </a:ext>
+              <a:ext uri="{C183D7F6-B498-43B3-948B-1728B52AA6E4}">
+                <adec:decorative xmlns:adec="http://schemas.microsoft.com/office/drawing/2017/decorative" val="1"/>
+              </a:ext>
+            </a:extLst>
+          </p:cNvPr>
+          <p:cNvSpPr>
+            <a:spLocks noGrp="1" noRot="1" noChangeAspect="1" noMove="1" noResize="1" noEditPoints="1" noAdjustHandles="1" noChangeArrowheads="1" noChangeShapeType="1" noTextEdit="1"/>
+          </p:cNvSpPr>
+          <p:nvPr>
+            <p:extLst>
+              <p:ext uri="{386F3935-93C4-4BCD-93E2-E3B085C9AB24}">
+                <p16:designElem xmlns:p16="http://schemas.microsoft.com/office/powerpoint/2015/main" val="1"/>
+              </p:ext>
+            </p:extLst>
+          </p:nvPr>
+        </p:nvSpPr>
+        <p:spPr>
+          <a:xfrm>
+            <a:off x="1413405" y="3242499"/>
+            <a:ext cx="108625" cy="108625"/>
+          </a:xfrm>
+          <a:custGeom>
+            <a:avLst/>
+            <a:gdLst>
+              <a:gd name="connsiteX0" fmla="*/ 54313 w 108625"/>
+              <a:gd name="connsiteY0" fmla="*/ 16053 h 108625"/>
+              <a:gd name="connsiteX1" fmla="*/ 92572 w 108625"/>
+              <a:gd name="connsiteY1" fmla="*/ 54313 h 108625"/>
+              <a:gd name="connsiteX2" fmla="*/ 54313 w 108625"/>
+              <a:gd name="connsiteY2" fmla="*/ 92572 h 108625"/>
+              <a:gd name="connsiteX3" fmla="*/ 16053 w 108625"/>
+              <a:gd name="connsiteY3" fmla="*/ 54313 h 108625"/>
+              <a:gd name="connsiteX4" fmla="*/ 54313 w 108625"/>
+              <a:gd name="connsiteY4" fmla="*/ 16053 h 108625"/>
+              <a:gd name="connsiteX5" fmla="*/ 54313 w 108625"/>
+              <a:gd name="connsiteY5" fmla="*/ 0 h 108625"/>
+              <a:gd name="connsiteX6" fmla="*/ 0 w 108625"/>
+              <a:gd name="connsiteY6" fmla="*/ 54313 h 108625"/>
+              <a:gd name="connsiteX7" fmla="*/ 54313 w 108625"/>
+              <a:gd name="connsiteY7" fmla="*/ 108625 h 108625"/>
+              <a:gd name="connsiteX8" fmla="*/ 108625 w 108625"/>
+              <a:gd name="connsiteY8" fmla="*/ 54313 h 108625"/>
+              <a:gd name="connsiteX9" fmla="*/ 54313 w 108625"/>
+              <a:gd name="connsiteY9" fmla="*/ 0 h 108625"/>
+            </a:gdLst>
+            <a:ahLst/>
+            <a:cxnLst>
+              <a:cxn ang="0">
+                <a:pos x="connsiteX0" y="connsiteY0"/>
+              </a:cxn>
+              <a:cxn ang="0">
+                <a:pos x="connsiteX1" y="connsiteY1"/>
+              </a:cxn>
+              <a:cxn ang="0">
+                <a:pos x="connsiteX2" y="connsiteY2"/>
+              </a:cxn>
+              <a:cxn ang="0">
+                <a:pos x="connsiteX3" y="connsiteY3"/>
+              </a:cxn>
+              <a:cxn ang="0">
+                <a:pos x="connsiteX4" y="connsiteY4"/>
+              </a:cxn>
+              <a:cxn ang="0">
+                <a:pos x="connsiteX5" y="connsiteY5"/>
+              </a:cxn>
+              <a:cxn ang="0">
+                <a:pos x="connsiteX6" y="connsiteY6"/>
+              </a:cxn>
+              <a:cxn ang="0">
+                <a:pos x="connsiteX7" y="connsiteY7"/>
+              </a:cxn>
+              <a:cxn ang="0">
+                <a:pos x="connsiteX8" y="connsiteY8"/>
+              </a:cxn>
+              <a:cxn ang="0">
+                <a:pos x="connsiteX9" y="connsiteY9"/>
+              </a:cxn>
+            </a:cxnLst>
+            <a:rect l="l" t="t" r="r" b="b"/>
+            <a:pathLst>
+              <a:path w="108625" h="108625">
+                <a:moveTo>
+                  <a:pt x="54313" y="16053"/>
+                </a:moveTo>
+                <a:cubicBezTo>
+                  <a:pt x="75442" y="16053"/>
+                  <a:pt x="92572" y="33182"/>
+                  <a:pt x="92572" y="54313"/>
+                </a:cubicBezTo>
+                <a:cubicBezTo>
+                  <a:pt x="92572" y="75442"/>
+                  <a:pt x="75442" y="92572"/>
+                  <a:pt x="54313" y="92572"/>
+                </a:cubicBezTo>
+                <a:cubicBezTo>
+                  <a:pt x="33182" y="92572"/>
+                  <a:pt x="16053" y="75442"/>
+                  <a:pt x="16053" y="54313"/>
+                </a:cubicBezTo>
+                <a:cubicBezTo>
+                  <a:pt x="16074" y="33191"/>
+                  <a:pt x="33191" y="16074"/>
+                  <a:pt x="54313" y="16053"/>
+                </a:cubicBezTo>
+                <a:moveTo>
+                  <a:pt x="54313" y="0"/>
+                </a:moveTo>
+                <a:cubicBezTo>
+                  <a:pt x="24317" y="0"/>
+                  <a:pt x="0" y="24317"/>
+                  <a:pt x="0" y="54313"/>
+                </a:cubicBezTo>
+                <a:cubicBezTo>
+                  <a:pt x="0" y="84309"/>
+                  <a:pt x="24317" y="108625"/>
+                  <a:pt x="54313" y="108625"/>
+                </a:cubicBezTo>
+                <a:cubicBezTo>
+                  <a:pt x="84309" y="108625"/>
+                  <a:pt x="108625" y="84309"/>
+                  <a:pt x="108625" y="54313"/>
+                </a:cubicBezTo>
+                <a:cubicBezTo>
+                  <a:pt x="108625" y="24317"/>
+                  <a:pt x="84309" y="0"/>
+                  <a:pt x="54313" y="0"/>
+                </a:cubicBezTo>
+                <a:close/>
+              </a:path>
+            </a:pathLst>
+          </a:custGeom>
+          <a:solidFill>
+            <a:srgbClr val="FFFFFF"/>
+          </a:solidFill>
+          <a:ln w="516" cap="flat">
+            <a:noFill/>
+            <a:prstDash val="solid"/>
+            <a:miter/>
+          </a:ln>
+        </p:spPr>
+        <p:txBody>
+          <a:bodyPr rtlCol="0" anchor="ctr"/>
+          <a:lstStyle/>
+          <a:p>
+            <a:endParaRPr lang="en-US">
+              <a:solidFill>
+                <a:srgbClr val="FFFFFF"/>
+              </a:solidFill>
+            </a:endParaRPr>
+          </a:p>
+        </p:txBody>
+      </p:sp>
+      <p:cxnSp>
+        <p:nvCxnSpPr>
+          <p:cNvPr id="28" name="Straight Connector 27">
+            <a:extLst>
+              <a:ext uri="{FF2B5EF4-FFF2-40B4-BE49-F238E27FC236}">
+                <a16:creationId xmlns:a16="http://schemas.microsoft.com/office/drawing/2014/main" id="{56020367-4FD5-4596-8E10-C5F095CD8DBF}"/>
+              </a:ext>
+              <a:ext uri="{C183D7F6-B498-43B3-948B-1728B52AA6E4}">
+                <adec:decorative xmlns:adec="http://schemas.microsoft.com/office/drawing/2017/decorative" val="1"/>
+              </a:ext>
+            </a:extLst>
+          </p:cNvPr>
+          <p:cNvCxnSpPr>
+            <a:cxnSpLocks noGrp="1" noRot="1" noChangeAspect="1" noMove="1" noResize="1" noEditPoints="1" noAdjustHandles="1" noChangeArrowheads="1" noChangeShapeType="1"/>
+          </p:cNvCxnSpPr>
+          <p:nvPr>
+            <p:extLst>
+              <p:ext uri="{386F3935-93C4-4BCD-93E2-E3B085C9AB24}">
+                <p16:designElem xmlns:p16="http://schemas.microsoft.com/office/powerpoint/2015/main" val="1"/>
+              </p:ext>
+            </p:extLst>
+          </p:nvPr>
+        </p:nvCxnSpPr>
+        <p:spPr>
+          <a:xfrm>
+            <a:off x="0" y="5831729"/>
+            <a:ext cx="12188952" cy="0"/>
+          </a:xfrm>
+          <a:prstGeom prst="line">
+            <a:avLst/>
+          </a:prstGeom>
+          <a:ln w="25400" cap="sq">
+            <a:solidFill>
+              <a:srgbClr val="FFFFFF"/>
+            </a:solidFill>
+            <a:bevel/>
+          </a:ln>
+        </p:spPr>
+        <p:style>
+          <a:lnRef idx="1">
+            <a:schemeClr val="accent1"/>
+          </a:lnRef>
+          <a:fillRef idx="0">
+            <a:schemeClr val="accent1"/>
+          </a:fillRef>
+          <a:effectRef idx="0">
+            <a:schemeClr val="accent1"/>
+          </a:effectRef>
+          <a:fontRef idx="minor">
+            <a:schemeClr val="tx1"/>
+          </a:fontRef>
+        </p:style>
+      </p:cxnSp>
+    </p:spTree>
+    <p:extLst>
+      <p:ext uri="{BB962C8B-B14F-4D97-AF65-F5344CB8AC3E}">
+        <p14:creationId xmlns:p14="http://schemas.microsoft.com/office/powerpoint/2010/main" val="2260098126"/>
+      </p:ext>
+    </p:extLst>
+  </p:cSld>
+  <p:clrMapOvr>
+    <a:masterClrMapping/>
+  </p:clrMapOvr>
+</p:sld>
+</file>
+
+<file path=ppt/slides/slide6.xml><?xml version="1.0" encoding="utf-8"?>
+<p:sld xmlns:a="http://schemas.openxmlformats.org/drawingml/2006/main" xmlns:r="http://schemas.openxmlformats.org/officeDocument/2006/relationships" xmlns:p="http://schemas.openxmlformats.org/presentationml/2006/main">
+  <p:cSld>
+    <p:bg>
+      <p:bgPr>
+        <a:solidFill>
+          <a:schemeClr val="bg1"/>
+        </a:solidFill>
+        <a:effectLst/>
+      </p:bgPr>
+    </p:bg>
+    <p:spTree>
+      <p:nvGrpSpPr>
+        <p:cNvPr id="1" name=""/>
+        <p:cNvGrpSpPr/>
+        <p:nvPr/>
+      </p:nvGrpSpPr>
+      <p:grpSpPr>
+        <a:xfrm>
+          <a:off x="0" y="0"/>
+          <a:ext cx="0" cy="0"/>
+          <a:chOff x="0" y="0"/>
+          <a:chExt cx="0" cy="0"/>
+        </a:xfrm>
+      </p:grpSpPr>
+      <p:sp useBgFill="1">
+        <p:nvSpPr>
+          <p:cNvPr id="8" name="Rectangle 7">
+            <a:extLst>
+              <a:ext uri="{FF2B5EF4-FFF2-40B4-BE49-F238E27FC236}">
+                <a16:creationId xmlns:a16="http://schemas.microsoft.com/office/drawing/2014/main" id="{8D1AA55E-40D5-461B-A5A8-4AE8AAB71B08}"/>
+              </a:ext>
+              <a:ext uri="{C183D7F6-B498-43B3-948B-1728B52AA6E4}">
+                <adec:decorative xmlns:adec="http://schemas.microsoft.com/office/drawing/2017/decorative" val="1"/>
+              </a:ext>
+            </a:extLst>
+          </p:cNvPr>
+          <p:cNvSpPr>
+            <a:spLocks noGrp="1" noRot="1" noChangeAspect="1" noMove="1" noResize="1" noEditPoints="1" noAdjustHandles="1" noChangeArrowheads="1" noChangeShapeType="1" noTextEdit="1"/>
+          </p:cNvSpPr>
+          <p:nvPr>
+            <p:extLst>
+              <p:ext uri="{386F3935-93C4-4BCD-93E2-E3B085C9AB24}">
+                <p16:designElem xmlns:p16="http://schemas.microsoft.com/office/powerpoint/2015/main" val="1"/>
+              </p:ext>
+            </p:extLst>
+          </p:nvPr>
+        </p:nvSpPr>
+        <p:spPr>
+          <a:xfrm>
+            <a:off x="0" y="0"/>
+            <a:ext cx="12192000" cy="6858000"/>
+          </a:xfrm>
+          <a:prstGeom prst="rect">
+            <a:avLst/>
+          </a:prstGeom>
+          <a:ln>
+            <a:noFill/>
+          </a:ln>
+        </p:spPr>
+        <p:style>
+          <a:lnRef idx="2">
+            <a:schemeClr val="accent1">
+              <a:shade val="50000"/>
+            </a:schemeClr>
+          </a:lnRef>
+          <a:fillRef idx="1">
+            <a:schemeClr val="accent1"/>
+          </a:fillRef>
+          <a:effectRef idx="0">
+            <a:schemeClr val="accent1"/>
+          </a:effectRef>
+          <a:fontRef idx="minor">
+            <a:schemeClr val="lt1"/>
+          </a:fontRef>
+        </p:style>
+        <p:txBody>
+          <a:bodyPr rtlCol="0" anchor="ctr"/>
+          <a:lstStyle/>
+          <a:p>
+            <a:pPr algn="ctr"/>
+            <a:endParaRPr lang="en-US"/>
+          </a:p>
+        </p:txBody>
+      </p:sp>
+      <p:sp>
+        <p:nvSpPr>
+          <p:cNvPr id="2" name="タイトル 1">
+            <a:extLst>
+              <a:ext uri="{FF2B5EF4-FFF2-40B4-BE49-F238E27FC236}">
+                <a16:creationId xmlns:a16="http://schemas.microsoft.com/office/drawing/2014/main" id="{DE8A43B6-0425-FB00-5888-0B9511D54693}"/>
+              </a:ext>
+            </a:extLst>
+          </p:cNvPr>
+          <p:cNvSpPr>
+            <a:spLocks noGrp="1"/>
+          </p:cNvSpPr>
+          <p:nvPr>
+            <p:ph type="title"/>
+          </p:nvPr>
+        </p:nvSpPr>
+        <p:spPr>
+          <a:xfrm>
+            <a:off x="838200" y="698643"/>
+            <a:ext cx="5243394" cy="5189746"/>
+          </a:xfrm>
+        </p:spPr>
+        <p:txBody>
+          <a:bodyPr anchor="t">
+            <a:normAutofit/>
+          </a:bodyPr>
+          <a:lstStyle/>
+          <a:p>
+            <a:r>
+              <a:rPr kumimoji="1" lang="ja-JP" altLang="en-US" sz="8000" dirty="0"/>
+              <a:t>参考にしたサイト</a:t>
+            </a:r>
+          </a:p>
+        </p:txBody>
+      </p:sp>
+      <p:cxnSp>
+        <p:nvCxnSpPr>
+          <p:cNvPr id="10" name="Straight Connector 9">
+            <a:extLst>
+              <a:ext uri="{FF2B5EF4-FFF2-40B4-BE49-F238E27FC236}">
+                <a16:creationId xmlns:a16="http://schemas.microsoft.com/office/drawing/2014/main" id="{C49DA8F6-BCC1-4447-B54C-57856834B94B}"/>
+              </a:ext>
+              <a:ext uri="{C183D7F6-B498-43B3-948B-1728B52AA6E4}">
+                <adec:decorative xmlns:adec="http://schemas.microsoft.com/office/drawing/2017/decorative" val="1"/>
+              </a:ext>
+            </a:extLst>
+          </p:cNvPr>
+          <p:cNvCxnSpPr>
+            <a:cxnSpLocks noGrp="1" noRot="1" noChangeAspect="1" noMove="1" noResize="1" noEditPoints="1" noAdjustHandles="1" noChangeArrowheads="1" noChangeShapeType="1"/>
+          </p:cNvCxnSpPr>
+          <p:nvPr>
+            <p:extLst>
+              <p:ext uri="{386F3935-93C4-4BCD-93E2-E3B085C9AB24}">
+                <p16:designElem xmlns:p16="http://schemas.microsoft.com/office/powerpoint/2015/main" val="1"/>
+              </p:ext>
+            </p:extLst>
+          </p:nvPr>
+        </p:nvCxnSpPr>
+        <p:spPr>
+          <a:xfrm>
+            <a:off x="623622" y="373056"/>
+            <a:ext cx="0" cy="6476066"/>
+          </a:xfrm>
+          <a:prstGeom prst="line">
+            <a:avLst/>
+          </a:prstGeom>
+          <a:ln w="25400" cap="sq">
+            <a:gradFill flip="none" rotWithShape="1">
+              <a:gsLst>
+                <a:gs pos="0">
+                  <a:schemeClr val="accent1"/>
+                </a:gs>
+                <a:gs pos="100000">
+                  <a:schemeClr val="accent2"/>
+                </a:gs>
+              </a:gsLst>
+              <a:lin ang="16200000" scaled="1"/>
+              <a:tileRect/>
+            </a:gradFill>
+            <a:bevel/>
+          </a:ln>
+        </p:spPr>
+        <p:style>
+          <a:lnRef idx="1">
+            <a:schemeClr val="accent1"/>
+          </a:lnRef>
+          <a:fillRef idx="0">
+            <a:schemeClr val="accent1"/>
+          </a:fillRef>
+          <a:effectRef idx="0">
+            <a:schemeClr val="accent1"/>
+          </a:effectRef>
+          <a:fontRef idx="minor">
+            <a:schemeClr val="tx1"/>
+          </a:fontRef>
+        </p:style>
+      </p:cxnSp>
+      <p:sp>
+        <p:nvSpPr>
+          <p:cNvPr id="12" name="Graphic 11">
+            <a:extLst>
+              <a:ext uri="{FF2B5EF4-FFF2-40B4-BE49-F238E27FC236}">
+                <a16:creationId xmlns:a16="http://schemas.microsoft.com/office/drawing/2014/main" id="{6CB927A4-E432-4310-9CD5-E89FF5063179}"/>
+              </a:ext>
+              <a:ext uri="{C183D7F6-B498-43B3-948B-1728B52AA6E4}">
+                <adec:decorative xmlns:adec="http://schemas.microsoft.com/office/drawing/2017/decorative" val="1"/>
+              </a:ext>
+            </a:extLst>
+          </p:cNvPr>
+          <p:cNvSpPr>
+            <a:spLocks noGrp="1" noRot="1" noChangeAspect="1" noMove="1" noResize="1" noEditPoints="1" noAdjustHandles="1" noChangeArrowheads="1" noChangeShapeType="1" noTextEdit="1"/>
+          </p:cNvSpPr>
+          <p:nvPr>
+            <p:extLst>
+              <p:ext uri="{386F3935-93C4-4BCD-93E2-E3B085C9AB24}">
+                <p16:designElem xmlns:p16="http://schemas.microsoft.com/office/powerpoint/2015/main" val="1"/>
+              </p:ext>
+            </p:extLst>
+          </p:nvPr>
+        </p:nvSpPr>
+        <p:spPr>
+          <a:xfrm>
+            <a:off x="6125948" y="740316"/>
+            <a:ext cx="139039" cy="139039"/>
+          </a:xfrm>
+          <a:custGeom>
+            <a:avLst/>
+            <a:gdLst>
+              <a:gd name="connsiteX0" fmla="*/ 129602 w 139039"/>
+              <a:gd name="connsiteY0" fmla="*/ 60082 h 139039"/>
+              <a:gd name="connsiteX1" fmla="*/ 78957 w 139039"/>
+              <a:gd name="connsiteY1" fmla="*/ 60082 h 139039"/>
+              <a:gd name="connsiteX2" fmla="*/ 78957 w 139039"/>
+              <a:gd name="connsiteY2" fmla="*/ 9437 h 139039"/>
+              <a:gd name="connsiteX3" fmla="*/ 69520 w 139039"/>
+              <a:gd name="connsiteY3" fmla="*/ 0 h 139039"/>
+              <a:gd name="connsiteX4" fmla="*/ 60082 w 139039"/>
+              <a:gd name="connsiteY4" fmla="*/ 9437 h 139039"/>
+              <a:gd name="connsiteX5" fmla="*/ 60082 w 139039"/>
+              <a:gd name="connsiteY5" fmla="*/ 60082 h 139039"/>
+              <a:gd name="connsiteX6" fmla="*/ 9437 w 139039"/>
+              <a:gd name="connsiteY6" fmla="*/ 60082 h 139039"/>
+              <a:gd name="connsiteX7" fmla="*/ 0 w 139039"/>
+              <a:gd name="connsiteY7" fmla="*/ 69520 h 139039"/>
+              <a:gd name="connsiteX8" fmla="*/ 9437 w 139039"/>
+              <a:gd name="connsiteY8" fmla="*/ 78957 h 139039"/>
+              <a:gd name="connsiteX9" fmla="*/ 60082 w 139039"/>
+              <a:gd name="connsiteY9" fmla="*/ 78957 h 139039"/>
+              <a:gd name="connsiteX10" fmla="*/ 60082 w 139039"/>
+              <a:gd name="connsiteY10" fmla="*/ 129602 h 139039"/>
+              <a:gd name="connsiteX11" fmla="*/ 69520 w 139039"/>
+              <a:gd name="connsiteY11" fmla="*/ 139039 h 139039"/>
+              <a:gd name="connsiteX12" fmla="*/ 78957 w 139039"/>
+              <a:gd name="connsiteY12" fmla="*/ 129602 h 139039"/>
+              <a:gd name="connsiteX13" fmla="*/ 78957 w 139039"/>
+              <a:gd name="connsiteY13" fmla="*/ 78957 h 139039"/>
+              <a:gd name="connsiteX14" fmla="*/ 129602 w 139039"/>
+              <a:gd name="connsiteY14" fmla="*/ 78957 h 139039"/>
+              <a:gd name="connsiteX15" fmla="*/ 139039 w 139039"/>
+              <a:gd name="connsiteY15" fmla="*/ 69520 h 139039"/>
+              <a:gd name="connsiteX16" fmla="*/ 129602 w 139039"/>
+              <a:gd name="connsiteY16" fmla="*/ 60082 h 139039"/>
+            </a:gdLst>
+            <a:ahLst/>
+            <a:cxnLst>
+              <a:cxn ang="0">
+                <a:pos x="connsiteX0" y="connsiteY0"/>
+              </a:cxn>
+              <a:cxn ang="0">
+                <a:pos x="connsiteX1" y="connsiteY1"/>
+              </a:cxn>
+              <a:cxn ang="0">
+                <a:pos x="connsiteX2" y="connsiteY2"/>
+              </a:cxn>
+              <a:cxn ang="0">
+                <a:pos x="connsiteX3" y="connsiteY3"/>
+              </a:cxn>
+              <a:cxn ang="0">
+                <a:pos x="connsiteX4" y="connsiteY4"/>
+              </a:cxn>
+              <a:cxn ang="0">
+                <a:pos x="connsiteX5" y="connsiteY5"/>
+              </a:cxn>
+              <a:cxn ang="0">
+                <a:pos x="connsiteX6" y="connsiteY6"/>
+              </a:cxn>
+              <a:cxn ang="0">
+                <a:pos x="connsiteX7" y="connsiteY7"/>
+              </a:cxn>
+              <a:cxn ang="0">
+                <a:pos x="connsiteX8" y="connsiteY8"/>
+              </a:cxn>
+              <a:cxn ang="0">
+                <a:pos x="connsiteX9" y="connsiteY9"/>
+              </a:cxn>
+              <a:cxn ang="0">
+                <a:pos x="connsiteX10" y="connsiteY10"/>
+              </a:cxn>
+              <a:cxn ang="0">
+                <a:pos x="connsiteX11" y="connsiteY11"/>
+              </a:cxn>
+              <a:cxn ang="0">
+                <a:pos x="connsiteX12" y="connsiteY12"/>
+              </a:cxn>
+              <a:cxn ang="0">
+                <a:pos x="connsiteX13" y="connsiteY13"/>
+              </a:cxn>
+              <a:cxn ang="0">
+                <a:pos x="connsiteX14" y="connsiteY14"/>
+              </a:cxn>
+              <a:cxn ang="0">
+                <a:pos x="connsiteX15" y="connsiteY15"/>
+              </a:cxn>
+              <a:cxn ang="0">
+                <a:pos x="connsiteX16" y="connsiteY16"/>
+              </a:cxn>
+            </a:cxnLst>
+            <a:rect l="l" t="t" r="r" b="b"/>
+            <a:pathLst>
+              <a:path w="139039" h="139039">
+                <a:moveTo>
+                  <a:pt x="129602" y="60082"/>
+                </a:moveTo>
+                <a:lnTo>
+                  <a:pt x="78957" y="60082"/>
+                </a:lnTo>
+                <a:lnTo>
+                  <a:pt x="78957" y="9437"/>
+                </a:lnTo>
+                <a:cubicBezTo>
+                  <a:pt x="78957" y="4225"/>
+                  <a:pt x="74731" y="0"/>
+                  <a:pt x="69520" y="0"/>
+                </a:cubicBezTo>
+                <a:cubicBezTo>
+                  <a:pt x="64308" y="0"/>
+                  <a:pt x="60082" y="4225"/>
+                  <a:pt x="60082" y="9437"/>
+                </a:cubicBezTo>
+                <a:lnTo>
+                  <a:pt x="60082" y="60082"/>
+                </a:lnTo>
+                <a:lnTo>
+                  <a:pt x="9437" y="60082"/>
+                </a:lnTo>
+                <a:cubicBezTo>
+                  <a:pt x="4225" y="60082"/>
+                  <a:pt x="0" y="64308"/>
+                  <a:pt x="0" y="69520"/>
+                </a:cubicBezTo>
+                <a:cubicBezTo>
+                  <a:pt x="0" y="74731"/>
+                  <a:pt x="4225" y="78957"/>
+                  <a:pt x="9437" y="78957"/>
+                </a:cubicBezTo>
+                <a:lnTo>
+                  <a:pt x="60082" y="78957"/>
+                </a:lnTo>
+                <a:lnTo>
+                  <a:pt x="60082" y="129602"/>
+                </a:lnTo>
+                <a:cubicBezTo>
+                  <a:pt x="60082" y="134814"/>
+                  <a:pt x="64308" y="139039"/>
+                  <a:pt x="69520" y="139039"/>
+                </a:cubicBezTo>
+                <a:cubicBezTo>
+                  <a:pt x="74731" y="139039"/>
+                  <a:pt x="78957" y="134814"/>
+                  <a:pt x="78957" y="129602"/>
+                </a:cubicBezTo>
+                <a:lnTo>
+                  <a:pt x="78957" y="78957"/>
+                </a:lnTo>
+                <a:lnTo>
+                  <a:pt x="129602" y="78957"/>
+                </a:lnTo>
+                <a:cubicBezTo>
+                  <a:pt x="134814" y="78957"/>
+                  <a:pt x="139039" y="74731"/>
+                  <a:pt x="139039" y="69520"/>
+                </a:cubicBezTo>
+                <a:cubicBezTo>
+                  <a:pt x="139039" y="64308"/>
+                  <a:pt x="134814" y="60082"/>
+                  <a:pt x="129602" y="60082"/>
+                </a:cubicBezTo>
+                <a:close/>
+              </a:path>
+            </a:pathLst>
+          </a:custGeom>
+          <a:solidFill>
+            <a:schemeClr val="accent2"/>
+          </a:solidFill>
+          <a:ln w="603" cap="flat">
+            <a:noFill/>
+            <a:prstDash val="solid"/>
+            <a:miter/>
+          </a:ln>
+        </p:spPr>
+        <p:txBody>
+          <a:bodyPr rtlCol="0" anchor="ctr"/>
+          <a:lstStyle/>
+          <a:p>
+            <a:endParaRPr lang="en-US"/>
+          </a:p>
+        </p:txBody>
+      </p:sp>
+      <p:sp>
+        <p:nvSpPr>
+          <p:cNvPr id="14" name="Graphic 10">
+            <a:extLst>
+              <a:ext uri="{FF2B5EF4-FFF2-40B4-BE49-F238E27FC236}">
+                <a16:creationId xmlns:a16="http://schemas.microsoft.com/office/drawing/2014/main" id="{E3020543-B24B-4EC4-8FFC-8DD88EEA91A8}"/>
+              </a:ext>
+              <a:ext uri="{C183D7F6-B498-43B3-948B-1728B52AA6E4}">
+                <adec:decorative xmlns:adec="http://schemas.microsoft.com/office/drawing/2017/decorative" val="1"/>
+              </a:ext>
+            </a:extLst>
+          </p:cNvPr>
+          <p:cNvSpPr>
+            <a:spLocks noGrp="1" noRot="1" noChangeAspect="1" noMove="1" noResize="1" noEditPoints="1" noAdjustHandles="1" noChangeArrowheads="1" noChangeShapeType="1" noTextEdit="1"/>
+          </p:cNvSpPr>
+          <p:nvPr>
+            <p:extLst>
+              <p:ext uri="{386F3935-93C4-4BCD-93E2-E3B085C9AB24}">
+                <p16:designElem xmlns:p16="http://schemas.microsoft.com/office/powerpoint/2015/main" val="1"/>
+              </p:ext>
+            </p:extLst>
+          </p:nvPr>
+        </p:nvSpPr>
+        <p:spPr>
+          <a:xfrm>
+            <a:off x="6484728" y="969611"/>
+            <a:ext cx="91138" cy="91138"/>
+          </a:xfrm>
+          <a:custGeom>
+            <a:avLst/>
+            <a:gdLst>
+              <a:gd name="connsiteX0" fmla="*/ 91138 w 91138"/>
+              <a:gd name="connsiteY0" fmla="*/ 45569 h 91138"/>
+              <a:gd name="connsiteX1" fmla="*/ 45569 w 91138"/>
+              <a:gd name="connsiteY1" fmla="*/ 91138 h 91138"/>
+              <a:gd name="connsiteX2" fmla="*/ 0 w 91138"/>
+              <a:gd name="connsiteY2" fmla="*/ 45569 h 91138"/>
+              <a:gd name="connsiteX3" fmla="*/ 45569 w 91138"/>
+              <a:gd name="connsiteY3" fmla="*/ 0 h 91138"/>
+              <a:gd name="connsiteX4" fmla="*/ 91138 w 91138"/>
+              <a:gd name="connsiteY4" fmla="*/ 45569 h 91138"/>
+            </a:gdLst>
+            <a:ahLst/>
+            <a:cxnLst>
+              <a:cxn ang="0">
+                <a:pos x="connsiteX0" y="connsiteY0"/>
+              </a:cxn>
+              <a:cxn ang="0">
+                <a:pos x="connsiteX1" y="connsiteY1"/>
+              </a:cxn>
+              <a:cxn ang="0">
+                <a:pos x="connsiteX2" y="connsiteY2"/>
+              </a:cxn>
+              <a:cxn ang="0">
+                <a:pos x="connsiteX3" y="connsiteY3"/>
+              </a:cxn>
+              <a:cxn ang="0">
+                <a:pos x="connsiteX4" y="connsiteY4"/>
+              </a:cxn>
+            </a:cxnLst>
+            <a:rect l="l" t="t" r="r" b="b"/>
+            <a:pathLst>
+              <a:path w="91138" h="91138">
+                <a:moveTo>
+                  <a:pt x="91138" y="45569"/>
+                </a:moveTo>
+                <a:cubicBezTo>
+                  <a:pt x="91138" y="70736"/>
+                  <a:pt x="70736" y="91138"/>
+                  <a:pt x="45569" y="91138"/>
+                </a:cubicBezTo>
+                <a:cubicBezTo>
+                  <a:pt x="20402" y="91138"/>
+                  <a:pt x="0" y="70736"/>
+                  <a:pt x="0" y="45569"/>
+                </a:cubicBezTo>
+                <a:cubicBezTo>
+                  <a:pt x="0" y="20402"/>
+                  <a:pt x="20402" y="0"/>
+                  <a:pt x="45569" y="0"/>
+                </a:cubicBezTo>
+                <a:cubicBezTo>
+                  <a:pt x="70736" y="0"/>
+                  <a:pt x="91138" y="20402"/>
+                  <a:pt x="91138" y="45569"/>
+                </a:cubicBezTo>
+                <a:close/>
+              </a:path>
+            </a:pathLst>
+          </a:custGeom>
+          <a:solidFill>
+            <a:schemeClr val="accent2"/>
+          </a:solidFill>
+          <a:ln w="422" cap="flat">
+            <a:noFill/>
+            <a:prstDash val="solid"/>
+            <a:miter/>
+          </a:ln>
+        </p:spPr>
+        <p:txBody>
+          <a:bodyPr rtlCol="0" anchor="ctr"/>
+          <a:lstStyle/>
+          <a:p>
+            <a:endParaRPr lang="en-US"/>
+          </a:p>
+        </p:txBody>
+      </p:sp>
+      <p:sp>
+        <p:nvSpPr>
+          <p:cNvPr id="16" name="Graphic 12">
+            <a:extLst>
+              <a:ext uri="{FF2B5EF4-FFF2-40B4-BE49-F238E27FC236}">
+                <a16:creationId xmlns:a16="http://schemas.microsoft.com/office/drawing/2014/main" id="{1453BF6C-B012-48B7-B4E8-6D7AC7C27D02}"/>
+              </a:ext>
+              <a:ext uri="{C183D7F6-B498-43B3-948B-1728B52AA6E4}">
+                <adec:decorative xmlns:adec="http://schemas.microsoft.com/office/drawing/2017/decorative" val="1"/>
+              </a:ext>
+            </a:extLst>
+          </p:cNvPr>
+          <p:cNvSpPr>
+            <a:spLocks noGrp="1" noRot="1" noChangeAspect="1" noMove="1" noResize="1" noEditPoints="1" noAdjustHandles="1" noChangeArrowheads="1" noChangeShapeType="1" noTextEdit="1"/>
+          </p:cNvSpPr>
+          <p:nvPr>
+            <p:extLst>
+              <p:ext uri="{386F3935-93C4-4BCD-93E2-E3B085C9AB24}">
+                <p16:designElem xmlns:p16="http://schemas.microsoft.com/office/powerpoint/2015/main" val="1"/>
+              </p:ext>
+            </p:extLst>
+          </p:nvPr>
+        </p:nvSpPr>
+        <p:spPr>
+          <a:xfrm>
+            <a:off x="6110408" y="1484755"/>
+            <a:ext cx="127714" cy="127714"/>
+          </a:xfrm>
+          <a:custGeom>
+            <a:avLst/>
+            <a:gdLst>
+              <a:gd name="connsiteX0" fmla="*/ 63857 w 127714"/>
+              <a:gd name="connsiteY0" fmla="*/ 18874 h 127714"/>
+              <a:gd name="connsiteX1" fmla="*/ 108840 w 127714"/>
+              <a:gd name="connsiteY1" fmla="*/ 63857 h 127714"/>
+              <a:gd name="connsiteX2" fmla="*/ 63857 w 127714"/>
+              <a:gd name="connsiteY2" fmla="*/ 108840 h 127714"/>
+              <a:gd name="connsiteX3" fmla="*/ 18874 w 127714"/>
+              <a:gd name="connsiteY3" fmla="*/ 63857 h 127714"/>
+              <a:gd name="connsiteX4" fmla="*/ 63857 w 127714"/>
+              <a:gd name="connsiteY4" fmla="*/ 18874 h 127714"/>
+              <a:gd name="connsiteX5" fmla="*/ 63857 w 127714"/>
+              <a:gd name="connsiteY5" fmla="*/ 0 h 127714"/>
+              <a:gd name="connsiteX6" fmla="*/ 0 w 127714"/>
+              <a:gd name="connsiteY6" fmla="*/ 63857 h 127714"/>
+              <a:gd name="connsiteX7" fmla="*/ 63857 w 127714"/>
+              <a:gd name="connsiteY7" fmla="*/ 127714 h 127714"/>
+              <a:gd name="connsiteX8" fmla="*/ 127714 w 127714"/>
+              <a:gd name="connsiteY8" fmla="*/ 63857 h 127714"/>
+              <a:gd name="connsiteX9" fmla="*/ 63857 w 127714"/>
+              <a:gd name="connsiteY9" fmla="*/ 0 h 127714"/>
+            </a:gdLst>
+            <a:ahLst/>
+            <a:cxnLst>
+              <a:cxn ang="0">
+                <a:pos x="connsiteX0" y="connsiteY0"/>
+              </a:cxn>
+              <a:cxn ang="0">
+                <a:pos x="connsiteX1" y="connsiteY1"/>
+              </a:cxn>
+              <a:cxn ang="0">
+                <a:pos x="connsiteX2" y="connsiteY2"/>
+              </a:cxn>
+              <a:cxn ang="0">
+                <a:pos x="connsiteX3" y="connsiteY3"/>
+              </a:cxn>
+              <a:cxn ang="0">
+                <a:pos x="connsiteX4" y="connsiteY4"/>
+              </a:cxn>
+              <a:cxn ang="0">
+                <a:pos x="connsiteX5" y="connsiteY5"/>
+              </a:cxn>
+              <a:cxn ang="0">
+                <a:pos x="connsiteX6" y="connsiteY6"/>
+              </a:cxn>
+              <a:cxn ang="0">
+                <a:pos x="connsiteX7" y="connsiteY7"/>
+              </a:cxn>
+              <a:cxn ang="0">
+                <a:pos x="connsiteX8" y="connsiteY8"/>
+              </a:cxn>
+              <a:cxn ang="0">
+                <a:pos x="connsiteX9" y="connsiteY9"/>
+              </a:cxn>
+            </a:cxnLst>
+            <a:rect l="l" t="t" r="r" b="b"/>
+            <a:pathLst>
+              <a:path w="127714" h="127714">
+                <a:moveTo>
+                  <a:pt x="63857" y="18874"/>
+                </a:moveTo>
+                <a:cubicBezTo>
+                  <a:pt x="88700" y="18874"/>
+                  <a:pt x="108840" y="39014"/>
+                  <a:pt x="108840" y="63857"/>
+                </a:cubicBezTo>
+                <a:cubicBezTo>
+                  <a:pt x="108840" y="88700"/>
+                  <a:pt x="88700" y="108840"/>
+                  <a:pt x="63857" y="108840"/>
+                </a:cubicBezTo>
+                <a:cubicBezTo>
+                  <a:pt x="39014" y="108840"/>
+                  <a:pt x="18874" y="88700"/>
+                  <a:pt x="18874" y="63857"/>
+                </a:cubicBezTo>
+                <a:cubicBezTo>
+                  <a:pt x="18898" y="39024"/>
+                  <a:pt x="39024" y="18898"/>
+                  <a:pt x="63857" y="18874"/>
+                </a:cubicBezTo>
+                <a:moveTo>
+                  <a:pt x="63857" y="0"/>
+                </a:moveTo>
+                <a:cubicBezTo>
+                  <a:pt x="28590" y="0"/>
+                  <a:pt x="0" y="28590"/>
+                  <a:pt x="0" y="63857"/>
+                </a:cubicBezTo>
+                <a:cubicBezTo>
+                  <a:pt x="0" y="99124"/>
+                  <a:pt x="28590" y="127714"/>
+                  <a:pt x="63857" y="127714"/>
+                </a:cubicBezTo>
+                <a:cubicBezTo>
+                  <a:pt x="99124" y="127714"/>
+                  <a:pt x="127714" y="99124"/>
+                  <a:pt x="127714" y="63857"/>
+                </a:cubicBezTo>
+                <a:cubicBezTo>
+                  <a:pt x="127714" y="28590"/>
+                  <a:pt x="99124" y="0"/>
+                  <a:pt x="63857" y="0"/>
+                </a:cubicBezTo>
+                <a:close/>
+              </a:path>
+            </a:pathLst>
+          </a:custGeom>
+          <a:solidFill>
+            <a:schemeClr val="accent2"/>
+          </a:solidFill>
+          <a:ln w="610" cap="flat">
+            <a:noFill/>
+            <a:prstDash val="solid"/>
+            <a:miter/>
+          </a:ln>
+        </p:spPr>
+        <p:txBody>
+          <a:bodyPr rtlCol="0" anchor="ctr"/>
+          <a:lstStyle/>
+          <a:p>
+            <a:endParaRPr lang="en-US"/>
+          </a:p>
+        </p:txBody>
+      </p:sp>
+      <p:sp>
+        <p:nvSpPr>
+          <p:cNvPr id="3" name="コンテンツ プレースホルダー 2">
+            <a:extLst>
+              <a:ext uri="{FF2B5EF4-FFF2-40B4-BE49-F238E27FC236}">
+                <a16:creationId xmlns:a16="http://schemas.microsoft.com/office/drawing/2014/main" id="{CA963741-0694-03F5-4D40-2A277EEE64CF}"/>
+              </a:ext>
+            </a:extLst>
+          </p:cNvPr>
+          <p:cNvSpPr>
+            <a:spLocks noGrp="1"/>
+          </p:cNvSpPr>
+          <p:nvPr>
+            <p:ph idx="1"/>
+          </p:nvPr>
+        </p:nvSpPr>
+        <p:spPr>
+          <a:xfrm>
+            <a:off x="7229042" y="698643"/>
+            <a:ext cx="4124758" cy="5301467"/>
+          </a:xfrm>
+        </p:spPr>
+        <p:txBody>
+          <a:bodyPr anchor="b">
+            <a:normAutofit/>
+          </a:bodyPr>
+          <a:lstStyle/>
+          <a:p>
+            <a:r>
+              <a:rPr kumimoji="1" lang="en-US" altLang="ja-JP" sz="4800" dirty="0" err="1">
+                <a:solidFill>
+                  <a:schemeClr val="tx1">
+                    <a:alpha val="80000"/>
+                  </a:schemeClr>
+                </a:solidFill>
+              </a:rPr>
+              <a:t>CodeZine</a:t>
+            </a:r>
+            <a:endParaRPr kumimoji="1" lang="en-US" altLang="ja-JP" sz="4800" dirty="0">
+              <a:solidFill>
+                <a:schemeClr val="tx1">
+                  <a:alpha val="80000"/>
+                </a:schemeClr>
+              </a:solidFill>
+            </a:endParaRPr>
+          </a:p>
+          <a:p>
+            <a:endParaRPr lang="en-US" altLang="ja-JP" sz="4800" dirty="0">
+              <a:solidFill>
+                <a:schemeClr val="tx1">
+                  <a:alpha val="80000"/>
+                </a:schemeClr>
+              </a:solidFill>
+            </a:endParaRPr>
+          </a:p>
+          <a:p>
+            <a:r>
+              <a:rPr kumimoji="1" lang="en-US" altLang="ja-JP" sz="4800" dirty="0" err="1">
+                <a:solidFill>
+                  <a:schemeClr val="tx1">
+                    <a:alpha val="80000"/>
+                  </a:schemeClr>
+                </a:solidFill>
+              </a:rPr>
+              <a:t>GiminiAI</a:t>
+            </a:r>
+            <a:endParaRPr kumimoji="1" lang="ja-JP" altLang="en-US" sz="4800" dirty="0">
+              <a:solidFill>
+                <a:schemeClr val="tx1">
+                  <a:alpha val="80000"/>
+                </a:schemeClr>
+              </a:solidFill>
+            </a:endParaRPr>
+          </a:p>
+        </p:txBody>
+      </p:sp>
+    </p:spTree>
+    <p:extLst>
+      <p:ext uri="{BB962C8B-B14F-4D97-AF65-F5344CB8AC3E}">
+        <p14:creationId xmlns:p14="http://schemas.microsoft.com/office/powerpoint/2010/main" val="1596716306"/>
+      </p:ext>
+    </p:extLst>
+  </p:cSld>
+  <p:clrMapOvr>
+    <a:masterClrMapping/>
+  </p:clrMapOvr>
+</p:sld>
+</file>
+
+<file path=ppt/slides/slide7.xml><?xml version="1.0" encoding="utf-8"?>
+<p:sld xmlns:a="http://schemas.openxmlformats.org/drawingml/2006/main" xmlns:r="http://schemas.openxmlformats.org/officeDocument/2006/relationships" xmlns:p="http://schemas.openxmlformats.org/presentationml/2006/main">
+  <p:cSld>
+    <p:bg>
+      <p:bgPr>
+        <a:solidFill>
+          <a:schemeClr val="bg1"/>
+        </a:solidFill>
+        <a:effectLst/>
+      </p:bgPr>
+    </p:bg>
+    <p:spTree>
+      <p:nvGrpSpPr>
+        <p:cNvPr id="1" name=""/>
+        <p:cNvGrpSpPr/>
+        <p:nvPr/>
+      </p:nvGrpSpPr>
+      <p:grpSpPr>
+        <a:xfrm>
+          <a:off x="0" y="0"/>
+          <a:ext cx="0" cy="0"/>
+          <a:chOff x="0" y="0"/>
+          <a:chExt cx="0" cy="0"/>
+        </a:xfrm>
+      </p:grpSpPr>
+      <p:sp>
+        <p:nvSpPr>
+          <p:cNvPr id="2" name="タイトル 1">
+            <a:extLst>
+              <a:ext uri="{FF2B5EF4-FFF2-40B4-BE49-F238E27FC236}">
+                <a16:creationId xmlns:a16="http://schemas.microsoft.com/office/drawing/2014/main" id="{BE1BC83A-2A14-200B-9B1A-D63ED8B9337F}"/>
+              </a:ext>
+            </a:extLst>
+          </p:cNvPr>
+          <p:cNvSpPr>
+            <a:spLocks noGrp="1"/>
+          </p:cNvSpPr>
+          <p:nvPr>
+            <p:ph type="title"/>
+          </p:nvPr>
+        </p:nvSpPr>
+        <p:spPr>
+          <a:xfrm>
+            <a:off x="5868557" y="1138036"/>
+            <a:ext cx="5444382" cy="1402470"/>
+          </a:xfrm>
+        </p:spPr>
+        <p:txBody>
+          <a:bodyPr anchor="t">
+            <a:normAutofit/>
+          </a:bodyPr>
+          <a:lstStyle/>
+          <a:p>
+            <a:r>
+              <a:rPr kumimoji="1" lang="ja-JP" altLang="en-US" sz="3200"/>
+              <a:t>改善点、今後の展望</a:t>
+            </a:r>
+          </a:p>
+        </p:txBody>
+      </p:sp>
+      <p:pic>
+        <p:nvPicPr>
+          <p:cNvPr id="5" name="Picture 4" descr="画面上のコンピューターのスクリプト">
+            <a:extLst>
+              <a:ext uri="{FF2B5EF4-FFF2-40B4-BE49-F238E27FC236}">
+                <a16:creationId xmlns:a16="http://schemas.microsoft.com/office/drawing/2014/main" id="{51BBE3B8-C4F5-D1F8-C55E-ED086CDF4973}"/>
+              </a:ext>
+            </a:extLst>
+          </p:cNvPr>
+          <p:cNvPicPr>
+            <a:picLocks noChangeAspect="1"/>
+          </p:cNvPicPr>
+          <p:nvPr/>
+        </p:nvPicPr>
+        <p:blipFill>
+          <a:blip r:embed="rId2"/>
+          <a:srcRect l="5045" r="44817" b="-1"/>
+          <a:stretch/>
+        </p:blipFill>
+        <p:spPr>
+          <a:xfrm>
+            <a:off x="-1" y="10"/>
+            <a:ext cx="5151179" cy="6857990"/>
+          </a:xfrm>
+          <a:prstGeom prst="rect">
+            <a:avLst/>
+          </a:prstGeom>
+        </p:spPr>
+      </p:pic>
+      <p:cxnSp>
+        <p:nvCxnSpPr>
+          <p:cNvPr id="9" name="Straight Connector 8">
+            <a:extLst>
+              <a:ext uri="{FF2B5EF4-FFF2-40B4-BE49-F238E27FC236}">
+                <a16:creationId xmlns:a16="http://schemas.microsoft.com/office/drawing/2014/main" id="{1503BFE4-729B-D9D0-C17B-501E6AF1127A}"/>
+              </a:ext>
+              <a:ext uri="{C183D7F6-B498-43B3-948B-1728B52AA6E4}">
+                <adec:decorative xmlns:adec="http://schemas.microsoft.com/office/drawing/2017/decorative" val="1"/>
+              </a:ext>
+            </a:extLst>
+          </p:cNvPr>
+          <p:cNvCxnSpPr>
+            <a:cxnSpLocks noGrp="1" noRot="1" noChangeAspect="1" noMove="1" noResize="1" noEditPoints="1" noAdjustHandles="1" noChangeArrowheads="1" noChangeShapeType="1"/>
+          </p:cNvCxnSpPr>
+          <p:nvPr>
+            <p:extLst>
+              <p:ext uri="{386F3935-93C4-4BCD-93E2-E3B085C9AB24}">
+                <p16:designElem xmlns:p16="http://schemas.microsoft.com/office/powerpoint/2015/main" val="1"/>
+              </p:ext>
+            </p:extLst>
+          </p:nvPr>
+        </p:nvCxnSpPr>
+        <p:spPr>
+          <a:xfrm>
+            <a:off x="5971697" y="871146"/>
+            <a:ext cx="736939" cy="0"/>
+          </a:xfrm>
+          <a:prstGeom prst="line">
+            <a:avLst/>
+          </a:prstGeom>
+          <a:ln w="57150">
+            <a:solidFill>
+              <a:schemeClr val="accent4"/>
+            </a:solidFill>
+          </a:ln>
+        </p:spPr>
+        <p:style>
+          <a:lnRef idx="1">
+            <a:schemeClr val="accent1"/>
+          </a:lnRef>
+          <a:fillRef idx="0">
+            <a:schemeClr val="accent1"/>
+          </a:fillRef>
+          <a:effectRef idx="0">
+            <a:schemeClr val="accent1"/>
+          </a:effectRef>
+          <a:fontRef idx="minor">
+            <a:schemeClr val="tx1"/>
+          </a:fontRef>
+        </p:style>
+      </p:cxnSp>
+      <p:sp>
+        <p:nvSpPr>
+          <p:cNvPr id="3" name="コンテンツ プレースホルダー 2">
+            <a:extLst>
+              <a:ext uri="{FF2B5EF4-FFF2-40B4-BE49-F238E27FC236}">
+                <a16:creationId xmlns:a16="http://schemas.microsoft.com/office/drawing/2014/main" id="{66B6FE99-480A-3F71-08F9-623E2BE766D4}"/>
+              </a:ext>
+            </a:extLst>
+          </p:cNvPr>
+          <p:cNvSpPr>
+            <a:spLocks noGrp="1"/>
+          </p:cNvSpPr>
+          <p:nvPr>
+            <p:ph idx="1"/>
+          </p:nvPr>
+        </p:nvSpPr>
+        <p:spPr>
+          <a:xfrm>
+            <a:off x="5868557" y="2551176"/>
+            <a:ext cx="5444382" cy="3591207"/>
+          </a:xfrm>
+        </p:spPr>
+        <p:txBody>
+          <a:bodyPr>
+            <a:normAutofit/>
+          </a:bodyPr>
+          <a:lstStyle/>
+          <a:p>
+            <a:r>
+              <a:rPr kumimoji="1" lang="en-US" altLang="ja-JP" sz="2000"/>
+              <a:t>UI</a:t>
+            </a:r>
+            <a:r>
+              <a:rPr kumimoji="1" lang="ja-JP" altLang="en-US" sz="2000"/>
+              <a:t>、</a:t>
+            </a:r>
+            <a:r>
+              <a:rPr kumimoji="1" lang="en-US" altLang="ja-JP" sz="2000"/>
+              <a:t>UX</a:t>
+            </a:r>
+            <a:r>
+              <a:rPr kumimoji="1" lang="ja-JP" altLang="en-US" sz="2000"/>
+              <a:t>の向上</a:t>
+            </a:r>
+            <a:endParaRPr kumimoji="1" lang="en-US" altLang="ja-JP" sz="2000"/>
+          </a:p>
+          <a:p>
+            <a:r>
+              <a:rPr lang="ja-JP" altLang="en-US" sz="2000"/>
+              <a:t>データベース</a:t>
+            </a:r>
+            <a:endParaRPr lang="en-US" altLang="ja-JP" sz="2000"/>
+          </a:p>
+          <a:p>
+            <a:r>
+              <a:rPr lang="ja-JP" altLang="en-US" sz="2000"/>
+              <a:t>在庫管理機能等</a:t>
+            </a:r>
+            <a:endParaRPr kumimoji="1" lang="ja-JP" altLang="en-US" sz="2000"/>
+          </a:p>
+        </p:txBody>
+      </p:sp>
+    </p:spTree>
+    <p:extLst>
+      <p:ext uri="{BB962C8B-B14F-4D97-AF65-F5344CB8AC3E}">
+        <p14:creationId xmlns:p14="http://schemas.microsoft.com/office/powerpoint/2010/main" val="4245333183"/>
       </p:ext>
     </p:extLst>
   </p:cSld>
